--- a/Lectures/Lecture 4.pptx
+++ b/Lectures/Lecture 4.pptx
@@ -4894,8 +4894,8 @@
           </a:p>
         </p:txBody>
       </p:sp>
-      <mc:AlternateContent xmlns:mc="http://schemas.openxmlformats.org/markup-compatibility/2006" xmlns:a14="http://schemas.microsoft.com/office/drawing/2010/main">
-        <mc:Choice Requires="a14">
+      <mc:AlternateContent xmlns:mc="http://schemas.openxmlformats.org/markup-compatibility/2006">
+        <mc:Choice xmlns:a14="http://schemas.microsoft.com/office/drawing/2010/main" Requires="a14">
           <p:sp>
             <p:nvSpPr>
               <p:cNvPr id="3" name="Content Placeholder 2">
@@ -5104,6 +5104,22 @@
                       <a:srgbClr val="FF0000"/>
                     </a:solidFill>
                   </a:rPr>
+                  <a:t>not</a:t>
+                </a:r>
+                <a:r>
+                  <a:rPr lang="en-US" sz="2800" b="1" i="1" dirty="0">
+                    <a:solidFill>
+                      <a:schemeClr val="accent1"/>
+                    </a:solidFill>
+                  </a:rPr>
+                  <a:t> </a:t>
+                </a:r>
+                <a:r>
+                  <a:rPr lang="en-US" sz="2800" b="1" i="1" dirty="0">
+                    <a:solidFill>
+                      <a:srgbClr val="FF0000"/>
+                    </a:solidFill>
+                  </a:rPr>
                   <a:t>present</a:t>
                 </a:r>
                 <a:r>
@@ -5383,22 +5399,6 @@
                     </a:solidFill>
                   </a:rPr>
                   <a:t>is </a:t>
-                </a:r>
-                <a:r>
-                  <a:rPr lang="en-US" sz="2800" b="1" i="1" dirty="0">
-                    <a:solidFill>
-                      <a:srgbClr val="FF0000"/>
-                    </a:solidFill>
-                  </a:rPr>
-                  <a:t>not</a:t>
-                </a:r>
-                <a:r>
-                  <a:rPr lang="en-US" sz="2800" dirty="0">
-                    <a:solidFill>
-                      <a:schemeClr val="accent1"/>
-                    </a:solidFill>
-                  </a:rPr>
-                  <a:t> </a:t>
                 </a:r>
                 <a:r>
                   <a:rPr lang="en-US" sz="2800" b="1" i="1" dirty="0">
@@ -5497,7 +5497,7 @@
             </p:txBody>
           </p:sp>
         </mc:Choice>
-        <mc:Fallback xmlns="">
+        <mc:Fallback>
           <p:sp>
             <p:nvSpPr>
               <p:cNvPr id="3" name="Content Placeholder 2">
@@ -18622,8 +18622,8 @@
           </a:p>
         </p:txBody>
       </p:sp>
-      <mc:AlternateContent xmlns:mc="http://schemas.openxmlformats.org/markup-compatibility/2006">
-        <mc:Choice xmlns:a14="http://schemas.microsoft.com/office/drawing/2010/main" Requires="a14">
+      <mc:AlternateContent xmlns:mc="http://schemas.openxmlformats.org/markup-compatibility/2006" xmlns:a14="http://schemas.microsoft.com/office/drawing/2010/main">
+        <mc:Choice Requires="a14">
           <p:sp>
             <p:nvSpPr>
               <p:cNvPr id="11" name="Content Placeholder 10">
@@ -18790,7 +18790,7 @@
             </p:txBody>
           </p:sp>
         </mc:Choice>
-        <mc:Fallback>
+        <mc:Fallback xmlns="">
           <p:sp>
             <p:nvSpPr>
               <p:cNvPr id="11" name="Content Placeholder 10">
@@ -19086,8 +19086,8 @@
           </a:p>
         </p:txBody>
       </p:sp>
-      <mc:AlternateContent xmlns:mc="http://schemas.openxmlformats.org/markup-compatibility/2006">
-        <mc:Choice xmlns:a14="http://schemas.microsoft.com/office/drawing/2010/main" Requires="a14">
+      <mc:AlternateContent xmlns:mc="http://schemas.openxmlformats.org/markup-compatibility/2006" xmlns:a14="http://schemas.microsoft.com/office/drawing/2010/main">
+        <mc:Choice Requires="a14">
           <p:sp>
             <p:nvSpPr>
               <p:cNvPr id="3" name="Content Placeholder 2">
@@ -19738,7 +19738,7 @@
             </p:txBody>
           </p:sp>
         </mc:Choice>
-        <mc:Fallback>
+        <mc:Fallback xmlns="">
           <p:sp>
             <p:nvSpPr>
               <p:cNvPr id="3" name="Content Placeholder 2">
@@ -20511,8 +20511,8 @@
           </a:p>
         </p:txBody>
       </p:sp>
-      <mc:AlternateContent xmlns:mc="http://schemas.openxmlformats.org/markup-compatibility/2006">
-        <mc:Choice xmlns:a14="http://schemas.microsoft.com/office/drawing/2010/main" Requires="a14">
+      <mc:AlternateContent xmlns:mc="http://schemas.openxmlformats.org/markup-compatibility/2006" xmlns:a14="http://schemas.microsoft.com/office/drawing/2010/main">
+        <mc:Choice Requires="a14">
           <p:sp>
             <p:nvSpPr>
               <p:cNvPr id="3" name="Content Placeholder 2">
@@ -21354,7 +21354,7 @@
             </p:txBody>
           </p:sp>
         </mc:Choice>
-        <mc:Fallback>
+        <mc:Fallback xmlns="">
           <p:sp>
             <p:nvSpPr>
               <p:cNvPr id="3" name="Content Placeholder 2">
@@ -21456,8 +21456,8 @@
           </a:p>
         </p:txBody>
       </p:sp>
-      <mc:AlternateContent xmlns:mc="http://schemas.openxmlformats.org/markup-compatibility/2006">
-        <mc:Choice xmlns:a14="http://schemas.microsoft.com/office/drawing/2010/main" Requires="a14">
+      <mc:AlternateContent xmlns:mc="http://schemas.openxmlformats.org/markup-compatibility/2006" xmlns:a14="http://schemas.microsoft.com/office/drawing/2010/main">
+        <mc:Choice Requires="a14">
           <p:sp>
             <p:nvSpPr>
               <p:cNvPr id="3" name="Content Placeholder 2">
@@ -21947,7 +21947,7 @@
             </p:txBody>
           </p:sp>
         </mc:Choice>
-        <mc:Fallback>
+        <mc:Fallback xmlns="">
           <p:sp>
             <p:nvSpPr>
               <p:cNvPr id="3" name="Content Placeholder 2">

--- a/Lectures/Lecture 4.pptx
+++ b/Lectures/Lecture 4.pptx
@@ -5,7 +5,7 @@
     <p:sldMasterId id="2147483648" r:id="rId1"/>
   </p:sldMasterIdLst>
   <p:notesMasterIdLst>
-    <p:notesMasterId r:id="rId44"/>
+    <p:notesMasterId r:id="rId45"/>
   </p:notesMasterIdLst>
   <p:sldIdLst>
     <p:sldId id="256" r:id="rId2"/>
@@ -22,34 +22,35 @@
     <p:sldId id="317" r:id="rId13"/>
     <p:sldId id="316" r:id="rId14"/>
     <p:sldId id="318" r:id="rId15"/>
-    <p:sldId id="319" r:id="rId16"/>
-    <p:sldId id="323" r:id="rId17"/>
-    <p:sldId id="320" r:id="rId18"/>
-    <p:sldId id="321" r:id="rId19"/>
-    <p:sldId id="322" r:id="rId20"/>
-    <p:sldId id="324" r:id="rId21"/>
-    <p:sldId id="325" r:id="rId22"/>
-    <p:sldId id="326" r:id="rId23"/>
-    <p:sldId id="327" r:id="rId24"/>
-    <p:sldId id="328" r:id="rId25"/>
-    <p:sldId id="329" r:id="rId26"/>
-    <p:sldId id="330" r:id="rId27"/>
-    <p:sldId id="338" r:id="rId28"/>
-    <p:sldId id="331" r:id="rId29"/>
-    <p:sldId id="332" r:id="rId30"/>
-    <p:sldId id="335" r:id="rId31"/>
-    <p:sldId id="333" r:id="rId32"/>
-    <p:sldId id="336" r:id="rId33"/>
-    <p:sldId id="337" r:id="rId34"/>
-    <p:sldId id="339" r:id="rId35"/>
-    <p:sldId id="340" r:id="rId36"/>
-    <p:sldId id="341" r:id="rId37"/>
-    <p:sldId id="342" r:id="rId38"/>
-    <p:sldId id="343" r:id="rId39"/>
-    <p:sldId id="344" r:id="rId40"/>
-    <p:sldId id="345" r:id="rId41"/>
-    <p:sldId id="346" r:id="rId42"/>
-    <p:sldId id="347" r:id="rId43"/>
+    <p:sldId id="348" r:id="rId16"/>
+    <p:sldId id="319" r:id="rId17"/>
+    <p:sldId id="323" r:id="rId18"/>
+    <p:sldId id="320" r:id="rId19"/>
+    <p:sldId id="321" r:id="rId20"/>
+    <p:sldId id="322" r:id="rId21"/>
+    <p:sldId id="324" r:id="rId22"/>
+    <p:sldId id="325" r:id="rId23"/>
+    <p:sldId id="326" r:id="rId24"/>
+    <p:sldId id="327" r:id="rId25"/>
+    <p:sldId id="328" r:id="rId26"/>
+    <p:sldId id="329" r:id="rId27"/>
+    <p:sldId id="330" r:id="rId28"/>
+    <p:sldId id="338" r:id="rId29"/>
+    <p:sldId id="331" r:id="rId30"/>
+    <p:sldId id="332" r:id="rId31"/>
+    <p:sldId id="335" r:id="rId32"/>
+    <p:sldId id="333" r:id="rId33"/>
+    <p:sldId id="336" r:id="rId34"/>
+    <p:sldId id="337" r:id="rId35"/>
+    <p:sldId id="339" r:id="rId36"/>
+    <p:sldId id="340" r:id="rId37"/>
+    <p:sldId id="341" r:id="rId38"/>
+    <p:sldId id="342" r:id="rId39"/>
+    <p:sldId id="343" r:id="rId40"/>
+    <p:sldId id="344" r:id="rId41"/>
+    <p:sldId id="345" r:id="rId42"/>
+    <p:sldId id="346" r:id="rId43"/>
+    <p:sldId id="347" r:id="rId44"/>
   </p:sldIdLst>
   <p:sldSz cx="12192000" cy="6858000"/>
   <p:notesSz cx="6858000" cy="9144000"/>
@@ -4894,8 +4895,8 @@
           </a:p>
         </p:txBody>
       </p:sp>
-      <mc:AlternateContent xmlns:mc="http://schemas.openxmlformats.org/markup-compatibility/2006">
-        <mc:Choice xmlns:a14="http://schemas.microsoft.com/office/drawing/2010/main" Requires="a14">
+      <mc:AlternateContent xmlns:mc="http://schemas.openxmlformats.org/markup-compatibility/2006" xmlns:a14="http://schemas.microsoft.com/office/drawing/2010/main">
+        <mc:Choice Requires="a14">
           <p:sp>
             <p:nvSpPr>
               <p:cNvPr id="3" name="Content Placeholder 2">
@@ -5497,7 +5498,7 @@
             </p:txBody>
           </p:sp>
         </mc:Choice>
-        <mc:Fallback>
+        <mc:Fallback xmlns="">
           <p:sp>
             <p:nvSpPr>
               <p:cNvPr id="3" name="Content Placeholder 2">
@@ -5986,6 +5987,45 @@
           </a:prstGeom>
         </p:spPr>
       </p:pic>
+      <p:sp>
+        <p:nvSpPr>
+          <p:cNvPr id="4" name="TextBox 3">
+            <a:extLst>
+              <a:ext uri="{FF2B5EF4-FFF2-40B4-BE49-F238E27FC236}">
+                <a16:creationId xmlns:a16="http://schemas.microsoft.com/office/drawing/2014/main" id="{B019B76A-D067-4C21-9EFB-775B7964A1DE}"/>
+              </a:ext>
+            </a:extLst>
+          </p:cNvPr>
+          <p:cNvSpPr txBox="1"/>
+          <p:nvPr/>
+        </p:nvSpPr>
+        <p:spPr>
+          <a:xfrm>
+            <a:off x="1000125" y="5222856"/>
+            <a:ext cx="8337550" cy="523220"/>
+          </a:xfrm>
+          <a:prstGeom prst="rect">
+            <a:avLst/>
+          </a:prstGeom>
+          <a:noFill/>
+        </p:spPr>
+        <p:txBody>
+          <a:bodyPr wrap="square" rtlCol="0">
+            <a:spAutoFit/>
+          </a:bodyPr>
+          <a:lstStyle/>
+          <a:p>
+            <a:r>
+              <a:rPr lang="en-US" sz="2800" dirty="0">
+                <a:solidFill>
+                  <a:schemeClr val="accent1"/>
+                </a:solidFill>
+              </a:rPr>
+              <a:t> </a:t>
+            </a:r>
+          </a:p>
+        </p:txBody>
+      </p:sp>
     </p:spTree>
     <p:extLst>
       <p:ext uri="{BB962C8B-B14F-4D97-AF65-F5344CB8AC3E}">
@@ -6021,7 +6061,7 @@
           <p:cNvPr id="2" name="Title 1">
             <a:extLst>
               <a:ext uri="{FF2B5EF4-FFF2-40B4-BE49-F238E27FC236}">
-                <a16:creationId xmlns:a16="http://schemas.microsoft.com/office/drawing/2014/main" id="{F4B1EA7C-5404-47CD-A647-D3005D6C8327}"/>
+                <a16:creationId xmlns:a16="http://schemas.microsoft.com/office/drawing/2014/main" id="{40D6B3C2-094D-4B63-A880-703F1931A5BF}"/>
               </a:ext>
             </a:extLst>
           </p:cNvPr>
@@ -6043,19 +6083,58 @@
                   <a:schemeClr val="accent1"/>
                 </a:solidFill>
               </a:rPr>
-              <a:t>Load Factor</a:t>
+              <a:t>Basic Operation: Delete by Key</a:t>
             </a:r>
           </a:p>
         </p:txBody>
       </p:sp>
-      <mc:AlternateContent xmlns:mc="http://schemas.openxmlformats.org/markup-compatibility/2006" xmlns:a14="http://schemas.microsoft.com/office/drawing/2010/main">
-        <mc:Choice Requires="a14">
+      <p:sp>
+        <p:nvSpPr>
+          <p:cNvPr id="4" name="TextBox 3">
+            <a:extLst>
+              <a:ext uri="{FF2B5EF4-FFF2-40B4-BE49-F238E27FC236}">
+                <a16:creationId xmlns:a16="http://schemas.microsoft.com/office/drawing/2014/main" id="{B019B76A-D067-4C21-9EFB-775B7964A1DE}"/>
+              </a:ext>
+            </a:extLst>
+          </p:cNvPr>
+          <p:cNvSpPr txBox="1"/>
+          <p:nvPr/>
+        </p:nvSpPr>
+        <p:spPr>
+          <a:xfrm>
+            <a:off x="1000125" y="5222856"/>
+            <a:ext cx="8337550" cy="523220"/>
+          </a:xfrm>
+          <a:prstGeom prst="rect">
+            <a:avLst/>
+          </a:prstGeom>
+          <a:noFill/>
+        </p:spPr>
+        <p:txBody>
+          <a:bodyPr wrap="square" rtlCol="0">
+            <a:spAutoFit/>
+          </a:bodyPr>
+          <a:lstStyle/>
+          <a:p>
+            <a:r>
+              <a:rPr lang="en-US" sz="2800" dirty="0">
+                <a:solidFill>
+                  <a:schemeClr val="accent1"/>
+                </a:solidFill>
+              </a:rPr>
+              <a:t> </a:t>
+            </a:r>
+          </a:p>
+        </p:txBody>
+      </p:sp>
+      <mc:AlternateContent xmlns:mc="http://schemas.openxmlformats.org/markup-compatibility/2006">
+        <mc:Choice xmlns:a14="http://schemas.microsoft.com/office/drawing/2010/main" Requires="a14">
           <p:sp>
             <p:nvSpPr>
-              <p:cNvPr id="3" name="Content Placeholder 2">
+              <p:cNvPr id="9" name="Content Placeholder 8">
                 <a:extLst>
                   <a:ext uri="{FF2B5EF4-FFF2-40B4-BE49-F238E27FC236}">
-                    <a16:creationId xmlns:a16="http://schemas.microsoft.com/office/drawing/2014/main" id="{7AB7C43E-5330-4C05-AE3C-B5DFD60779B0}"/>
+                    <a16:creationId xmlns:a16="http://schemas.microsoft.com/office/drawing/2014/main" id="{421CF74D-25B4-4763-B3D4-D768C1C49885}"/>
                   </a:ext>
                 </a:extLst>
               </p:cNvPr>
@@ -6080,7 +6159,7 @@
                       <a:schemeClr val="accent1"/>
                     </a:solidFill>
                   </a:rPr>
-                  <a:t>Given a hash table </a:t>
+                  <a:t>To delete an element </a:t>
                 </a:r>
                 <a14:m>
                   <m:oMath xmlns:m="http://schemas.openxmlformats.org/officeDocument/2006/math">
@@ -6091,7 +6170,7 @@
                         </a:solidFill>
                         <a:latin typeface="Cambria Math" panose="02040503050406030204" pitchFamily="18" charset="0"/>
                       </a:rPr>
-                      <m:t>𝑇</m:t>
+                      <m:t>𝑥</m:t>
                     </m:r>
                   </m:oMath>
                 </a14:m>
@@ -6101,196 +6180,29 @@
                       <a:schemeClr val="accent1"/>
                     </a:solidFill>
                   </a:rPr>
-                  <a:t> with </a:t>
+                  <a:t> by key </a:t>
                 </a:r>
                 <a14:m>
                   <m:oMath xmlns:m="http://schemas.openxmlformats.org/officeDocument/2006/math">
                     <m:r>
                       <a:rPr lang="en-US" b="0" i="1" smtClean="0">
-                        <a:solidFill>
-                          <a:schemeClr val="tx1"/>
-                        </a:solidFill>
-                        <a:latin typeface="Cambria Math" panose="02040503050406030204" pitchFamily="18" charset="0"/>
-                      </a:rPr>
-                      <m:t>𝑚</m:t>
+                        <a:latin typeface="Cambria Math" panose="02040503050406030204" pitchFamily="18" charset="0"/>
+                      </a:rPr>
+                      <m:t>𝑘</m:t>
                     </m:r>
                   </m:oMath>
                 </a14:m>
                 <a:r>
-                  <a:rPr lang="th-TH" dirty="0">
-                    <a:solidFill>
-                      <a:schemeClr val="accent1"/>
-                    </a:solidFill>
-                  </a:rPr>
-                  <a:t> </a:t>
-                </a:r>
-                <a:r>
-                  <a:rPr lang="en-US" dirty="0">
-                    <a:solidFill>
-                      <a:schemeClr val="accent1"/>
-                    </a:solidFill>
-                  </a:rPr>
-                  <a:t>slots that stores </a:t>
-                </a:r>
-                <a14:m>
-                  <m:oMath xmlns:m="http://schemas.openxmlformats.org/officeDocument/2006/math">
-                    <m:r>
-                      <a:rPr lang="en-US" b="0" i="1" smtClean="0">
-                        <a:solidFill>
-                          <a:schemeClr val="tx1"/>
-                        </a:solidFill>
-                        <a:latin typeface="Cambria Math" panose="02040503050406030204" pitchFamily="18" charset="0"/>
-                      </a:rPr>
-                      <m:t>𝑛</m:t>
-                    </m:r>
-                  </m:oMath>
-                </a14:m>
-                <a:r>
-                  <a:rPr lang="en-US" dirty="0">
-                    <a:solidFill>
-                      <a:schemeClr val="accent1"/>
-                    </a:solidFill>
-                  </a:rPr>
-                  <a:t> elements, we define the </a:t>
-                </a:r>
-                <a:r>
-                  <a:rPr lang="en-US" b="1" i="1" dirty="0">
-                    <a:solidFill>
-                      <a:srgbClr val="FF0000"/>
-                    </a:solidFill>
-                  </a:rPr>
-                  <a:t>load factor</a:t>
-                </a:r>
-                <a:r>
-                  <a:rPr lang="en-US" dirty="0">
-                    <a:solidFill>
-                      <a:srgbClr val="FF0000"/>
-                    </a:solidFill>
-                  </a:rPr>
-                  <a:t>  </a:t>
-                </a:r>
-                <a:r>
-                  <a:rPr lang="en-US" dirty="0">
-                    <a:solidFill>
-                      <a:schemeClr val="accent1"/>
-                    </a:solidFill>
-                  </a:rPr>
-                  <a:t>denoted by </a:t>
-                </a:r>
-                <a14:m>
-                  <m:oMath xmlns:m="http://schemas.openxmlformats.org/officeDocument/2006/math">
-                    <m:r>
-                      <a:rPr lang="en-US" i="1" smtClean="0">
-                        <a:solidFill>
-                          <a:schemeClr val="tx1"/>
-                        </a:solidFill>
-                        <a:latin typeface="Cambria Math" panose="02040503050406030204" pitchFamily="18" charset="0"/>
-                        <a:ea typeface="Cambria Math" panose="02040503050406030204" pitchFamily="18" charset="0"/>
-                      </a:rPr>
-                      <m:t>𝛼</m:t>
-                    </m:r>
-                  </m:oMath>
-                </a14:m>
-                <a:r>
-                  <a:rPr lang="en-US" dirty="0">
-                    <a:solidFill>
-                      <a:schemeClr val="accent1"/>
-                    </a:solidFill>
-                  </a:rPr>
-                  <a:t> for </a:t>
-                </a:r>
-                <a14:m>
-                  <m:oMath xmlns:m="http://schemas.openxmlformats.org/officeDocument/2006/math">
-                    <m:r>
-                      <a:rPr lang="en-US" i="1">
-                        <a:latin typeface="Cambria Math" panose="02040503050406030204" pitchFamily="18" charset="0"/>
-                      </a:rPr>
-                      <m:t>𝑇</m:t>
-                    </m:r>
-                  </m:oMath>
-                </a14:m>
-                <a:r>
-                  <a:rPr lang="en-US" b="1" i="1" dirty="0">
-                    <a:solidFill>
-                      <a:srgbClr val="FF0000"/>
-                    </a:solidFill>
-                  </a:rPr>
-                  <a:t> </a:t>
-                </a:r>
-                <a:r>
-                  <a:rPr lang="en-US" dirty="0">
-                    <a:solidFill>
-                      <a:schemeClr val="accent1"/>
-                    </a:solidFill>
-                  </a:rPr>
-                  <a:t>as </a:t>
-                </a:r>
-                <a14:m>
-                  <m:oMath xmlns:m="http://schemas.openxmlformats.org/officeDocument/2006/math">
-                    <m:box>
-                      <m:boxPr>
-                        <m:ctrlPr>
-                          <a:rPr lang="en-US" i="1" smtClean="0">
-                            <a:solidFill>
-                              <a:schemeClr val="tx1"/>
-                            </a:solidFill>
-                            <a:latin typeface="Cambria Math" panose="02040503050406030204" pitchFamily="18" charset="0"/>
-                          </a:rPr>
-                        </m:ctrlPr>
-                      </m:boxPr>
-                      <m:e>
-                        <m:argPr>
-                          <m:argSz m:val="-1"/>
-                        </m:argPr>
-                        <m:f>
-                          <m:fPr>
-                            <m:ctrlPr>
-                              <a:rPr lang="en-US" i="1" smtClean="0">
-                                <a:solidFill>
-                                  <a:schemeClr val="tx1"/>
-                                </a:solidFill>
-                                <a:latin typeface="Cambria Math" panose="02040503050406030204" pitchFamily="18" charset="0"/>
-                              </a:rPr>
-                            </m:ctrlPr>
-                          </m:fPr>
-                          <m:num>
-                            <m:r>
-                              <a:rPr lang="en-US" b="0" i="1" smtClean="0">
-                                <a:solidFill>
-                                  <a:schemeClr val="tx1"/>
-                                </a:solidFill>
-                                <a:latin typeface="Cambria Math" panose="02040503050406030204" pitchFamily="18" charset="0"/>
-                              </a:rPr>
-                              <m:t>𝑛</m:t>
-                            </m:r>
-                          </m:num>
-                          <m:den>
-                            <m:r>
-                              <a:rPr lang="en-US" b="0" i="1" smtClean="0">
-                                <a:solidFill>
-                                  <a:schemeClr val="tx1"/>
-                                </a:solidFill>
-                                <a:latin typeface="Cambria Math" panose="02040503050406030204" pitchFamily="18" charset="0"/>
-                              </a:rPr>
-                              <m:t>𝑚</m:t>
-                            </m:r>
-                          </m:den>
-                        </m:f>
-                      </m:e>
-                    </m:box>
-                  </m:oMath>
-                </a14:m>
-                <a:r>
-                  <a:rPr lang="en-US" dirty="0">
-                    <a:solidFill>
-                      <a:schemeClr val="accent1"/>
-                    </a:solidFill>
-                  </a:rPr>
-                  <a:t>.</a:t>
-                </a:r>
-              </a:p>
-              <a:p>
-                <a:pPr marL="0" indent="0">
+                  <a:rPr lang="en-US" dirty="0">
+                    <a:solidFill>
+                      <a:schemeClr val="accent1"/>
+                    </a:solidFill>
+                  </a:rPr>
+                  <a:t> , we can make use of the search and the delete operation previously discussed as follows:</a:t>
+                </a:r>
+              </a:p>
+              <a:p>
+                <a:pPr marL="457200" lvl="1" indent="0">
                   <a:buNone/>
                 </a:pPr>
                 <a:endParaRPr lang="en-US" dirty="0">
@@ -6299,128 +6211,16 @@
                   </a:solidFill>
                 </a:endParaRPr>
               </a:p>
-              <a:p>
-                <a:pPr marL="0" indent="0">
-                  <a:buNone/>
-                </a:pPr>
-                <a:r>
-                  <a:rPr lang="en-US" dirty="0">
-                    <a:solidFill>
-                      <a:schemeClr val="accent1"/>
-                    </a:solidFill>
-                  </a:rPr>
-                  <a:t>In other words, the load factor </a:t>
-                </a:r>
-                <a14:m>
-                  <m:oMath xmlns:m="http://schemas.openxmlformats.org/officeDocument/2006/math">
-                    <m:r>
-                      <a:rPr lang="en-US" i="1" smtClean="0">
-                        <a:solidFill>
-                          <a:schemeClr val="tx1"/>
-                        </a:solidFill>
-                        <a:latin typeface="Cambria Math" panose="02040503050406030204" pitchFamily="18" charset="0"/>
-                        <a:ea typeface="Cambria Math" panose="02040503050406030204" pitchFamily="18" charset="0"/>
-                      </a:rPr>
-                      <m:t>𝛼</m:t>
-                    </m:r>
-                  </m:oMath>
-                </a14:m>
-                <a:r>
-                  <a:rPr lang="en-US" dirty="0">
-                    <a:solidFill>
-                      <a:schemeClr val="accent1"/>
-                    </a:solidFill>
-                  </a:rPr>
-                  <a:t> is the </a:t>
-                </a:r>
-                <a:r>
-                  <a:rPr lang="en-US" b="1" i="1" dirty="0">
-                    <a:solidFill>
-                      <a:srgbClr val="FF0000"/>
-                    </a:solidFill>
-                  </a:rPr>
-                  <a:t>average number of elements </a:t>
-                </a:r>
-                <a:r>
-                  <a:rPr lang="en-US" dirty="0">
-                    <a:solidFill>
-                      <a:schemeClr val="accent1"/>
-                    </a:solidFill>
-                  </a:rPr>
-                  <a:t>stored in a chain.</a:t>
-                </a:r>
-              </a:p>
-              <a:p>
-                <a:pPr marL="0" indent="0">
-                  <a:buNone/>
-                </a:pPr>
-                <a:endParaRPr lang="en-US" dirty="0">
-                  <a:solidFill>
-                    <a:schemeClr val="accent1"/>
-                  </a:solidFill>
-                </a:endParaRPr>
-              </a:p>
-              <a:p>
-                <a:pPr marL="0" indent="0">
-                  <a:buNone/>
-                </a:pPr>
-                <a:r>
-                  <a:rPr lang="en-US" dirty="0">
-                    <a:solidFill>
-                      <a:schemeClr val="accent1"/>
-                    </a:solidFill>
-                  </a:rPr>
-                  <a:t>Our probabilistic analysis will be in terms of the load factor </a:t>
-                </a:r>
-                <a14:m>
-                  <m:oMath xmlns:m="http://schemas.openxmlformats.org/officeDocument/2006/math">
-                    <m:r>
-                      <a:rPr lang="en-US" i="1" smtClean="0">
-                        <a:solidFill>
-                          <a:schemeClr val="tx1"/>
-                        </a:solidFill>
-                        <a:latin typeface="Cambria Math" panose="02040503050406030204" pitchFamily="18" charset="0"/>
-                        <a:ea typeface="Cambria Math" panose="02040503050406030204" pitchFamily="18" charset="0"/>
-                      </a:rPr>
-                      <m:t>𝛼</m:t>
-                    </m:r>
-                  </m:oMath>
-                </a14:m>
-                <a:r>
-                  <a:rPr lang="en-US" dirty="0">
-                    <a:solidFill>
-                      <a:schemeClr val="accent1"/>
-                    </a:solidFill>
-                  </a:rPr>
-                  <a:t>, which can be less than, equal to or greater than </a:t>
-                </a:r>
-                <a:r>
-                  <a:rPr lang="en-US" b="1" dirty="0">
-                    <a:solidFill>
-                      <a:srgbClr val="FF0000"/>
-                    </a:solidFill>
-                  </a:rPr>
-                  <a:t>1</a:t>
-                </a:r>
-                <a:r>
-                  <a:rPr lang="en-US" dirty="0">
-                    <a:solidFill>
-                      <a:schemeClr val="accent1"/>
-                    </a:solidFill>
-                  </a:rPr>
-                  <a:t>.</a:t>
-                </a:r>
-              </a:p>
             </p:txBody>
           </p:sp>
         </mc:Choice>
-        <mc:Fallback xmlns="">
+        <mc:Fallback>
           <p:sp>
             <p:nvSpPr>
-              <p:cNvPr id="3" name="Content Placeholder 2">
+              <p:cNvPr id="9" name="Content Placeholder 8">
                 <a:extLst>
                   <a:ext uri="{FF2B5EF4-FFF2-40B4-BE49-F238E27FC236}">
-                    <a16:creationId xmlns:a16="http://schemas.microsoft.com/office/drawing/2014/main" id="{7AB7C43E-5330-4C05-AE3C-B5DFD60779B0}"/>
+                    <a16:creationId xmlns:a16="http://schemas.microsoft.com/office/drawing/2014/main" id="{421CF74D-25B4-4763-B3D4-D768C1C49885}"/>
                   </a:ext>
                 </a:extLst>
               </p:cNvPr>
@@ -6435,7 +6235,7 @@
               <a:blipFill>
                 <a:blip r:embed="rId2"/>
                 <a:stretch>
-                  <a:fillRect l="-1217" t="-2941" r="-1507"/>
+                  <a:fillRect l="-1217" t="-2241"/>
                 </a:stretch>
               </a:blipFill>
             </p:spPr>
@@ -6454,10 +6254,40 @@
           </p:sp>
         </mc:Fallback>
       </mc:AlternateContent>
+      <p:pic>
+        <p:nvPicPr>
+          <p:cNvPr id="10" name="Picture 9">
+            <a:extLst>
+              <a:ext uri="{FF2B5EF4-FFF2-40B4-BE49-F238E27FC236}">
+                <a16:creationId xmlns:a16="http://schemas.microsoft.com/office/drawing/2014/main" id="{01D0893C-EAFB-45BF-90C3-B183F1631980}"/>
+              </a:ext>
+            </a:extLst>
+          </p:cNvPr>
+          <p:cNvPicPr>
+            <a:picLocks noChangeAspect="1"/>
+          </p:cNvPicPr>
+          <p:nvPr/>
+        </p:nvPicPr>
+        <p:blipFill>
+          <a:blip r:embed="rId3"/>
+          <a:stretch>
+            <a:fillRect/>
+          </a:stretch>
+        </p:blipFill>
+        <p:spPr>
+          <a:xfrm>
+            <a:off x="3224212" y="3984606"/>
+            <a:ext cx="5534025" cy="1238250"/>
+          </a:xfrm>
+          <a:prstGeom prst="rect">
+            <a:avLst/>
+          </a:prstGeom>
+        </p:spPr>
+      </p:pic>
     </p:spTree>
     <p:extLst>
       <p:ext uri="{BB962C8B-B14F-4D97-AF65-F5344CB8AC3E}">
-        <p14:creationId xmlns:p14="http://schemas.microsoft.com/office/powerpoint/2010/main" val="3656380644"/>
+        <p14:creationId xmlns:p14="http://schemas.microsoft.com/office/powerpoint/2010/main" val="3915615219"/>
       </p:ext>
     </p:extLst>
   </p:cSld>
@@ -6536,6 +6366,474 @@
             </p:nvSpPr>
             <p:spPr/>
             <p:txBody>
+              <a:bodyPr/>
+              <a:lstStyle/>
+              <a:p>
+                <a:pPr marL="0" indent="0">
+                  <a:buNone/>
+                </a:pPr>
+                <a:r>
+                  <a:rPr lang="en-US" dirty="0">
+                    <a:solidFill>
+                      <a:schemeClr val="accent1"/>
+                    </a:solidFill>
+                  </a:rPr>
+                  <a:t>Given a hash table </a:t>
+                </a:r>
+                <a14:m>
+                  <m:oMath xmlns:m="http://schemas.openxmlformats.org/officeDocument/2006/math">
+                    <m:r>
+                      <a:rPr lang="en-US" b="0" i="1" smtClean="0">
+                        <a:solidFill>
+                          <a:schemeClr val="tx1"/>
+                        </a:solidFill>
+                        <a:latin typeface="Cambria Math" panose="02040503050406030204" pitchFamily="18" charset="0"/>
+                      </a:rPr>
+                      <m:t>𝑇</m:t>
+                    </m:r>
+                  </m:oMath>
+                </a14:m>
+                <a:r>
+                  <a:rPr lang="en-US" dirty="0">
+                    <a:solidFill>
+                      <a:schemeClr val="accent1"/>
+                    </a:solidFill>
+                  </a:rPr>
+                  <a:t> with </a:t>
+                </a:r>
+                <a14:m>
+                  <m:oMath xmlns:m="http://schemas.openxmlformats.org/officeDocument/2006/math">
+                    <m:r>
+                      <a:rPr lang="en-US" b="0" i="1" smtClean="0">
+                        <a:solidFill>
+                          <a:schemeClr val="tx1"/>
+                        </a:solidFill>
+                        <a:latin typeface="Cambria Math" panose="02040503050406030204" pitchFamily="18" charset="0"/>
+                      </a:rPr>
+                      <m:t>𝑚</m:t>
+                    </m:r>
+                  </m:oMath>
+                </a14:m>
+                <a:r>
+                  <a:rPr lang="th-TH" dirty="0">
+                    <a:solidFill>
+                      <a:schemeClr val="accent1"/>
+                    </a:solidFill>
+                  </a:rPr>
+                  <a:t> </a:t>
+                </a:r>
+                <a:r>
+                  <a:rPr lang="en-US" dirty="0">
+                    <a:solidFill>
+                      <a:schemeClr val="accent1"/>
+                    </a:solidFill>
+                  </a:rPr>
+                  <a:t>slots that stores </a:t>
+                </a:r>
+                <a14:m>
+                  <m:oMath xmlns:m="http://schemas.openxmlformats.org/officeDocument/2006/math">
+                    <m:r>
+                      <a:rPr lang="en-US" b="0" i="1" smtClean="0">
+                        <a:solidFill>
+                          <a:schemeClr val="tx1"/>
+                        </a:solidFill>
+                        <a:latin typeface="Cambria Math" panose="02040503050406030204" pitchFamily="18" charset="0"/>
+                      </a:rPr>
+                      <m:t>𝑛</m:t>
+                    </m:r>
+                  </m:oMath>
+                </a14:m>
+                <a:r>
+                  <a:rPr lang="en-US" dirty="0">
+                    <a:solidFill>
+                      <a:schemeClr val="accent1"/>
+                    </a:solidFill>
+                  </a:rPr>
+                  <a:t> elements, we define the </a:t>
+                </a:r>
+                <a:r>
+                  <a:rPr lang="en-US" b="1" i="1" dirty="0">
+                    <a:solidFill>
+                      <a:srgbClr val="FF0000"/>
+                    </a:solidFill>
+                  </a:rPr>
+                  <a:t>load factor</a:t>
+                </a:r>
+                <a:r>
+                  <a:rPr lang="en-US" dirty="0">
+                    <a:solidFill>
+                      <a:srgbClr val="FF0000"/>
+                    </a:solidFill>
+                  </a:rPr>
+                  <a:t>  </a:t>
+                </a:r>
+                <a:r>
+                  <a:rPr lang="en-US" dirty="0">
+                    <a:solidFill>
+                      <a:schemeClr val="accent1"/>
+                    </a:solidFill>
+                  </a:rPr>
+                  <a:t>denoted by </a:t>
+                </a:r>
+                <a14:m>
+                  <m:oMath xmlns:m="http://schemas.openxmlformats.org/officeDocument/2006/math">
+                    <m:r>
+                      <a:rPr lang="en-US" i="1" smtClean="0">
+                        <a:solidFill>
+                          <a:schemeClr val="tx1"/>
+                        </a:solidFill>
+                        <a:latin typeface="Cambria Math" panose="02040503050406030204" pitchFamily="18" charset="0"/>
+                        <a:ea typeface="Cambria Math" panose="02040503050406030204" pitchFamily="18" charset="0"/>
+                      </a:rPr>
+                      <m:t>𝛼</m:t>
+                    </m:r>
+                  </m:oMath>
+                </a14:m>
+                <a:r>
+                  <a:rPr lang="en-US" dirty="0">
+                    <a:solidFill>
+                      <a:schemeClr val="accent1"/>
+                    </a:solidFill>
+                  </a:rPr>
+                  <a:t> for </a:t>
+                </a:r>
+                <a14:m>
+                  <m:oMath xmlns:m="http://schemas.openxmlformats.org/officeDocument/2006/math">
+                    <m:r>
+                      <a:rPr lang="en-US" i="1">
+                        <a:latin typeface="Cambria Math" panose="02040503050406030204" pitchFamily="18" charset="0"/>
+                      </a:rPr>
+                      <m:t>𝑇</m:t>
+                    </m:r>
+                  </m:oMath>
+                </a14:m>
+                <a:r>
+                  <a:rPr lang="en-US" b="1" i="1" dirty="0">
+                    <a:solidFill>
+                      <a:srgbClr val="FF0000"/>
+                    </a:solidFill>
+                  </a:rPr>
+                  <a:t> </a:t>
+                </a:r>
+                <a:r>
+                  <a:rPr lang="en-US" dirty="0">
+                    <a:solidFill>
+                      <a:schemeClr val="accent1"/>
+                    </a:solidFill>
+                  </a:rPr>
+                  <a:t>as </a:t>
+                </a:r>
+                <a14:m>
+                  <m:oMath xmlns:m="http://schemas.openxmlformats.org/officeDocument/2006/math">
+                    <m:box>
+                      <m:boxPr>
+                        <m:ctrlPr>
+                          <a:rPr lang="en-US" i="1" smtClean="0">
+                            <a:solidFill>
+                              <a:schemeClr val="tx1"/>
+                            </a:solidFill>
+                            <a:latin typeface="Cambria Math" panose="02040503050406030204" pitchFamily="18" charset="0"/>
+                          </a:rPr>
+                        </m:ctrlPr>
+                      </m:boxPr>
+                      <m:e>
+                        <m:argPr>
+                          <m:argSz m:val="-1"/>
+                        </m:argPr>
+                        <m:f>
+                          <m:fPr>
+                            <m:ctrlPr>
+                              <a:rPr lang="en-US" i="1" smtClean="0">
+                                <a:solidFill>
+                                  <a:schemeClr val="tx1"/>
+                                </a:solidFill>
+                                <a:latin typeface="Cambria Math" panose="02040503050406030204" pitchFamily="18" charset="0"/>
+                              </a:rPr>
+                            </m:ctrlPr>
+                          </m:fPr>
+                          <m:num>
+                            <m:r>
+                              <a:rPr lang="en-US" b="0" i="1" smtClean="0">
+                                <a:solidFill>
+                                  <a:schemeClr val="tx1"/>
+                                </a:solidFill>
+                                <a:latin typeface="Cambria Math" panose="02040503050406030204" pitchFamily="18" charset="0"/>
+                              </a:rPr>
+                              <m:t>𝑛</m:t>
+                            </m:r>
+                          </m:num>
+                          <m:den>
+                            <m:r>
+                              <a:rPr lang="en-US" b="0" i="1" smtClean="0">
+                                <a:solidFill>
+                                  <a:schemeClr val="tx1"/>
+                                </a:solidFill>
+                                <a:latin typeface="Cambria Math" panose="02040503050406030204" pitchFamily="18" charset="0"/>
+                              </a:rPr>
+                              <m:t>𝑚</m:t>
+                            </m:r>
+                          </m:den>
+                        </m:f>
+                      </m:e>
+                    </m:box>
+                  </m:oMath>
+                </a14:m>
+                <a:r>
+                  <a:rPr lang="en-US" dirty="0">
+                    <a:solidFill>
+                      <a:schemeClr val="accent1"/>
+                    </a:solidFill>
+                  </a:rPr>
+                  <a:t>.</a:t>
+                </a:r>
+              </a:p>
+              <a:p>
+                <a:pPr marL="0" indent="0">
+                  <a:buNone/>
+                </a:pPr>
+                <a:endParaRPr lang="en-US" dirty="0">
+                  <a:solidFill>
+                    <a:schemeClr val="accent1"/>
+                  </a:solidFill>
+                </a:endParaRPr>
+              </a:p>
+              <a:p>
+                <a:pPr marL="0" indent="0">
+                  <a:buNone/>
+                </a:pPr>
+                <a:r>
+                  <a:rPr lang="en-US" dirty="0">
+                    <a:solidFill>
+                      <a:schemeClr val="accent1"/>
+                    </a:solidFill>
+                  </a:rPr>
+                  <a:t>In other words, the load factor </a:t>
+                </a:r>
+                <a14:m>
+                  <m:oMath xmlns:m="http://schemas.openxmlformats.org/officeDocument/2006/math">
+                    <m:r>
+                      <a:rPr lang="en-US" i="1" smtClean="0">
+                        <a:solidFill>
+                          <a:schemeClr val="tx1"/>
+                        </a:solidFill>
+                        <a:latin typeface="Cambria Math" panose="02040503050406030204" pitchFamily="18" charset="0"/>
+                        <a:ea typeface="Cambria Math" panose="02040503050406030204" pitchFamily="18" charset="0"/>
+                      </a:rPr>
+                      <m:t>𝛼</m:t>
+                    </m:r>
+                  </m:oMath>
+                </a14:m>
+                <a:r>
+                  <a:rPr lang="en-US" dirty="0">
+                    <a:solidFill>
+                      <a:schemeClr val="accent1"/>
+                    </a:solidFill>
+                  </a:rPr>
+                  <a:t> is the </a:t>
+                </a:r>
+                <a:r>
+                  <a:rPr lang="en-US" b="1" i="1" dirty="0">
+                    <a:solidFill>
+                      <a:srgbClr val="FF0000"/>
+                    </a:solidFill>
+                  </a:rPr>
+                  <a:t>average number of elements </a:t>
+                </a:r>
+                <a:r>
+                  <a:rPr lang="en-US" dirty="0">
+                    <a:solidFill>
+                      <a:schemeClr val="accent1"/>
+                    </a:solidFill>
+                  </a:rPr>
+                  <a:t>stored in a chain.</a:t>
+                </a:r>
+              </a:p>
+              <a:p>
+                <a:pPr marL="0" indent="0">
+                  <a:buNone/>
+                </a:pPr>
+                <a:endParaRPr lang="en-US" dirty="0">
+                  <a:solidFill>
+                    <a:schemeClr val="accent1"/>
+                  </a:solidFill>
+                </a:endParaRPr>
+              </a:p>
+              <a:p>
+                <a:pPr marL="0" indent="0">
+                  <a:buNone/>
+                </a:pPr>
+                <a:r>
+                  <a:rPr lang="en-US" dirty="0">
+                    <a:solidFill>
+                      <a:schemeClr val="accent1"/>
+                    </a:solidFill>
+                  </a:rPr>
+                  <a:t>Our probabilistic analysis will be in terms of the load factor </a:t>
+                </a:r>
+                <a14:m>
+                  <m:oMath xmlns:m="http://schemas.openxmlformats.org/officeDocument/2006/math">
+                    <m:r>
+                      <a:rPr lang="en-US" i="1" smtClean="0">
+                        <a:solidFill>
+                          <a:schemeClr val="tx1"/>
+                        </a:solidFill>
+                        <a:latin typeface="Cambria Math" panose="02040503050406030204" pitchFamily="18" charset="0"/>
+                        <a:ea typeface="Cambria Math" panose="02040503050406030204" pitchFamily="18" charset="0"/>
+                      </a:rPr>
+                      <m:t>𝛼</m:t>
+                    </m:r>
+                  </m:oMath>
+                </a14:m>
+                <a:r>
+                  <a:rPr lang="en-US" dirty="0">
+                    <a:solidFill>
+                      <a:schemeClr val="accent1"/>
+                    </a:solidFill>
+                  </a:rPr>
+                  <a:t>, which can be less than, equal to or greater than </a:t>
+                </a:r>
+                <a:r>
+                  <a:rPr lang="en-US" b="1" dirty="0">
+                    <a:solidFill>
+                      <a:srgbClr val="FF0000"/>
+                    </a:solidFill>
+                  </a:rPr>
+                  <a:t>1</a:t>
+                </a:r>
+                <a:r>
+                  <a:rPr lang="en-US" dirty="0">
+                    <a:solidFill>
+                      <a:schemeClr val="accent1"/>
+                    </a:solidFill>
+                  </a:rPr>
+                  <a:t>.</a:t>
+                </a:r>
+              </a:p>
+            </p:txBody>
+          </p:sp>
+        </mc:Choice>
+        <mc:Fallback xmlns="">
+          <p:sp>
+            <p:nvSpPr>
+              <p:cNvPr id="3" name="Content Placeholder 2">
+                <a:extLst>
+                  <a:ext uri="{FF2B5EF4-FFF2-40B4-BE49-F238E27FC236}">
+                    <a16:creationId xmlns:a16="http://schemas.microsoft.com/office/drawing/2014/main" id="{7AB7C43E-5330-4C05-AE3C-B5DFD60779B0}"/>
+                  </a:ext>
+                </a:extLst>
+              </p:cNvPr>
+              <p:cNvSpPr>
+                <a:spLocks noGrp="1" noRot="1" noChangeAspect="1" noMove="1" noResize="1" noEditPoints="1" noAdjustHandles="1" noChangeArrowheads="1" noChangeShapeType="1" noTextEdit="1"/>
+              </p:cNvSpPr>
+              <p:nvPr>
+                <p:ph idx="1"/>
+              </p:nvPr>
+            </p:nvSpPr>
+            <p:spPr>
+              <a:blipFill>
+                <a:blip r:embed="rId2"/>
+                <a:stretch>
+                  <a:fillRect l="-1217" t="-2941" r="-1507"/>
+                </a:stretch>
+              </a:blipFill>
+            </p:spPr>
+            <p:txBody>
+              <a:bodyPr/>
+              <a:lstStyle/>
+              <a:p>
+                <a:r>
+                  <a:rPr lang="en-US">
+                    <a:noFill/>
+                  </a:rPr>
+                  <a:t> </a:t>
+                </a:r>
+              </a:p>
+            </p:txBody>
+          </p:sp>
+        </mc:Fallback>
+      </mc:AlternateContent>
+    </p:spTree>
+    <p:extLst>
+      <p:ext uri="{BB962C8B-B14F-4D97-AF65-F5344CB8AC3E}">
+        <p14:creationId xmlns:p14="http://schemas.microsoft.com/office/powerpoint/2010/main" val="3656380644"/>
+      </p:ext>
+    </p:extLst>
+  </p:cSld>
+  <p:clrMapOvr>
+    <a:masterClrMapping/>
+  </p:clrMapOvr>
+</p:sld>
+</file>
+
+<file path=ppt/slides/slide17.xml><?xml version="1.0" encoding="utf-8"?>
+<p:sld xmlns:a="http://schemas.openxmlformats.org/drawingml/2006/main" xmlns:r="http://schemas.openxmlformats.org/officeDocument/2006/relationships" xmlns:p="http://schemas.openxmlformats.org/presentationml/2006/main">
+  <p:cSld>
+    <p:spTree>
+      <p:nvGrpSpPr>
+        <p:cNvPr id="1" name=""/>
+        <p:cNvGrpSpPr/>
+        <p:nvPr/>
+      </p:nvGrpSpPr>
+      <p:grpSpPr>
+        <a:xfrm>
+          <a:off x="0" y="0"/>
+          <a:ext cx="0" cy="0"/>
+          <a:chOff x="0" y="0"/>
+          <a:chExt cx="0" cy="0"/>
+        </a:xfrm>
+      </p:grpSpPr>
+      <p:sp>
+        <p:nvSpPr>
+          <p:cNvPr id="2" name="Title 1">
+            <a:extLst>
+              <a:ext uri="{FF2B5EF4-FFF2-40B4-BE49-F238E27FC236}">
+                <a16:creationId xmlns:a16="http://schemas.microsoft.com/office/drawing/2014/main" id="{F4B1EA7C-5404-47CD-A647-D3005D6C8327}"/>
+              </a:ext>
+            </a:extLst>
+          </p:cNvPr>
+          <p:cNvSpPr>
+            <a:spLocks noGrp="1"/>
+          </p:cNvSpPr>
+          <p:nvPr>
+            <p:ph type="title"/>
+          </p:nvPr>
+        </p:nvSpPr>
+        <p:spPr/>
+        <p:txBody>
+          <a:bodyPr/>
+          <a:lstStyle/>
+          <a:p>
+            <a:r>
+              <a:rPr lang="en-US" dirty="0">
+                <a:solidFill>
+                  <a:schemeClr val="accent1"/>
+                </a:solidFill>
+              </a:rPr>
+              <a:t>Load Factor</a:t>
+            </a:r>
+          </a:p>
+        </p:txBody>
+      </p:sp>
+      <mc:AlternateContent xmlns:mc="http://schemas.openxmlformats.org/markup-compatibility/2006" xmlns:a14="http://schemas.microsoft.com/office/drawing/2010/main">
+        <mc:Choice Requires="a14">
+          <p:sp>
+            <p:nvSpPr>
+              <p:cNvPr id="3" name="Content Placeholder 2">
+                <a:extLst>
+                  <a:ext uri="{FF2B5EF4-FFF2-40B4-BE49-F238E27FC236}">
+                    <a16:creationId xmlns:a16="http://schemas.microsoft.com/office/drawing/2014/main" id="{7AB7C43E-5330-4C05-AE3C-B5DFD60779B0}"/>
+                  </a:ext>
+                </a:extLst>
+              </p:cNvPr>
+              <p:cNvSpPr>
+                <a:spLocks noGrp="1"/>
+              </p:cNvSpPr>
+              <p:nvPr>
+                <p:ph idx="1"/>
+              </p:nvPr>
+            </p:nvSpPr>
+            <p:spPr/>
+            <p:txBody>
               <a:bodyPr>
                 <a:normAutofit lnSpcReduction="10000"/>
               </a:bodyPr>
@@ -6863,7 +7161,7 @@
 </p:sld>
 </file>
 
-<file path=ppt/slides/slide17.xml><?xml version="1.0" encoding="utf-8"?>
+<file path=ppt/slides/slide18.xml><?xml version="1.0" encoding="utf-8"?>
 <p:sld xmlns:a="http://schemas.openxmlformats.org/drawingml/2006/main" xmlns:r="http://schemas.openxmlformats.org/officeDocument/2006/relationships" xmlns:p="http://schemas.openxmlformats.org/presentationml/2006/main">
   <p:cSld>
     <p:spTree>
@@ -6912,8 +7210,8 @@
           </a:p>
         </p:txBody>
       </p:sp>
-      <mc:AlternateContent xmlns:mc="http://schemas.openxmlformats.org/markup-compatibility/2006" xmlns:a14="http://schemas.microsoft.com/office/drawing/2010/main">
-        <mc:Choice Requires="a14">
+      <mc:AlternateContent xmlns:mc="http://schemas.openxmlformats.org/markup-compatibility/2006">
+        <mc:Choice xmlns:a14="http://schemas.microsoft.com/office/drawing/2010/main" Requires="a14">
           <p:sp>
             <p:nvSpPr>
               <p:cNvPr id="3" name="Content Placeholder 2">
@@ -7175,7 +7473,7 @@
                       <a:schemeClr val="accent1"/>
                     </a:solidFill>
                   </a:rPr>
-                  <a:t>However, we depend on how well the hash function </a:t>
+                  <a:t>We depend on how well the hash function </a:t>
                 </a:r>
                 <a14:m>
                   <m:oMath xmlns:m="http://schemas.openxmlformats.org/officeDocument/2006/math">
@@ -7263,7 +7561,7 @@
             </p:txBody>
           </p:sp>
         </mc:Choice>
-        <mc:Fallback xmlns="">
+        <mc:Fallback>
           <p:sp>
             <p:nvSpPr>
               <p:cNvPr id="3" name="Content Placeholder 2">
@@ -7316,7 +7614,7 @@
 </p:sld>
 </file>
 
-<file path=ppt/slides/slide18.xml><?xml version="1.0" encoding="utf-8"?>
+<file path=ppt/slides/slide19.xml><?xml version="1.0" encoding="utf-8"?>
 <p:sld xmlns:a="http://schemas.openxmlformats.org/drawingml/2006/main" xmlns:r="http://schemas.openxmlformats.org/officeDocument/2006/relationships" xmlns:p="http://schemas.openxmlformats.org/presentationml/2006/main">
   <p:cSld>
     <p:spTree>
@@ -7365,8 +7663,8 @@
           </a:p>
         </p:txBody>
       </p:sp>
-      <mc:AlternateContent xmlns:mc="http://schemas.openxmlformats.org/markup-compatibility/2006" xmlns:a14="http://schemas.microsoft.com/office/drawing/2010/main">
-        <mc:Choice Requires="a14">
+      <mc:AlternateContent xmlns:mc="http://schemas.openxmlformats.org/markup-compatibility/2006">
+        <mc:Choice xmlns:a14="http://schemas.microsoft.com/office/drawing/2010/main" Requires="a14">
           <p:sp>
             <p:nvSpPr>
               <p:cNvPr id="3" name="Content Placeholder 2">
@@ -7455,9 +7753,7 @@
                 </a:endParaRPr>
               </a:p>
               <a:p>
-                <a:pPr marL="457200" lvl="1" indent="0">
-                  <a:buNone/>
-                </a:pPr>
+                <a:pPr lvl="1"/>
                 <a:r>
                   <a:rPr lang="en-US" dirty="0">
                     <a:solidFill>
@@ -7491,7 +7787,7 @@
             </p:txBody>
           </p:sp>
         </mc:Choice>
-        <mc:Fallback xmlns="">
+        <mc:Fallback>
           <p:sp>
             <p:nvSpPr>
               <p:cNvPr id="3" name="Content Placeholder 2">
@@ -7512,7 +7808,7 @@
               <a:blipFill>
                 <a:blip r:embed="rId2"/>
                 <a:stretch>
-                  <a:fillRect l="-1217" t="-2241" r="-232"/>
+                  <a:fillRect l="-1217" t="-2241"/>
                 </a:stretch>
               </a:blipFill>
             </p:spPr>
@@ -7535,848 +7831,6 @@
     <p:extLst>
       <p:ext uri="{BB962C8B-B14F-4D97-AF65-F5344CB8AC3E}">
         <p14:creationId xmlns:p14="http://schemas.microsoft.com/office/powerpoint/2010/main" val="2523129793"/>
-      </p:ext>
-    </p:extLst>
-  </p:cSld>
-  <p:clrMapOvr>
-    <a:masterClrMapping/>
-  </p:clrMapOvr>
-</p:sld>
-</file>
-
-<file path=ppt/slides/slide19.xml><?xml version="1.0" encoding="utf-8"?>
-<p:sld xmlns:a="http://schemas.openxmlformats.org/drawingml/2006/main" xmlns:r="http://schemas.openxmlformats.org/officeDocument/2006/relationships" xmlns:p="http://schemas.openxmlformats.org/presentationml/2006/main">
-  <p:cSld>
-    <p:spTree>
-      <p:nvGrpSpPr>
-        <p:cNvPr id="1" name=""/>
-        <p:cNvGrpSpPr/>
-        <p:nvPr/>
-      </p:nvGrpSpPr>
-      <p:grpSpPr>
-        <a:xfrm>
-          <a:off x="0" y="0"/>
-          <a:ext cx="0" cy="0"/>
-          <a:chOff x="0" y="0"/>
-          <a:chExt cx="0" cy="0"/>
-        </a:xfrm>
-      </p:grpSpPr>
-      <p:sp>
-        <p:nvSpPr>
-          <p:cNvPr id="2" name="Title 1">
-            <a:extLst>
-              <a:ext uri="{FF2B5EF4-FFF2-40B4-BE49-F238E27FC236}">
-                <a16:creationId xmlns:a16="http://schemas.microsoft.com/office/drawing/2014/main" id="{07D7DC49-351A-465B-865E-380BA1F64DB8}"/>
-              </a:ext>
-            </a:extLst>
-          </p:cNvPr>
-          <p:cNvSpPr>
-            <a:spLocks noGrp="1"/>
-          </p:cNvSpPr>
-          <p:nvPr>
-            <p:ph type="title"/>
-          </p:nvPr>
-        </p:nvSpPr>
-        <p:spPr/>
-        <p:txBody>
-          <a:bodyPr/>
-          <a:lstStyle/>
-          <a:p>
-            <a:r>
-              <a:rPr lang="en-US" dirty="0">
-                <a:solidFill>
-                  <a:schemeClr val="accent1"/>
-                </a:solidFill>
-              </a:rPr>
-              <a:t>Simple Uniform Hashing</a:t>
-            </a:r>
-            <a:endParaRPr lang="en-US" dirty="0"/>
-          </a:p>
-        </p:txBody>
-      </p:sp>
-      <mc:AlternateContent xmlns:mc="http://schemas.openxmlformats.org/markup-compatibility/2006" xmlns:a14="http://schemas.microsoft.com/office/drawing/2010/main">
-        <mc:Choice Requires="a14">
-          <p:sp>
-            <p:nvSpPr>
-              <p:cNvPr id="3" name="Content Placeholder 2">
-                <a:extLst>
-                  <a:ext uri="{FF2B5EF4-FFF2-40B4-BE49-F238E27FC236}">
-                    <a16:creationId xmlns:a16="http://schemas.microsoft.com/office/drawing/2014/main" id="{AF2A9F55-5634-424F-9577-1A11422772C2}"/>
-                  </a:ext>
-                </a:extLst>
-              </p:cNvPr>
-              <p:cNvSpPr>
-                <a:spLocks noGrp="1"/>
-              </p:cNvSpPr>
-              <p:nvPr>
-                <p:ph idx="1"/>
-              </p:nvPr>
-            </p:nvSpPr>
-            <p:spPr/>
-            <p:txBody>
-              <a:bodyPr>
-                <a:normAutofit fontScale="85000" lnSpcReduction="10000"/>
-              </a:bodyPr>
-              <a:lstStyle/>
-              <a:p>
-                <a:pPr marL="0" indent="0">
-                  <a:buNone/>
-                </a:pPr>
-                <a:r>
-                  <a:rPr lang="en-US" dirty="0">
-                    <a:solidFill>
-                      <a:schemeClr val="accent1"/>
-                    </a:solidFill>
-                  </a:rPr>
-                  <a:t>Let </a:t>
-                </a:r>
-                <a14:m>
-                  <m:oMath xmlns:m="http://schemas.openxmlformats.org/officeDocument/2006/math">
-                    <m:sSub>
-                      <m:sSubPr>
-                        <m:ctrlPr>
-                          <a:rPr lang="en-US" i="1" smtClean="0">
-                            <a:latin typeface="Cambria Math" panose="02040503050406030204" pitchFamily="18" charset="0"/>
-                          </a:rPr>
-                        </m:ctrlPr>
-                      </m:sSubPr>
-                      <m:e>
-                        <m:r>
-                          <a:rPr lang="en-US" b="0" i="1" smtClean="0">
-                            <a:latin typeface="Cambria Math" panose="02040503050406030204" pitchFamily="18" charset="0"/>
-                          </a:rPr>
-                          <m:t>𝑛</m:t>
-                        </m:r>
-                      </m:e>
-                      <m:sub>
-                        <m:r>
-                          <a:rPr lang="en-US" b="0" i="1" smtClean="0">
-                            <a:latin typeface="Cambria Math" panose="02040503050406030204" pitchFamily="18" charset="0"/>
-                          </a:rPr>
-                          <m:t>𝑖</m:t>
-                        </m:r>
-                      </m:sub>
-                    </m:sSub>
-                  </m:oMath>
-                </a14:m>
-                <a:r>
-                  <a:rPr lang="en-US" dirty="0"/>
-                  <a:t> </a:t>
-                </a:r>
-                <a:r>
-                  <a:rPr lang="en-US" dirty="0">
-                    <a:solidFill>
-                      <a:schemeClr val="accent1"/>
-                    </a:solidFill>
-                  </a:rPr>
-                  <a:t>denote the length of the list </a:t>
-                </a:r>
-                <a14:m>
-                  <m:oMath xmlns:m="http://schemas.openxmlformats.org/officeDocument/2006/math">
-                    <m:r>
-                      <a:rPr lang="en-US" i="1">
-                        <a:latin typeface="Cambria Math" panose="02040503050406030204" pitchFamily="18" charset="0"/>
-                      </a:rPr>
-                      <m:t>𝑇</m:t>
-                    </m:r>
-                    <m:d>
-                      <m:dPr>
-                        <m:begChr m:val="["/>
-                        <m:endChr m:val="]"/>
-                        <m:ctrlPr>
-                          <a:rPr lang="en-US" b="0" i="1" smtClean="0">
-                            <a:latin typeface="Cambria Math" panose="02040503050406030204" pitchFamily="18" charset="0"/>
-                          </a:rPr>
-                        </m:ctrlPr>
-                      </m:dPr>
-                      <m:e>
-                        <m:r>
-                          <a:rPr lang="en-US" b="0" i="1" smtClean="0">
-                            <a:latin typeface="Cambria Math" panose="02040503050406030204" pitchFamily="18" charset="0"/>
-                          </a:rPr>
-                          <m:t>𝑖</m:t>
-                        </m:r>
-                      </m:e>
-                    </m:d>
-                  </m:oMath>
-                </a14:m>
-                <a:r>
-                  <a:rPr lang="en-US" dirty="0"/>
-                  <a:t>,</a:t>
-                </a:r>
-              </a:p>
-              <a:p>
-                <a:pPr marL="0" indent="0">
-                  <a:buNone/>
-                </a:pPr>
-                <a:r>
-                  <a:rPr lang="en-US" dirty="0">
-                    <a:solidFill>
-                      <a:schemeClr val="accent1"/>
-                    </a:solidFill>
-                  </a:rPr>
-                  <a:t>so that </a:t>
-                </a:r>
-                <a14:m>
-                  <m:oMath xmlns:m="http://schemas.openxmlformats.org/officeDocument/2006/math">
-                    <m:sSub>
-                      <m:sSubPr>
-                        <m:ctrlPr>
-                          <a:rPr lang="en-US" i="1">
-                            <a:latin typeface="Cambria Math" panose="02040503050406030204" pitchFamily="18" charset="0"/>
-                          </a:rPr>
-                        </m:ctrlPr>
-                      </m:sSubPr>
-                      <m:e>
-                        <m:r>
-                          <a:rPr lang="en-US" b="0" i="1" smtClean="0">
-                            <a:latin typeface="Cambria Math" panose="02040503050406030204" pitchFamily="18" charset="0"/>
-                          </a:rPr>
-                          <m:t>𝑛</m:t>
-                        </m:r>
-                        <m:r>
-                          <a:rPr lang="en-US" b="0" i="1" smtClean="0">
-                            <a:latin typeface="Cambria Math" panose="02040503050406030204" pitchFamily="18" charset="0"/>
-                          </a:rPr>
-                          <m:t>=</m:t>
-                        </m:r>
-                        <m:r>
-                          <a:rPr lang="en-US" i="1">
-                            <a:latin typeface="Cambria Math" panose="02040503050406030204" pitchFamily="18" charset="0"/>
-                          </a:rPr>
-                          <m:t>𝑛</m:t>
-                        </m:r>
-                      </m:e>
-                      <m:sub>
-                        <m:r>
-                          <a:rPr lang="en-US" b="0" i="1" smtClean="0">
-                            <a:latin typeface="Cambria Math" panose="02040503050406030204" pitchFamily="18" charset="0"/>
-                          </a:rPr>
-                          <m:t>0</m:t>
-                        </m:r>
-                      </m:sub>
-                    </m:sSub>
-                    <m:r>
-                      <a:rPr lang="en-US" b="0" i="1" smtClean="0">
-                        <a:latin typeface="Cambria Math" panose="02040503050406030204" pitchFamily="18" charset="0"/>
-                      </a:rPr>
-                      <m:t>+</m:t>
-                    </m:r>
-                    <m:sSub>
-                      <m:sSubPr>
-                        <m:ctrlPr>
-                          <a:rPr lang="en-US" b="0" i="1" smtClean="0">
-                            <a:latin typeface="Cambria Math" panose="02040503050406030204" pitchFamily="18" charset="0"/>
-                          </a:rPr>
-                        </m:ctrlPr>
-                      </m:sSubPr>
-                      <m:e>
-                        <m:r>
-                          <a:rPr lang="en-US" b="0" i="1" smtClean="0">
-                            <a:latin typeface="Cambria Math" panose="02040503050406030204" pitchFamily="18" charset="0"/>
-                          </a:rPr>
-                          <m:t>𝑛</m:t>
-                        </m:r>
-                      </m:e>
-                      <m:sub>
-                        <m:r>
-                          <a:rPr lang="en-US" b="0" i="1" smtClean="0">
-                            <a:latin typeface="Cambria Math" panose="02040503050406030204" pitchFamily="18" charset="0"/>
-                          </a:rPr>
-                          <m:t>1</m:t>
-                        </m:r>
-                      </m:sub>
-                    </m:sSub>
-                    <m:r>
-                      <a:rPr lang="en-US" b="0" i="1" smtClean="0">
-                        <a:latin typeface="Cambria Math" panose="02040503050406030204" pitchFamily="18" charset="0"/>
-                      </a:rPr>
-                      <m:t>+…+</m:t>
-                    </m:r>
-                    <m:sSub>
-                      <m:sSubPr>
-                        <m:ctrlPr>
-                          <a:rPr lang="en-US" b="0" i="1" smtClean="0">
-                            <a:latin typeface="Cambria Math" panose="02040503050406030204" pitchFamily="18" charset="0"/>
-                          </a:rPr>
-                        </m:ctrlPr>
-                      </m:sSubPr>
-                      <m:e>
-                        <m:r>
-                          <a:rPr lang="en-US" b="0" i="1" smtClean="0">
-                            <a:latin typeface="Cambria Math" panose="02040503050406030204" pitchFamily="18" charset="0"/>
-                          </a:rPr>
-                          <m:t>𝑛</m:t>
-                        </m:r>
-                      </m:e>
-                      <m:sub>
-                        <m:r>
-                          <a:rPr lang="en-US" b="0" i="1" smtClean="0">
-                            <a:latin typeface="Cambria Math" panose="02040503050406030204" pitchFamily="18" charset="0"/>
-                          </a:rPr>
-                          <m:t>𝑚</m:t>
-                        </m:r>
-                        <m:r>
-                          <a:rPr lang="en-US" b="0" i="1" smtClean="0">
-                            <a:latin typeface="Cambria Math" panose="02040503050406030204" pitchFamily="18" charset="0"/>
-                          </a:rPr>
-                          <m:t>−1</m:t>
-                        </m:r>
-                      </m:sub>
-                    </m:sSub>
-                  </m:oMath>
-                </a14:m>
-                <a:r>
-                  <a:rPr lang="en-US" dirty="0">
-                    <a:solidFill>
-                      <a:schemeClr val="accent1"/>
-                    </a:solidFill>
-                  </a:rPr>
-                  <a:t> and the expected value of </a:t>
-                </a:r>
-                <a14:m>
-                  <m:oMath xmlns:m="http://schemas.openxmlformats.org/officeDocument/2006/math">
-                    <m:sSub>
-                      <m:sSubPr>
-                        <m:ctrlPr>
-                          <a:rPr lang="en-US" i="1">
-                            <a:latin typeface="Cambria Math" panose="02040503050406030204" pitchFamily="18" charset="0"/>
-                          </a:rPr>
-                        </m:ctrlPr>
-                      </m:sSubPr>
-                      <m:e>
-                        <m:r>
-                          <a:rPr lang="en-US" i="1">
-                            <a:latin typeface="Cambria Math" panose="02040503050406030204" pitchFamily="18" charset="0"/>
-                          </a:rPr>
-                          <m:t>𝑛</m:t>
-                        </m:r>
-                      </m:e>
-                      <m:sub>
-                        <m:r>
-                          <a:rPr lang="en-US" i="1">
-                            <a:latin typeface="Cambria Math" panose="02040503050406030204" pitchFamily="18" charset="0"/>
-                          </a:rPr>
-                          <m:t>𝑖</m:t>
-                        </m:r>
-                      </m:sub>
-                    </m:sSub>
-                  </m:oMath>
-                </a14:m>
-                <a:r>
-                  <a:rPr lang="en-US" dirty="0"/>
-                  <a:t> </a:t>
-                </a:r>
-                <a:r>
-                  <a:rPr lang="en-US" dirty="0">
-                    <a:solidFill>
-                      <a:schemeClr val="accent1"/>
-                    </a:solidFill>
-                  </a:rPr>
-                  <a:t>is</a:t>
-                </a:r>
-                <a:r>
-                  <a:rPr lang="en-US" dirty="0"/>
-                  <a:t> </a:t>
-                </a:r>
-                <a14:m>
-                  <m:oMath xmlns:m="http://schemas.openxmlformats.org/officeDocument/2006/math">
-                    <m:r>
-                      <a:rPr lang="en-US" b="0" i="1" smtClean="0">
-                        <a:latin typeface="Cambria Math" panose="02040503050406030204" pitchFamily="18" charset="0"/>
-                      </a:rPr>
-                      <m:t>𝐸</m:t>
-                    </m:r>
-                    <m:d>
-                      <m:dPr>
-                        <m:ctrlPr>
-                          <a:rPr lang="en-US" b="0" i="1" smtClean="0">
-                            <a:latin typeface="Cambria Math" panose="02040503050406030204" pitchFamily="18" charset="0"/>
-                          </a:rPr>
-                        </m:ctrlPr>
-                      </m:dPr>
-                      <m:e>
-                        <m:sSub>
-                          <m:sSubPr>
-                            <m:ctrlPr>
-                              <a:rPr lang="en-US" b="0" i="1" smtClean="0">
-                                <a:latin typeface="Cambria Math" panose="02040503050406030204" pitchFamily="18" charset="0"/>
-                              </a:rPr>
-                            </m:ctrlPr>
-                          </m:sSubPr>
-                          <m:e>
-                            <m:r>
-                              <a:rPr lang="en-US" b="0" i="1" smtClean="0">
-                                <a:latin typeface="Cambria Math" panose="02040503050406030204" pitchFamily="18" charset="0"/>
-                              </a:rPr>
-                              <m:t>𝑛</m:t>
-                            </m:r>
-                          </m:e>
-                          <m:sub>
-                            <m:r>
-                              <a:rPr lang="en-US" b="0" i="1" smtClean="0">
-                                <a:latin typeface="Cambria Math" panose="02040503050406030204" pitchFamily="18" charset="0"/>
-                              </a:rPr>
-                              <m:t>𝑖</m:t>
-                            </m:r>
-                          </m:sub>
-                        </m:sSub>
-                      </m:e>
-                    </m:d>
-                    <m:r>
-                      <a:rPr lang="en-US" b="0" i="1" smtClean="0">
-                        <a:latin typeface="Cambria Math" panose="02040503050406030204" pitchFamily="18" charset="0"/>
-                      </a:rPr>
-                      <m:t>=</m:t>
-                    </m:r>
-                    <m:r>
-                      <a:rPr lang="en-US" b="0" i="1" smtClean="0">
-                        <a:latin typeface="Cambria Math" panose="02040503050406030204" pitchFamily="18" charset="0"/>
-                        <a:ea typeface="Cambria Math" panose="02040503050406030204" pitchFamily="18" charset="0"/>
-                      </a:rPr>
-                      <m:t>𝛼</m:t>
-                    </m:r>
-                    <m:r>
-                      <a:rPr lang="en-US" b="0" i="1" smtClean="0">
-                        <a:latin typeface="Cambria Math" panose="02040503050406030204" pitchFamily="18" charset="0"/>
-                        <a:ea typeface="Cambria Math" panose="02040503050406030204" pitchFamily="18" charset="0"/>
-                      </a:rPr>
-                      <m:t>=</m:t>
-                    </m:r>
-                    <m:box>
-                      <m:boxPr>
-                        <m:ctrlPr>
-                          <a:rPr lang="en-US" b="0" i="1" smtClean="0">
-                            <a:latin typeface="Cambria Math" panose="02040503050406030204" pitchFamily="18" charset="0"/>
-                            <a:ea typeface="Cambria Math" panose="02040503050406030204" pitchFamily="18" charset="0"/>
-                          </a:rPr>
-                        </m:ctrlPr>
-                      </m:boxPr>
-                      <m:e>
-                        <m:argPr>
-                          <m:argSz m:val="-1"/>
-                        </m:argPr>
-                        <m:f>
-                          <m:fPr>
-                            <m:ctrlPr>
-                              <a:rPr lang="en-US" b="0" i="1" smtClean="0">
-                                <a:latin typeface="Cambria Math" panose="02040503050406030204" pitchFamily="18" charset="0"/>
-                                <a:ea typeface="Cambria Math" panose="02040503050406030204" pitchFamily="18" charset="0"/>
-                              </a:rPr>
-                            </m:ctrlPr>
-                          </m:fPr>
-                          <m:num>
-                            <m:r>
-                              <a:rPr lang="en-US" b="0" i="1" smtClean="0">
-                                <a:latin typeface="Cambria Math" panose="02040503050406030204" pitchFamily="18" charset="0"/>
-                                <a:ea typeface="Cambria Math" panose="02040503050406030204" pitchFamily="18" charset="0"/>
-                              </a:rPr>
-                              <m:t>𝑛</m:t>
-                            </m:r>
-                          </m:num>
-                          <m:den>
-                            <m:r>
-                              <a:rPr lang="en-US" b="0" i="1" smtClean="0">
-                                <a:latin typeface="Cambria Math" panose="02040503050406030204" pitchFamily="18" charset="0"/>
-                                <a:ea typeface="Cambria Math" panose="02040503050406030204" pitchFamily="18" charset="0"/>
-                              </a:rPr>
-                              <m:t>𝑚</m:t>
-                            </m:r>
-                          </m:den>
-                        </m:f>
-                      </m:e>
-                    </m:box>
-                  </m:oMath>
-                </a14:m>
-                <a:r>
-                  <a:rPr lang="en-US" dirty="0">
-                    <a:solidFill>
-                      <a:schemeClr val="accent1"/>
-                    </a:solidFill>
-                  </a:rPr>
-                  <a:t>.</a:t>
-                </a:r>
-              </a:p>
-              <a:p>
-                <a:pPr marL="0" indent="0">
-                  <a:buNone/>
-                </a:pPr>
-                <a:endParaRPr lang="en-US" dirty="0">
-                  <a:solidFill>
-                    <a:schemeClr val="accent1"/>
-                  </a:solidFill>
-                </a:endParaRPr>
-              </a:p>
-              <a:p>
-                <a:pPr marL="0" indent="0">
-                  <a:buNone/>
-                </a:pPr>
-                <a:r>
-                  <a:rPr lang="en-US" dirty="0">
-                    <a:solidFill>
-                      <a:schemeClr val="accent1"/>
-                    </a:solidFill>
-                  </a:rPr>
-                  <a:t>Assume that the hash function runs in constant time </a:t>
-                </a:r>
-                <a14:m>
-                  <m:oMath xmlns:m="http://schemas.openxmlformats.org/officeDocument/2006/math">
-                    <m:r>
-                      <m:rPr>
-                        <m:sty m:val="p"/>
-                      </m:rPr>
-                      <a:rPr lang="el-GR" i="1">
-                        <a:latin typeface="Cambria Math" panose="02040503050406030204" pitchFamily="18" charset="0"/>
-                        <a:ea typeface="Cambria Math" panose="02040503050406030204" pitchFamily="18" charset="0"/>
-                      </a:rPr>
-                      <m:t>Θ</m:t>
-                    </m:r>
-                    <m:r>
-                      <a:rPr lang="en-US" b="0" i="1" smtClean="0">
-                        <a:solidFill>
-                          <a:schemeClr val="tx1"/>
-                        </a:solidFill>
-                        <a:latin typeface="Cambria Math" panose="02040503050406030204" pitchFamily="18" charset="0"/>
-                      </a:rPr>
-                      <m:t>(1)</m:t>
-                    </m:r>
-                  </m:oMath>
-                </a14:m>
-                <a:r>
-                  <a:rPr lang="en-US" dirty="0">
-                    <a:solidFill>
-                      <a:schemeClr val="accent1"/>
-                    </a:solidFill>
-                  </a:rPr>
-                  <a:t>.</a:t>
-                </a:r>
-              </a:p>
-              <a:p>
-                <a:pPr marL="0" indent="0">
-                  <a:buNone/>
-                </a:pPr>
-                <a:endParaRPr lang="en-US" dirty="0">
-                  <a:solidFill>
-                    <a:schemeClr val="accent1"/>
-                  </a:solidFill>
-                </a:endParaRPr>
-              </a:p>
-              <a:p>
-                <a:pPr marL="0" indent="0">
-                  <a:buNone/>
-                </a:pPr>
-                <a:r>
-                  <a:rPr lang="en-US" dirty="0">
-                    <a:solidFill>
-                      <a:schemeClr val="accent1"/>
-                    </a:solidFill>
-                  </a:rPr>
-                  <a:t>The time required to </a:t>
-                </a:r>
-                <a:r>
-                  <a:rPr lang="en-US" b="1" i="1" dirty="0">
-                    <a:solidFill>
-                      <a:srgbClr val="FF0000"/>
-                    </a:solidFill>
-                  </a:rPr>
-                  <a:t>search for an element </a:t>
-                </a:r>
-                <a:r>
-                  <a:rPr lang="en-US" dirty="0">
-                    <a:solidFill>
-                      <a:schemeClr val="accent1"/>
-                    </a:solidFill>
-                  </a:rPr>
-                  <a:t>with key </a:t>
-                </a:r>
-                <a14:m>
-                  <m:oMath xmlns:m="http://schemas.openxmlformats.org/officeDocument/2006/math">
-                    <m:r>
-                      <a:rPr lang="en-US" i="1">
-                        <a:latin typeface="Cambria Math" panose="02040503050406030204" pitchFamily="18" charset="0"/>
-                      </a:rPr>
-                      <m:t>𝑘</m:t>
-                    </m:r>
-                  </m:oMath>
-                </a14:m>
-                <a:r>
-                  <a:rPr lang="en-US" dirty="0">
-                    <a:solidFill>
-                      <a:schemeClr val="accent1"/>
-                    </a:solidFill>
-                  </a:rPr>
-                  <a:t> is </a:t>
-                </a:r>
-                <a:r>
-                  <a:rPr lang="en-US" b="1" i="1" dirty="0">
-                    <a:solidFill>
-                      <a:srgbClr val="FF0000"/>
-                    </a:solidFill>
-                  </a:rPr>
-                  <a:t>linearly proportional to the length </a:t>
-                </a:r>
-                <a14:m>
-                  <m:oMath xmlns:m="http://schemas.openxmlformats.org/officeDocument/2006/math">
-                    <m:sSub>
-                      <m:sSubPr>
-                        <m:ctrlPr>
-                          <a:rPr lang="en-US" i="1">
-                            <a:latin typeface="Cambria Math" panose="02040503050406030204" pitchFamily="18" charset="0"/>
-                          </a:rPr>
-                        </m:ctrlPr>
-                      </m:sSubPr>
-                      <m:e>
-                        <m:r>
-                          <a:rPr lang="en-US" i="1">
-                            <a:latin typeface="Cambria Math" panose="02040503050406030204" pitchFamily="18" charset="0"/>
-                          </a:rPr>
-                          <m:t>𝑛</m:t>
-                        </m:r>
-                      </m:e>
-                      <m:sub>
-                        <m:r>
-                          <a:rPr lang="en-US" b="0" i="1" smtClean="0">
-                            <a:latin typeface="Cambria Math" panose="02040503050406030204" pitchFamily="18" charset="0"/>
-                          </a:rPr>
-                          <m:t>h</m:t>
-                        </m:r>
-                        <m:r>
-                          <a:rPr lang="en-US" b="0" i="1" smtClean="0">
-                            <a:latin typeface="Cambria Math" panose="02040503050406030204" pitchFamily="18" charset="0"/>
-                          </a:rPr>
-                          <m:t>(</m:t>
-                        </m:r>
-                        <m:r>
-                          <a:rPr lang="en-US" b="0" i="1" smtClean="0">
-                            <a:latin typeface="Cambria Math" panose="02040503050406030204" pitchFamily="18" charset="0"/>
-                          </a:rPr>
-                          <m:t>𝑘</m:t>
-                        </m:r>
-                        <m:r>
-                          <a:rPr lang="en-US" b="0" i="1" smtClean="0">
-                            <a:latin typeface="Cambria Math" panose="02040503050406030204" pitchFamily="18" charset="0"/>
-                          </a:rPr>
-                          <m:t>)</m:t>
-                        </m:r>
-                      </m:sub>
-                    </m:sSub>
-                  </m:oMath>
-                </a14:m>
-                <a:r>
-                  <a:rPr lang="en-US" dirty="0"/>
-                  <a:t> </a:t>
-                </a:r>
-                <a:r>
-                  <a:rPr lang="en-US" dirty="0">
-                    <a:solidFill>
-                      <a:schemeClr val="accent1"/>
-                    </a:solidFill>
-                  </a:rPr>
-                  <a:t>of</a:t>
-                </a:r>
-                <a:r>
-                  <a:rPr lang="en-US" dirty="0"/>
-                  <a:t> </a:t>
-                </a:r>
-                <a14:m>
-                  <m:oMath xmlns:m="http://schemas.openxmlformats.org/officeDocument/2006/math">
-                    <m:r>
-                      <a:rPr lang="en-US" i="1">
-                        <a:latin typeface="Cambria Math" panose="02040503050406030204" pitchFamily="18" charset="0"/>
-                      </a:rPr>
-                      <m:t>𝑇</m:t>
-                    </m:r>
-                    <m:d>
-                      <m:dPr>
-                        <m:begChr m:val="["/>
-                        <m:endChr m:val="]"/>
-                        <m:ctrlPr>
-                          <a:rPr lang="en-US" i="1">
-                            <a:latin typeface="Cambria Math" panose="02040503050406030204" pitchFamily="18" charset="0"/>
-                          </a:rPr>
-                        </m:ctrlPr>
-                      </m:dPr>
-                      <m:e>
-                        <m:r>
-                          <a:rPr lang="en-US" b="0" i="1" smtClean="0">
-                            <a:latin typeface="Cambria Math" panose="02040503050406030204" pitchFamily="18" charset="0"/>
-                          </a:rPr>
-                          <m:t>h</m:t>
-                        </m:r>
-                        <m:r>
-                          <a:rPr lang="en-US" b="0" i="1" smtClean="0">
-                            <a:latin typeface="Cambria Math" panose="02040503050406030204" pitchFamily="18" charset="0"/>
-                          </a:rPr>
-                          <m:t>(</m:t>
-                        </m:r>
-                        <m:r>
-                          <a:rPr lang="en-US" b="0" i="1" smtClean="0">
-                            <a:latin typeface="Cambria Math" panose="02040503050406030204" pitchFamily="18" charset="0"/>
-                          </a:rPr>
-                          <m:t>𝑘</m:t>
-                        </m:r>
-                        <m:r>
-                          <a:rPr lang="en-US" b="0" i="1" smtClean="0">
-                            <a:latin typeface="Cambria Math" panose="02040503050406030204" pitchFamily="18" charset="0"/>
-                          </a:rPr>
-                          <m:t>)</m:t>
-                        </m:r>
-                      </m:e>
-                    </m:d>
-                  </m:oMath>
-                </a14:m>
-                <a:r>
-                  <a:rPr lang="en-US" dirty="0">
-                    <a:solidFill>
-                      <a:schemeClr val="accent1"/>
-                    </a:solidFill>
-                  </a:rPr>
-                  <a:t>.</a:t>
-                </a:r>
-              </a:p>
-              <a:p>
-                <a:pPr marL="0" indent="0">
-                  <a:buNone/>
-                </a:pPr>
-                <a:endParaRPr lang="en-US" dirty="0">
-                  <a:solidFill>
-                    <a:schemeClr val="accent1"/>
-                  </a:solidFill>
-                </a:endParaRPr>
-              </a:p>
-              <a:p>
-                <a:pPr marL="0" indent="0">
-                  <a:buNone/>
-                </a:pPr>
-                <a:r>
-                  <a:rPr lang="en-US" dirty="0">
-                    <a:solidFill>
-                      <a:schemeClr val="accent1"/>
-                    </a:solidFill>
-                  </a:rPr>
-                  <a:t>Determining the average complexity of the search operation boils down to finding the expected number of elements examined in </a:t>
-                </a:r>
-                <a14:m>
-                  <m:oMath xmlns:m="http://schemas.openxmlformats.org/officeDocument/2006/math">
-                    <m:r>
-                      <a:rPr lang="en-US" i="1">
-                        <a:latin typeface="Cambria Math" panose="02040503050406030204" pitchFamily="18" charset="0"/>
-                      </a:rPr>
-                      <m:t>𝑇</m:t>
-                    </m:r>
-                    <m:d>
-                      <m:dPr>
-                        <m:begChr m:val="["/>
-                        <m:endChr m:val="]"/>
-                        <m:ctrlPr>
-                          <a:rPr lang="en-US" i="1">
-                            <a:latin typeface="Cambria Math" panose="02040503050406030204" pitchFamily="18" charset="0"/>
-                          </a:rPr>
-                        </m:ctrlPr>
-                      </m:dPr>
-                      <m:e>
-                        <m:r>
-                          <a:rPr lang="en-US" i="1">
-                            <a:latin typeface="Cambria Math" panose="02040503050406030204" pitchFamily="18" charset="0"/>
-                          </a:rPr>
-                          <m:t>h</m:t>
-                        </m:r>
-                        <m:r>
-                          <a:rPr lang="en-US" i="1">
-                            <a:latin typeface="Cambria Math" panose="02040503050406030204" pitchFamily="18" charset="0"/>
-                          </a:rPr>
-                          <m:t>(</m:t>
-                        </m:r>
-                        <m:r>
-                          <a:rPr lang="en-US" i="1">
-                            <a:latin typeface="Cambria Math" panose="02040503050406030204" pitchFamily="18" charset="0"/>
-                          </a:rPr>
-                          <m:t>𝑘</m:t>
-                        </m:r>
-                        <m:r>
-                          <a:rPr lang="en-US" i="1">
-                            <a:latin typeface="Cambria Math" panose="02040503050406030204" pitchFamily="18" charset="0"/>
-                          </a:rPr>
-                          <m:t>)</m:t>
-                        </m:r>
-                      </m:e>
-                    </m:d>
-                  </m:oMath>
-                </a14:m>
-                <a:r>
-                  <a:rPr lang="en-US" dirty="0">
-                    <a:solidFill>
-                      <a:schemeClr val="accent1"/>
-                    </a:solidFill>
-                  </a:rPr>
-                  <a:t> by the search operation to see whether any element has a key whose value equal to the given key </a:t>
-                </a:r>
-                <a14:m>
-                  <m:oMath xmlns:m="http://schemas.openxmlformats.org/officeDocument/2006/math">
-                    <m:r>
-                      <a:rPr lang="en-US" i="1">
-                        <a:latin typeface="Cambria Math" panose="02040503050406030204" pitchFamily="18" charset="0"/>
-                      </a:rPr>
-                      <m:t>𝑘</m:t>
-                    </m:r>
-                  </m:oMath>
-                </a14:m>
-                <a:r>
-                  <a:rPr lang="en-US" dirty="0">
-                    <a:solidFill>
-                      <a:schemeClr val="accent1"/>
-                    </a:solidFill>
-                  </a:rPr>
-                  <a:t>.</a:t>
-                </a:r>
-              </a:p>
-            </p:txBody>
-          </p:sp>
-        </mc:Choice>
-        <mc:Fallback xmlns="">
-          <p:sp>
-            <p:nvSpPr>
-              <p:cNvPr id="3" name="Content Placeholder 2">
-                <a:extLst>
-                  <a:ext uri="{FF2B5EF4-FFF2-40B4-BE49-F238E27FC236}">
-                    <a16:creationId xmlns:a16="http://schemas.microsoft.com/office/drawing/2014/main" id="{AF2A9F55-5634-424F-9577-1A11422772C2}"/>
-                  </a:ext>
-                </a:extLst>
-              </p:cNvPr>
-              <p:cNvSpPr>
-                <a:spLocks noGrp="1" noRot="1" noChangeAspect="1" noMove="1" noResize="1" noEditPoints="1" noAdjustHandles="1" noChangeArrowheads="1" noChangeShapeType="1" noTextEdit="1"/>
-              </p:cNvSpPr>
-              <p:nvPr>
-                <p:ph idx="1"/>
-              </p:nvPr>
-            </p:nvSpPr>
-            <p:spPr>
-              <a:blipFill>
-                <a:blip r:embed="rId2"/>
-                <a:stretch>
-                  <a:fillRect l="-928" t="-2661" r="-58" b="-1120"/>
-                </a:stretch>
-              </a:blipFill>
-            </p:spPr>
-            <p:txBody>
-              <a:bodyPr/>
-              <a:lstStyle/>
-              <a:p>
-                <a:r>
-                  <a:rPr lang="en-US">
-                    <a:noFill/>
-                  </a:rPr>
-                  <a:t> </a:t>
-                </a:r>
-              </a:p>
-            </p:txBody>
-          </p:sp>
-        </mc:Fallback>
-      </mc:AlternateContent>
-    </p:spTree>
-    <p:extLst>
-      <p:ext uri="{BB962C8B-B14F-4D97-AF65-F5344CB8AC3E}">
-        <p14:creationId xmlns:p14="http://schemas.microsoft.com/office/powerpoint/2010/main" val="1242395179"/>
       </p:ext>
     </p:extLst>
   </p:cSld>
@@ -8541,6 +7995,848 @@
           <p:cNvPr id="2" name="Title 1">
             <a:extLst>
               <a:ext uri="{FF2B5EF4-FFF2-40B4-BE49-F238E27FC236}">
+                <a16:creationId xmlns:a16="http://schemas.microsoft.com/office/drawing/2014/main" id="{07D7DC49-351A-465B-865E-380BA1F64DB8}"/>
+              </a:ext>
+            </a:extLst>
+          </p:cNvPr>
+          <p:cNvSpPr>
+            <a:spLocks noGrp="1"/>
+          </p:cNvSpPr>
+          <p:nvPr>
+            <p:ph type="title"/>
+          </p:nvPr>
+        </p:nvSpPr>
+        <p:spPr/>
+        <p:txBody>
+          <a:bodyPr/>
+          <a:lstStyle/>
+          <a:p>
+            <a:r>
+              <a:rPr lang="en-US" dirty="0">
+                <a:solidFill>
+                  <a:schemeClr val="accent1"/>
+                </a:solidFill>
+              </a:rPr>
+              <a:t>Simple Uniform Hashing</a:t>
+            </a:r>
+            <a:endParaRPr lang="en-US" dirty="0"/>
+          </a:p>
+        </p:txBody>
+      </p:sp>
+      <mc:AlternateContent xmlns:mc="http://schemas.openxmlformats.org/markup-compatibility/2006" xmlns:a14="http://schemas.microsoft.com/office/drawing/2010/main">
+        <mc:Choice Requires="a14">
+          <p:sp>
+            <p:nvSpPr>
+              <p:cNvPr id="3" name="Content Placeholder 2">
+                <a:extLst>
+                  <a:ext uri="{FF2B5EF4-FFF2-40B4-BE49-F238E27FC236}">
+                    <a16:creationId xmlns:a16="http://schemas.microsoft.com/office/drawing/2014/main" id="{AF2A9F55-5634-424F-9577-1A11422772C2}"/>
+                  </a:ext>
+                </a:extLst>
+              </p:cNvPr>
+              <p:cNvSpPr>
+                <a:spLocks noGrp="1"/>
+              </p:cNvSpPr>
+              <p:nvPr>
+                <p:ph idx="1"/>
+              </p:nvPr>
+            </p:nvSpPr>
+            <p:spPr/>
+            <p:txBody>
+              <a:bodyPr>
+                <a:normAutofit fontScale="85000" lnSpcReduction="10000"/>
+              </a:bodyPr>
+              <a:lstStyle/>
+              <a:p>
+                <a:pPr marL="0" indent="0">
+                  <a:buNone/>
+                </a:pPr>
+                <a:r>
+                  <a:rPr lang="en-US" dirty="0">
+                    <a:solidFill>
+                      <a:schemeClr val="accent1"/>
+                    </a:solidFill>
+                  </a:rPr>
+                  <a:t>Let </a:t>
+                </a:r>
+                <a14:m>
+                  <m:oMath xmlns:m="http://schemas.openxmlformats.org/officeDocument/2006/math">
+                    <m:sSub>
+                      <m:sSubPr>
+                        <m:ctrlPr>
+                          <a:rPr lang="en-US" i="1" smtClean="0">
+                            <a:latin typeface="Cambria Math" panose="02040503050406030204" pitchFamily="18" charset="0"/>
+                          </a:rPr>
+                        </m:ctrlPr>
+                      </m:sSubPr>
+                      <m:e>
+                        <m:r>
+                          <a:rPr lang="en-US" b="0" i="1" smtClean="0">
+                            <a:latin typeface="Cambria Math" panose="02040503050406030204" pitchFamily="18" charset="0"/>
+                          </a:rPr>
+                          <m:t>𝑛</m:t>
+                        </m:r>
+                      </m:e>
+                      <m:sub>
+                        <m:r>
+                          <a:rPr lang="en-US" b="0" i="1" smtClean="0">
+                            <a:latin typeface="Cambria Math" panose="02040503050406030204" pitchFamily="18" charset="0"/>
+                          </a:rPr>
+                          <m:t>𝑖</m:t>
+                        </m:r>
+                      </m:sub>
+                    </m:sSub>
+                  </m:oMath>
+                </a14:m>
+                <a:r>
+                  <a:rPr lang="en-US" dirty="0"/>
+                  <a:t> </a:t>
+                </a:r>
+                <a:r>
+                  <a:rPr lang="en-US" dirty="0">
+                    <a:solidFill>
+                      <a:schemeClr val="accent1"/>
+                    </a:solidFill>
+                  </a:rPr>
+                  <a:t>denote the length of the list </a:t>
+                </a:r>
+                <a14:m>
+                  <m:oMath xmlns:m="http://schemas.openxmlformats.org/officeDocument/2006/math">
+                    <m:r>
+                      <a:rPr lang="en-US" i="1">
+                        <a:latin typeface="Cambria Math" panose="02040503050406030204" pitchFamily="18" charset="0"/>
+                      </a:rPr>
+                      <m:t>𝑇</m:t>
+                    </m:r>
+                    <m:d>
+                      <m:dPr>
+                        <m:begChr m:val="["/>
+                        <m:endChr m:val="]"/>
+                        <m:ctrlPr>
+                          <a:rPr lang="en-US" b="0" i="1" smtClean="0">
+                            <a:latin typeface="Cambria Math" panose="02040503050406030204" pitchFamily="18" charset="0"/>
+                          </a:rPr>
+                        </m:ctrlPr>
+                      </m:dPr>
+                      <m:e>
+                        <m:r>
+                          <a:rPr lang="en-US" b="0" i="1" smtClean="0">
+                            <a:latin typeface="Cambria Math" panose="02040503050406030204" pitchFamily="18" charset="0"/>
+                          </a:rPr>
+                          <m:t>𝑖</m:t>
+                        </m:r>
+                      </m:e>
+                    </m:d>
+                  </m:oMath>
+                </a14:m>
+                <a:r>
+                  <a:rPr lang="en-US" dirty="0"/>
+                  <a:t>,</a:t>
+                </a:r>
+              </a:p>
+              <a:p>
+                <a:pPr marL="0" indent="0">
+                  <a:buNone/>
+                </a:pPr>
+                <a:r>
+                  <a:rPr lang="en-US" dirty="0">
+                    <a:solidFill>
+                      <a:schemeClr val="accent1"/>
+                    </a:solidFill>
+                  </a:rPr>
+                  <a:t>so that </a:t>
+                </a:r>
+                <a14:m>
+                  <m:oMath xmlns:m="http://schemas.openxmlformats.org/officeDocument/2006/math">
+                    <m:sSub>
+                      <m:sSubPr>
+                        <m:ctrlPr>
+                          <a:rPr lang="en-US" i="1">
+                            <a:latin typeface="Cambria Math" panose="02040503050406030204" pitchFamily="18" charset="0"/>
+                          </a:rPr>
+                        </m:ctrlPr>
+                      </m:sSubPr>
+                      <m:e>
+                        <m:r>
+                          <a:rPr lang="en-US" b="0" i="1" smtClean="0">
+                            <a:latin typeface="Cambria Math" panose="02040503050406030204" pitchFamily="18" charset="0"/>
+                          </a:rPr>
+                          <m:t>𝑛</m:t>
+                        </m:r>
+                        <m:r>
+                          <a:rPr lang="en-US" b="0" i="1" smtClean="0">
+                            <a:latin typeface="Cambria Math" panose="02040503050406030204" pitchFamily="18" charset="0"/>
+                          </a:rPr>
+                          <m:t>=</m:t>
+                        </m:r>
+                        <m:r>
+                          <a:rPr lang="en-US" i="1">
+                            <a:latin typeface="Cambria Math" panose="02040503050406030204" pitchFamily="18" charset="0"/>
+                          </a:rPr>
+                          <m:t>𝑛</m:t>
+                        </m:r>
+                      </m:e>
+                      <m:sub>
+                        <m:r>
+                          <a:rPr lang="en-US" b="0" i="1" smtClean="0">
+                            <a:latin typeface="Cambria Math" panose="02040503050406030204" pitchFamily="18" charset="0"/>
+                          </a:rPr>
+                          <m:t>0</m:t>
+                        </m:r>
+                      </m:sub>
+                    </m:sSub>
+                    <m:r>
+                      <a:rPr lang="en-US" b="0" i="1" smtClean="0">
+                        <a:latin typeface="Cambria Math" panose="02040503050406030204" pitchFamily="18" charset="0"/>
+                      </a:rPr>
+                      <m:t>+</m:t>
+                    </m:r>
+                    <m:sSub>
+                      <m:sSubPr>
+                        <m:ctrlPr>
+                          <a:rPr lang="en-US" b="0" i="1" smtClean="0">
+                            <a:latin typeface="Cambria Math" panose="02040503050406030204" pitchFamily="18" charset="0"/>
+                          </a:rPr>
+                        </m:ctrlPr>
+                      </m:sSubPr>
+                      <m:e>
+                        <m:r>
+                          <a:rPr lang="en-US" b="0" i="1" smtClean="0">
+                            <a:latin typeface="Cambria Math" panose="02040503050406030204" pitchFamily="18" charset="0"/>
+                          </a:rPr>
+                          <m:t>𝑛</m:t>
+                        </m:r>
+                      </m:e>
+                      <m:sub>
+                        <m:r>
+                          <a:rPr lang="en-US" b="0" i="1" smtClean="0">
+                            <a:latin typeface="Cambria Math" panose="02040503050406030204" pitchFamily="18" charset="0"/>
+                          </a:rPr>
+                          <m:t>1</m:t>
+                        </m:r>
+                      </m:sub>
+                    </m:sSub>
+                    <m:r>
+                      <a:rPr lang="en-US" b="0" i="1" smtClean="0">
+                        <a:latin typeface="Cambria Math" panose="02040503050406030204" pitchFamily="18" charset="0"/>
+                      </a:rPr>
+                      <m:t>+…+</m:t>
+                    </m:r>
+                    <m:sSub>
+                      <m:sSubPr>
+                        <m:ctrlPr>
+                          <a:rPr lang="en-US" b="0" i="1" smtClean="0">
+                            <a:latin typeface="Cambria Math" panose="02040503050406030204" pitchFamily="18" charset="0"/>
+                          </a:rPr>
+                        </m:ctrlPr>
+                      </m:sSubPr>
+                      <m:e>
+                        <m:r>
+                          <a:rPr lang="en-US" b="0" i="1" smtClean="0">
+                            <a:latin typeface="Cambria Math" panose="02040503050406030204" pitchFamily="18" charset="0"/>
+                          </a:rPr>
+                          <m:t>𝑛</m:t>
+                        </m:r>
+                      </m:e>
+                      <m:sub>
+                        <m:r>
+                          <a:rPr lang="en-US" b="0" i="1" smtClean="0">
+                            <a:latin typeface="Cambria Math" panose="02040503050406030204" pitchFamily="18" charset="0"/>
+                          </a:rPr>
+                          <m:t>𝑚</m:t>
+                        </m:r>
+                        <m:r>
+                          <a:rPr lang="en-US" b="0" i="1" smtClean="0">
+                            <a:latin typeface="Cambria Math" panose="02040503050406030204" pitchFamily="18" charset="0"/>
+                          </a:rPr>
+                          <m:t>−1</m:t>
+                        </m:r>
+                      </m:sub>
+                    </m:sSub>
+                  </m:oMath>
+                </a14:m>
+                <a:r>
+                  <a:rPr lang="en-US" dirty="0">
+                    <a:solidFill>
+                      <a:schemeClr val="accent1"/>
+                    </a:solidFill>
+                  </a:rPr>
+                  <a:t> and the expected value of </a:t>
+                </a:r>
+                <a14:m>
+                  <m:oMath xmlns:m="http://schemas.openxmlformats.org/officeDocument/2006/math">
+                    <m:sSub>
+                      <m:sSubPr>
+                        <m:ctrlPr>
+                          <a:rPr lang="en-US" i="1">
+                            <a:latin typeface="Cambria Math" panose="02040503050406030204" pitchFamily="18" charset="0"/>
+                          </a:rPr>
+                        </m:ctrlPr>
+                      </m:sSubPr>
+                      <m:e>
+                        <m:r>
+                          <a:rPr lang="en-US" i="1">
+                            <a:latin typeface="Cambria Math" panose="02040503050406030204" pitchFamily="18" charset="0"/>
+                          </a:rPr>
+                          <m:t>𝑛</m:t>
+                        </m:r>
+                      </m:e>
+                      <m:sub>
+                        <m:r>
+                          <a:rPr lang="en-US" i="1">
+                            <a:latin typeface="Cambria Math" panose="02040503050406030204" pitchFamily="18" charset="0"/>
+                          </a:rPr>
+                          <m:t>𝑖</m:t>
+                        </m:r>
+                      </m:sub>
+                    </m:sSub>
+                  </m:oMath>
+                </a14:m>
+                <a:r>
+                  <a:rPr lang="en-US" dirty="0"/>
+                  <a:t> </a:t>
+                </a:r>
+                <a:r>
+                  <a:rPr lang="en-US" dirty="0">
+                    <a:solidFill>
+                      <a:schemeClr val="accent1"/>
+                    </a:solidFill>
+                  </a:rPr>
+                  <a:t>is</a:t>
+                </a:r>
+                <a:r>
+                  <a:rPr lang="en-US" dirty="0"/>
+                  <a:t> </a:t>
+                </a:r>
+                <a14:m>
+                  <m:oMath xmlns:m="http://schemas.openxmlformats.org/officeDocument/2006/math">
+                    <m:r>
+                      <a:rPr lang="en-US" b="0" i="1" smtClean="0">
+                        <a:latin typeface="Cambria Math" panose="02040503050406030204" pitchFamily="18" charset="0"/>
+                      </a:rPr>
+                      <m:t>𝐸</m:t>
+                    </m:r>
+                    <m:d>
+                      <m:dPr>
+                        <m:ctrlPr>
+                          <a:rPr lang="en-US" b="0" i="1" smtClean="0">
+                            <a:latin typeface="Cambria Math" panose="02040503050406030204" pitchFamily="18" charset="0"/>
+                          </a:rPr>
+                        </m:ctrlPr>
+                      </m:dPr>
+                      <m:e>
+                        <m:sSub>
+                          <m:sSubPr>
+                            <m:ctrlPr>
+                              <a:rPr lang="en-US" b="0" i="1" smtClean="0">
+                                <a:latin typeface="Cambria Math" panose="02040503050406030204" pitchFamily="18" charset="0"/>
+                              </a:rPr>
+                            </m:ctrlPr>
+                          </m:sSubPr>
+                          <m:e>
+                            <m:r>
+                              <a:rPr lang="en-US" b="0" i="1" smtClean="0">
+                                <a:latin typeface="Cambria Math" panose="02040503050406030204" pitchFamily="18" charset="0"/>
+                              </a:rPr>
+                              <m:t>𝑛</m:t>
+                            </m:r>
+                          </m:e>
+                          <m:sub>
+                            <m:r>
+                              <a:rPr lang="en-US" b="0" i="1" smtClean="0">
+                                <a:latin typeface="Cambria Math" panose="02040503050406030204" pitchFamily="18" charset="0"/>
+                              </a:rPr>
+                              <m:t>𝑖</m:t>
+                            </m:r>
+                          </m:sub>
+                        </m:sSub>
+                      </m:e>
+                    </m:d>
+                    <m:r>
+                      <a:rPr lang="en-US" b="0" i="1" smtClean="0">
+                        <a:latin typeface="Cambria Math" panose="02040503050406030204" pitchFamily="18" charset="0"/>
+                      </a:rPr>
+                      <m:t>=</m:t>
+                    </m:r>
+                    <m:r>
+                      <a:rPr lang="en-US" b="0" i="1" smtClean="0">
+                        <a:latin typeface="Cambria Math" panose="02040503050406030204" pitchFamily="18" charset="0"/>
+                        <a:ea typeface="Cambria Math" panose="02040503050406030204" pitchFamily="18" charset="0"/>
+                      </a:rPr>
+                      <m:t>𝛼</m:t>
+                    </m:r>
+                    <m:r>
+                      <a:rPr lang="en-US" b="0" i="1" smtClean="0">
+                        <a:latin typeface="Cambria Math" panose="02040503050406030204" pitchFamily="18" charset="0"/>
+                        <a:ea typeface="Cambria Math" panose="02040503050406030204" pitchFamily="18" charset="0"/>
+                      </a:rPr>
+                      <m:t>=</m:t>
+                    </m:r>
+                    <m:box>
+                      <m:boxPr>
+                        <m:ctrlPr>
+                          <a:rPr lang="en-US" b="0" i="1" smtClean="0">
+                            <a:latin typeface="Cambria Math" panose="02040503050406030204" pitchFamily="18" charset="0"/>
+                            <a:ea typeface="Cambria Math" panose="02040503050406030204" pitchFamily="18" charset="0"/>
+                          </a:rPr>
+                        </m:ctrlPr>
+                      </m:boxPr>
+                      <m:e>
+                        <m:argPr>
+                          <m:argSz m:val="-1"/>
+                        </m:argPr>
+                        <m:f>
+                          <m:fPr>
+                            <m:ctrlPr>
+                              <a:rPr lang="en-US" b="0" i="1" smtClean="0">
+                                <a:latin typeface="Cambria Math" panose="02040503050406030204" pitchFamily="18" charset="0"/>
+                                <a:ea typeface="Cambria Math" panose="02040503050406030204" pitchFamily="18" charset="0"/>
+                              </a:rPr>
+                            </m:ctrlPr>
+                          </m:fPr>
+                          <m:num>
+                            <m:r>
+                              <a:rPr lang="en-US" b="0" i="1" smtClean="0">
+                                <a:latin typeface="Cambria Math" panose="02040503050406030204" pitchFamily="18" charset="0"/>
+                                <a:ea typeface="Cambria Math" panose="02040503050406030204" pitchFamily="18" charset="0"/>
+                              </a:rPr>
+                              <m:t>𝑛</m:t>
+                            </m:r>
+                          </m:num>
+                          <m:den>
+                            <m:r>
+                              <a:rPr lang="en-US" b="0" i="1" smtClean="0">
+                                <a:latin typeface="Cambria Math" panose="02040503050406030204" pitchFamily="18" charset="0"/>
+                                <a:ea typeface="Cambria Math" panose="02040503050406030204" pitchFamily="18" charset="0"/>
+                              </a:rPr>
+                              <m:t>𝑚</m:t>
+                            </m:r>
+                          </m:den>
+                        </m:f>
+                      </m:e>
+                    </m:box>
+                  </m:oMath>
+                </a14:m>
+                <a:r>
+                  <a:rPr lang="en-US" dirty="0">
+                    <a:solidFill>
+                      <a:schemeClr val="accent1"/>
+                    </a:solidFill>
+                  </a:rPr>
+                  <a:t>.</a:t>
+                </a:r>
+              </a:p>
+              <a:p>
+                <a:pPr marL="0" indent="0">
+                  <a:buNone/>
+                </a:pPr>
+                <a:endParaRPr lang="en-US" dirty="0">
+                  <a:solidFill>
+                    <a:schemeClr val="accent1"/>
+                  </a:solidFill>
+                </a:endParaRPr>
+              </a:p>
+              <a:p>
+                <a:pPr marL="0" indent="0">
+                  <a:buNone/>
+                </a:pPr>
+                <a:r>
+                  <a:rPr lang="en-US" dirty="0">
+                    <a:solidFill>
+                      <a:schemeClr val="accent1"/>
+                    </a:solidFill>
+                  </a:rPr>
+                  <a:t>Assume that the hash function runs in constant time </a:t>
+                </a:r>
+                <a14:m>
+                  <m:oMath xmlns:m="http://schemas.openxmlformats.org/officeDocument/2006/math">
+                    <m:r>
+                      <m:rPr>
+                        <m:sty m:val="p"/>
+                      </m:rPr>
+                      <a:rPr lang="el-GR" i="1">
+                        <a:latin typeface="Cambria Math" panose="02040503050406030204" pitchFamily="18" charset="0"/>
+                        <a:ea typeface="Cambria Math" panose="02040503050406030204" pitchFamily="18" charset="0"/>
+                      </a:rPr>
+                      <m:t>Θ</m:t>
+                    </m:r>
+                    <m:r>
+                      <a:rPr lang="en-US" b="0" i="1" smtClean="0">
+                        <a:solidFill>
+                          <a:schemeClr val="tx1"/>
+                        </a:solidFill>
+                        <a:latin typeface="Cambria Math" panose="02040503050406030204" pitchFamily="18" charset="0"/>
+                      </a:rPr>
+                      <m:t>(1)</m:t>
+                    </m:r>
+                  </m:oMath>
+                </a14:m>
+                <a:r>
+                  <a:rPr lang="en-US" dirty="0">
+                    <a:solidFill>
+                      <a:schemeClr val="accent1"/>
+                    </a:solidFill>
+                  </a:rPr>
+                  <a:t>.</a:t>
+                </a:r>
+              </a:p>
+              <a:p>
+                <a:pPr marL="0" indent="0">
+                  <a:buNone/>
+                </a:pPr>
+                <a:endParaRPr lang="en-US" dirty="0">
+                  <a:solidFill>
+                    <a:schemeClr val="accent1"/>
+                  </a:solidFill>
+                </a:endParaRPr>
+              </a:p>
+              <a:p>
+                <a:pPr marL="0" indent="0">
+                  <a:buNone/>
+                </a:pPr>
+                <a:r>
+                  <a:rPr lang="en-US" dirty="0">
+                    <a:solidFill>
+                      <a:schemeClr val="accent1"/>
+                    </a:solidFill>
+                  </a:rPr>
+                  <a:t>The time required to </a:t>
+                </a:r>
+                <a:r>
+                  <a:rPr lang="en-US" b="1" i="1" dirty="0">
+                    <a:solidFill>
+                      <a:srgbClr val="FF0000"/>
+                    </a:solidFill>
+                  </a:rPr>
+                  <a:t>search for an element </a:t>
+                </a:r>
+                <a:r>
+                  <a:rPr lang="en-US" dirty="0">
+                    <a:solidFill>
+                      <a:schemeClr val="accent1"/>
+                    </a:solidFill>
+                  </a:rPr>
+                  <a:t>with key </a:t>
+                </a:r>
+                <a14:m>
+                  <m:oMath xmlns:m="http://schemas.openxmlformats.org/officeDocument/2006/math">
+                    <m:r>
+                      <a:rPr lang="en-US" i="1">
+                        <a:latin typeface="Cambria Math" panose="02040503050406030204" pitchFamily="18" charset="0"/>
+                      </a:rPr>
+                      <m:t>𝑘</m:t>
+                    </m:r>
+                  </m:oMath>
+                </a14:m>
+                <a:r>
+                  <a:rPr lang="en-US" dirty="0">
+                    <a:solidFill>
+                      <a:schemeClr val="accent1"/>
+                    </a:solidFill>
+                  </a:rPr>
+                  <a:t> is </a:t>
+                </a:r>
+                <a:r>
+                  <a:rPr lang="en-US" b="1" i="1" dirty="0">
+                    <a:solidFill>
+                      <a:srgbClr val="FF0000"/>
+                    </a:solidFill>
+                  </a:rPr>
+                  <a:t>linearly proportional to the length </a:t>
+                </a:r>
+                <a14:m>
+                  <m:oMath xmlns:m="http://schemas.openxmlformats.org/officeDocument/2006/math">
+                    <m:sSub>
+                      <m:sSubPr>
+                        <m:ctrlPr>
+                          <a:rPr lang="en-US" i="1">
+                            <a:latin typeface="Cambria Math" panose="02040503050406030204" pitchFamily="18" charset="0"/>
+                          </a:rPr>
+                        </m:ctrlPr>
+                      </m:sSubPr>
+                      <m:e>
+                        <m:r>
+                          <a:rPr lang="en-US" i="1">
+                            <a:latin typeface="Cambria Math" panose="02040503050406030204" pitchFamily="18" charset="0"/>
+                          </a:rPr>
+                          <m:t>𝑛</m:t>
+                        </m:r>
+                      </m:e>
+                      <m:sub>
+                        <m:r>
+                          <a:rPr lang="en-US" b="0" i="1" smtClean="0">
+                            <a:latin typeface="Cambria Math" panose="02040503050406030204" pitchFamily="18" charset="0"/>
+                          </a:rPr>
+                          <m:t>h</m:t>
+                        </m:r>
+                        <m:r>
+                          <a:rPr lang="en-US" b="0" i="1" smtClean="0">
+                            <a:latin typeface="Cambria Math" panose="02040503050406030204" pitchFamily="18" charset="0"/>
+                          </a:rPr>
+                          <m:t>(</m:t>
+                        </m:r>
+                        <m:r>
+                          <a:rPr lang="en-US" b="0" i="1" smtClean="0">
+                            <a:latin typeface="Cambria Math" panose="02040503050406030204" pitchFamily="18" charset="0"/>
+                          </a:rPr>
+                          <m:t>𝑘</m:t>
+                        </m:r>
+                        <m:r>
+                          <a:rPr lang="en-US" b="0" i="1" smtClean="0">
+                            <a:latin typeface="Cambria Math" panose="02040503050406030204" pitchFamily="18" charset="0"/>
+                          </a:rPr>
+                          <m:t>)</m:t>
+                        </m:r>
+                      </m:sub>
+                    </m:sSub>
+                  </m:oMath>
+                </a14:m>
+                <a:r>
+                  <a:rPr lang="en-US" dirty="0"/>
+                  <a:t> </a:t>
+                </a:r>
+                <a:r>
+                  <a:rPr lang="en-US" dirty="0">
+                    <a:solidFill>
+                      <a:schemeClr val="accent1"/>
+                    </a:solidFill>
+                  </a:rPr>
+                  <a:t>of</a:t>
+                </a:r>
+                <a:r>
+                  <a:rPr lang="en-US" dirty="0"/>
+                  <a:t> </a:t>
+                </a:r>
+                <a14:m>
+                  <m:oMath xmlns:m="http://schemas.openxmlformats.org/officeDocument/2006/math">
+                    <m:r>
+                      <a:rPr lang="en-US" i="1">
+                        <a:latin typeface="Cambria Math" panose="02040503050406030204" pitchFamily="18" charset="0"/>
+                      </a:rPr>
+                      <m:t>𝑇</m:t>
+                    </m:r>
+                    <m:d>
+                      <m:dPr>
+                        <m:begChr m:val="["/>
+                        <m:endChr m:val="]"/>
+                        <m:ctrlPr>
+                          <a:rPr lang="en-US" i="1">
+                            <a:latin typeface="Cambria Math" panose="02040503050406030204" pitchFamily="18" charset="0"/>
+                          </a:rPr>
+                        </m:ctrlPr>
+                      </m:dPr>
+                      <m:e>
+                        <m:r>
+                          <a:rPr lang="en-US" b="0" i="1" smtClean="0">
+                            <a:latin typeface="Cambria Math" panose="02040503050406030204" pitchFamily="18" charset="0"/>
+                          </a:rPr>
+                          <m:t>h</m:t>
+                        </m:r>
+                        <m:r>
+                          <a:rPr lang="en-US" b="0" i="1" smtClean="0">
+                            <a:latin typeface="Cambria Math" panose="02040503050406030204" pitchFamily="18" charset="0"/>
+                          </a:rPr>
+                          <m:t>(</m:t>
+                        </m:r>
+                        <m:r>
+                          <a:rPr lang="en-US" b="0" i="1" smtClean="0">
+                            <a:latin typeface="Cambria Math" panose="02040503050406030204" pitchFamily="18" charset="0"/>
+                          </a:rPr>
+                          <m:t>𝑘</m:t>
+                        </m:r>
+                        <m:r>
+                          <a:rPr lang="en-US" b="0" i="1" smtClean="0">
+                            <a:latin typeface="Cambria Math" panose="02040503050406030204" pitchFamily="18" charset="0"/>
+                          </a:rPr>
+                          <m:t>)</m:t>
+                        </m:r>
+                      </m:e>
+                    </m:d>
+                  </m:oMath>
+                </a14:m>
+                <a:r>
+                  <a:rPr lang="en-US" dirty="0">
+                    <a:solidFill>
+                      <a:schemeClr val="accent1"/>
+                    </a:solidFill>
+                  </a:rPr>
+                  <a:t>.</a:t>
+                </a:r>
+              </a:p>
+              <a:p>
+                <a:pPr marL="0" indent="0">
+                  <a:buNone/>
+                </a:pPr>
+                <a:endParaRPr lang="en-US" dirty="0">
+                  <a:solidFill>
+                    <a:schemeClr val="accent1"/>
+                  </a:solidFill>
+                </a:endParaRPr>
+              </a:p>
+              <a:p>
+                <a:pPr marL="0" indent="0">
+                  <a:buNone/>
+                </a:pPr>
+                <a:r>
+                  <a:rPr lang="en-US" dirty="0">
+                    <a:solidFill>
+                      <a:schemeClr val="accent1"/>
+                    </a:solidFill>
+                  </a:rPr>
+                  <a:t>Determining the average complexity of the search operation boils down to finding the expected number of elements examined in </a:t>
+                </a:r>
+                <a14:m>
+                  <m:oMath xmlns:m="http://schemas.openxmlformats.org/officeDocument/2006/math">
+                    <m:r>
+                      <a:rPr lang="en-US" i="1">
+                        <a:latin typeface="Cambria Math" panose="02040503050406030204" pitchFamily="18" charset="0"/>
+                      </a:rPr>
+                      <m:t>𝑇</m:t>
+                    </m:r>
+                    <m:d>
+                      <m:dPr>
+                        <m:begChr m:val="["/>
+                        <m:endChr m:val="]"/>
+                        <m:ctrlPr>
+                          <a:rPr lang="en-US" i="1">
+                            <a:latin typeface="Cambria Math" panose="02040503050406030204" pitchFamily="18" charset="0"/>
+                          </a:rPr>
+                        </m:ctrlPr>
+                      </m:dPr>
+                      <m:e>
+                        <m:r>
+                          <a:rPr lang="en-US" i="1">
+                            <a:latin typeface="Cambria Math" panose="02040503050406030204" pitchFamily="18" charset="0"/>
+                          </a:rPr>
+                          <m:t>h</m:t>
+                        </m:r>
+                        <m:r>
+                          <a:rPr lang="en-US" i="1">
+                            <a:latin typeface="Cambria Math" panose="02040503050406030204" pitchFamily="18" charset="0"/>
+                          </a:rPr>
+                          <m:t>(</m:t>
+                        </m:r>
+                        <m:r>
+                          <a:rPr lang="en-US" i="1">
+                            <a:latin typeface="Cambria Math" panose="02040503050406030204" pitchFamily="18" charset="0"/>
+                          </a:rPr>
+                          <m:t>𝑘</m:t>
+                        </m:r>
+                        <m:r>
+                          <a:rPr lang="en-US" i="1">
+                            <a:latin typeface="Cambria Math" panose="02040503050406030204" pitchFamily="18" charset="0"/>
+                          </a:rPr>
+                          <m:t>)</m:t>
+                        </m:r>
+                      </m:e>
+                    </m:d>
+                  </m:oMath>
+                </a14:m>
+                <a:r>
+                  <a:rPr lang="en-US" dirty="0">
+                    <a:solidFill>
+                      <a:schemeClr val="accent1"/>
+                    </a:solidFill>
+                  </a:rPr>
+                  <a:t> by the search operation to see whether any element has a key whose value equal to the given key </a:t>
+                </a:r>
+                <a14:m>
+                  <m:oMath xmlns:m="http://schemas.openxmlformats.org/officeDocument/2006/math">
+                    <m:r>
+                      <a:rPr lang="en-US" i="1">
+                        <a:latin typeface="Cambria Math" panose="02040503050406030204" pitchFamily="18" charset="0"/>
+                      </a:rPr>
+                      <m:t>𝑘</m:t>
+                    </m:r>
+                  </m:oMath>
+                </a14:m>
+                <a:r>
+                  <a:rPr lang="en-US" dirty="0">
+                    <a:solidFill>
+                      <a:schemeClr val="accent1"/>
+                    </a:solidFill>
+                  </a:rPr>
+                  <a:t>.</a:t>
+                </a:r>
+              </a:p>
+            </p:txBody>
+          </p:sp>
+        </mc:Choice>
+        <mc:Fallback xmlns="">
+          <p:sp>
+            <p:nvSpPr>
+              <p:cNvPr id="3" name="Content Placeholder 2">
+                <a:extLst>
+                  <a:ext uri="{FF2B5EF4-FFF2-40B4-BE49-F238E27FC236}">
+                    <a16:creationId xmlns:a16="http://schemas.microsoft.com/office/drawing/2014/main" id="{AF2A9F55-5634-424F-9577-1A11422772C2}"/>
+                  </a:ext>
+                </a:extLst>
+              </p:cNvPr>
+              <p:cNvSpPr>
+                <a:spLocks noGrp="1" noRot="1" noChangeAspect="1" noMove="1" noResize="1" noEditPoints="1" noAdjustHandles="1" noChangeArrowheads="1" noChangeShapeType="1" noTextEdit="1"/>
+              </p:cNvSpPr>
+              <p:nvPr>
+                <p:ph idx="1"/>
+              </p:nvPr>
+            </p:nvSpPr>
+            <p:spPr>
+              <a:blipFill>
+                <a:blip r:embed="rId2"/>
+                <a:stretch>
+                  <a:fillRect l="-928" t="-2661" r="-58" b="-1120"/>
+                </a:stretch>
+              </a:blipFill>
+            </p:spPr>
+            <p:txBody>
+              <a:bodyPr/>
+              <a:lstStyle/>
+              <a:p>
+                <a:r>
+                  <a:rPr lang="en-US">
+                    <a:noFill/>
+                  </a:rPr>
+                  <a:t> </a:t>
+                </a:r>
+              </a:p>
+            </p:txBody>
+          </p:sp>
+        </mc:Fallback>
+      </mc:AlternateContent>
+    </p:spTree>
+    <p:extLst>
+      <p:ext uri="{BB962C8B-B14F-4D97-AF65-F5344CB8AC3E}">
+        <p14:creationId xmlns:p14="http://schemas.microsoft.com/office/powerpoint/2010/main" val="1242395179"/>
+      </p:ext>
+    </p:extLst>
+  </p:cSld>
+  <p:clrMapOvr>
+    <a:masterClrMapping/>
+  </p:clrMapOvr>
+</p:sld>
+</file>
+
+<file path=ppt/slides/slide21.xml><?xml version="1.0" encoding="utf-8"?>
+<p:sld xmlns:a="http://schemas.openxmlformats.org/drawingml/2006/main" xmlns:r="http://schemas.openxmlformats.org/officeDocument/2006/relationships" xmlns:p="http://schemas.openxmlformats.org/presentationml/2006/main">
+  <p:cSld>
+    <p:spTree>
+      <p:nvGrpSpPr>
+        <p:cNvPr id="1" name=""/>
+        <p:cNvGrpSpPr/>
+        <p:nvPr/>
+      </p:nvGrpSpPr>
+      <p:grpSpPr>
+        <a:xfrm>
+          <a:off x="0" y="0"/>
+          <a:ext cx="0" cy="0"/>
+          <a:chOff x="0" y="0"/>
+          <a:chExt cx="0" cy="0"/>
+        </a:xfrm>
+      </p:grpSpPr>
+      <p:sp>
+        <p:nvSpPr>
+          <p:cNvPr id="2" name="Title 1">
+            <a:extLst>
+              <a:ext uri="{FF2B5EF4-FFF2-40B4-BE49-F238E27FC236}">
                 <a16:creationId xmlns:a16="http://schemas.microsoft.com/office/drawing/2014/main" id="{1EAC8697-C405-4025-BD12-5C0F33228F82}"/>
               </a:ext>
             </a:extLst>
@@ -8993,7 +9289,7 @@
 </p:sld>
 </file>
 
-<file path=ppt/slides/slide21.xml><?xml version="1.0" encoding="utf-8"?>
+<file path=ppt/slides/slide22.xml><?xml version="1.0" encoding="utf-8"?>
 <p:sld xmlns:a="http://schemas.openxmlformats.org/drawingml/2006/main" xmlns:r="http://schemas.openxmlformats.org/officeDocument/2006/relationships" xmlns:p="http://schemas.openxmlformats.org/presentationml/2006/main">
   <p:cSld>
     <p:spTree>
@@ -9730,329 +10026,6 @@
     <p:extLst>
       <p:ext uri="{BB962C8B-B14F-4D97-AF65-F5344CB8AC3E}">
         <p14:creationId xmlns:p14="http://schemas.microsoft.com/office/powerpoint/2010/main" val="431858429"/>
-      </p:ext>
-    </p:extLst>
-  </p:cSld>
-  <p:clrMapOvr>
-    <a:masterClrMapping/>
-  </p:clrMapOvr>
-</p:sld>
-</file>
-
-<file path=ppt/slides/slide22.xml><?xml version="1.0" encoding="utf-8"?>
-<p:sld xmlns:a="http://schemas.openxmlformats.org/drawingml/2006/main" xmlns:r="http://schemas.openxmlformats.org/officeDocument/2006/relationships" xmlns:p="http://schemas.openxmlformats.org/presentationml/2006/main">
-  <p:cSld>
-    <p:spTree>
-      <p:nvGrpSpPr>
-        <p:cNvPr id="1" name=""/>
-        <p:cNvGrpSpPr/>
-        <p:nvPr/>
-      </p:nvGrpSpPr>
-      <p:grpSpPr>
-        <a:xfrm>
-          <a:off x="0" y="0"/>
-          <a:ext cx="0" cy="0"/>
-          <a:chOff x="0" y="0"/>
-          <a:chExt cx="0" cy="0"/>
-        </a:xfrm>
-      </p:grpSpPr>
-      <p:sp>
-        <p:nvSpPr>
-          <p:cNvPr id="2" name="Title 1">
-            <a:extLst>
-              <a:ext uri="{FF2B5EF4-FFF2-40B4-BE49-F238E27FC236}">
-                <a16:creationId xmlns:a16="http://schemas.microsoft.com/office/drawing/2014/main" id="{BBE435D5-6023-4842-80F6-4822623D2A50}"/>
-              </a:ext>
-            </a:extLst>
-          </p:cNvPr>
-          <p:cNvSpPr>
-            <a:spLocks noGrp="1"/>
-          </p:cNvSpPr>
-          <p:nvPr>
-            <p:ph type="title"/>
-          </p:nvPr>
-        </p:nvSpPr>
-        <p:spPr/>
-        <p:txBody>
-          <a:bodyPr/>
-          <a:lstStyle/>
-          <a:p>
-            <a:r>
-              <a:rPr lang="en-US" dirty="0">
-                <a:solidFill>
-                  <a:schemeClr val="accent1"/>
-                </a:solidFill>
-              </a:rPr>
-              <a:t>Successful Search</a:t>
-            </a:r>
-          </a:p>
-        </p:txBody>
-      </p:sp>
-      <mc:AlternateContent xmlns:mc="http://schemas.openxmlformats.org/markup-compatibility/2006" xmlns:a14="http://schemas.microsoft.com/office/drawing/2010/main">
-        <mc:Choice Requires="a14">
-          <p:sp>
-            <p:nvSpPr>
-              <p:cNvPr id="3" name="Content Placeholder 2">
-                <a:extLst>
-                  <a:ext uri="{FF2B5EF4-FFF2-40B4-BE49-F238E27FC236}">
-                    <a16:creationId xmlns:a16="http://schemas.microsoft.com/office/drawing/2014/main" id="{A47063BC-764B-4657-A034-C9EEB84881B3}"/>
-                  </a:ext>
-                </a:extLst>
-              </p:cNvPr>
-              <p:cNvSpPr>
-                <a:spLocks noGrp="1"/>
-              </p:cNvSpPr>
-              <p:nvPr>
-                <p:ph idx="1"/>
-              </p:nvPr>
-            </p:nvSpPr>
-            <p:spPr/>
-            <p:txBody>
-              <a:bodyPr>
-                <a:normAutofit/>
-              </a:bodyPr>
-              <a:lstStyle/>
-              <a:p>
-                <a:pPr marL="0" indent="0">
-                  <a:buNone/>
-                </a:pPr>
-                <a:r>
-                  <a:rPr lang="en-US" sz="2400" b="1" i="1" u="sng" dirty="0">
-                    <a:solidFill>
-                      <a:srgbClr val="FF0000"/>
-                    </a:solidFill>
-                  </a:rPr>
-                  <a:t>Theorem</a:t>
-                </a:r>
-                <a:r>
-                  <a:rPr lang="en-US" sz="2400" dirty="0">
-                    <a:solidFill>
-                      <a:srgbClr val="FF0000"/>
-                    </a:solidFill>
-                  </a:rPr>
-                  <a:t>: </a:t>
-                </a:r>
-                <a:r>
-                  <a:rPr lang="en-US" sz="2400" dirty="0">
-                    <a:solidFill>
-                      <a:schemeClr val="accent1"/>
-                    </a:solidFill>
-                  </a:rPr>
-                  <a:t>In a hash table where collisions are resolved by chaining, a successful search takes average-case time of</a:t>
-                </a:r>
-                <a14:m>
-                  <m:oMath xmlns:m="http://schemas.openxmlformats.org/officeDocument/2006/math">
-                    <m:r>
-                      <a:rPr lang="en-US" sz="2400" b="0" i="0" smtClean="0">
-                        <a:solidFill>
-                          <a:schemeClr val="accent1"/>
-                        </a:solidFill>
-                        <a:latin typeface="Cambria Math" panose="02040503050406030204" pitchFamily="18" charset="0"/>
-                        <a:ea typeface="Cambria Math" panose="02040503050406030204" pitchFamily="18" charset="0"/>
-                      </a:rPr>
-                      <m:t> </m:t>
-                    </m:r>
-                    <m:r>
-                      <m:rPr>
-                        <m:sty m:val="p"/>
-                      </m:rPr>
-                      <a:rPr lang="el-GR" sz="2400" i="1" smtClean="0">
-                        <a:solidFill>
-                          <a:schemeClr val="tx1"/>
-                        </a:solidFill>
-                        <a:latin typeface="Cambria Math" panose="02040503050406030204" pitchFamily="18" charset="0"/>
-                        <a:ea typeface="Cambria Math" panose="02040503050406030204" pitchFamily="18" charset="0"/>
-                      </a:rPr>
-                      <m:t>Θ</m:t>
-                    </m:r>
-                    <m:r>
-                      <a:rPr lang="en-US" sz="2400" b="0" i="1" smtClean="0">
-                        <a:solidFill>
-                          <a:schemeClr val="tx1"/>
-                        </a:solidFill>
-                        <a:latin typeface="Cambria Math" panose="02040503050406030204" pitchFamily="18" charset="0"/>
-                        <a:ea typeface="Cambria Math" panose="02040503050406030204" pitchFamily="18" charset="0"/>
-                      </a:rPr>
-                      <m:t>(1+</m:t>
-                    </m:r>
-                    <m:r>
-                      <a:rPr lang="en-US" sz="2400" b="0" i="1" smtClean="0">
-                        <a:solidFill>
-                          <a:schemeClr val="tx1"/>
-                        </a:solidFill>
-                        <a:latin typeface="Cambria Math" panose="02040503050406030204" pitchFamily="18" charset="0"/>
-                        <a:ea typeface="Cambria Math" panose="02040503050406030204" pitchFamily="18" charset="0"/>
-                      </a:rPr>
-                      <m:t>𝛼</m:t>
-                    </m:r>
-                    <m:r>
-                      <a:rPr lang="en-US" sz="2400" b="0" i="1" smtClean="0">
-                        <a:solidFill>
-                          <a:schemeClr val="tx1"/>
-                        </a:solidFill>
-                        <a:latin typeface="Cambria Math" panose="02040503050406030204" pitchFamily="18" charset="0"/>
-                        <a:ea typeface="Cambria Math" panose="02040503050406030204" pitchFamily="18" charset="0"/>
-                      </a:rPr>
-                      <m:t>)</m:t>
-                    </m:r>
-                  </m:oMath>
-                </a14:m>
-                <a:r>
-                  <a:rPr lang="en-US" sz="2400" dirty="0">
-                    <a:solidFill>
-                      <a:schemeClr val="accent1"/>
-                    </a:solidFill>
-                  </a:rPr>
-                  <a:t> under the assumption of simple uniform hashing.</a:t>
-                </a:r>
-              </a:p>
-              <a:p>
-                <a:pPr marL="0" indent="0">
-                  <a:buNone/>
-                </a:pPr>
-                <a:endParaRPr lang="en-US" sz="2400" b="1" i="1" u="sng" dirty="0">
-                  <a:solidFill>
-                    <a:schemeClr val="accent1"/>
-                  </a:solidFill>
-                </a:endParaRPr>
-              </a:p>
-              <a:p>
-                <a:pPr marL="0" indent="0">
-                  <a:buNone/>
-                </a:pPr>
-                <a:r>
-                  <a:rPr lang="en-US" sz="2400" b="1" i="1" u="sng" dirty="0">
-                    <a:solidFill>
-                      <a:srgbClr val="FF0000"/>
-                    </a:solidFill>
-                  </a:rPr>
-                  <a:t>Proof</a:t>
-                </a:r>
-                <a:r>
-                  <a:rPr lang="en-US" sz="2400" dirty="0">
-                    <a:solidFill>
-                      <a:srgbClr val="FF0000"/>
-                    </a:solidFill>
-                  </a:rPr>
-                  <a:t>: </a:t>
-                </a:r>
-                <a:r>
-                  <a:rPr lang="en-US" sz="2400" dirty="0">
-                    <a:solidFill>
-                      <a:schemeClr val="accent1"/>
-                    </a:solidFill>
-                  </a:rPr>
-                  <a:t>Under the assumption of simple uniform hashing, we assume that the element </a:t>
-                </a:r>
-                <a14:m>
-                  <m:oMath xmlns:m="http://schemas.openxmlformats.org/officeDocument/2006/math">
-                    <m:r>
-                      <a:rPr lang="en-US" sz="2400" i="1">
-                        <a:latin typeface="Cambria Math" panose="02040503050406030204" pitchFamily="18" charset="0"/>
-                      </a:rPr>
-                      <m:t>𝑥</m:t>
-                    </m:r>
-                  </m:oMath>
-                </a14:m>
-                <a:r>
-                  <a:rPr lang="en-US" sz="2400" dirty="0">
-                    <a:solidFill>
-                      <a:schemeClr val="accent1"/>
-                    </a:solidFill>
-                  </a:rPr>
-                  <a:t> being searched for is equally likely to be any of the </a:t>
-                </a:r>
-                <a14:m>
-                  <m:oMath xmlns:m="http://schemas.openxmlformats.org/officeDocument/2006/math">
-                    <m:r>
-                      <a:rPr lang="en-US" sz="2400" b="0" i="1" smtClean="0">
-                        <a:solidFill>
-                          <a:schemeClr val="tx1"/>
-                        </a:solidFill>
-                        <a:latin typeface="Cambria Math" panose="02040503050406030204" pitchFamily="18" charset="0"/>
-                      </a:rPr>
-                      <m:t>𝑛</m:t>
-                    </m:r>
-                  </m:oMath>
-                </a14:m>
-                <a:r>
-                  <a:rPr lang="en-US" sz="2400" dirty="0">
-                    <a:solidFill>
-                      <a:schemeClr val="accent1"/>
-                    </a:solidFill>
-                  </a:rPr>
-                  <a:t> elements stored in the table.</a:t>
-                </a:r>
-              </a:p>
-              <a:p>
-                <a:pPr marL="0" indent="0">
-                  <a:buNone/>
-                </a:pPr>
-                <a:endParaRPr lang="en-US" b="1" i="1" u="sng" dirty="0"/>
-              </a:p>
-              <a:p>
-                <a:pPr marL="0" indent="0">
-                  <a:buNone/>
-                </a:pPr>
-                <a:endParaRPr lang="en-US" dirty="0">
-                  <a:solidFill>
-                    <a:schemeClr val="accent1"/>
-                  </a:solidFill>
-                </a:endParaRPr>
-              </a:p>
-              <a:p>
-                <a:pPr marL="0" indent="0">
-                  <a:buNone/>
-                </a:pPr>
-                <a:endParaRPr lang="en-US" dirty="0"/>
-              </a:p>
-            </p:txBody>
-          </p:sp>
-        </mc:Choice>
-        <mc:Fallback xmlns="">
-          <p:sp>
-            <p:nvSpPr>
-              <p:cNvPr id="3" name="Content Placeholder 2">
-                <a:extLst>
-                  <a:ext uri="{FF2B5EF4-FFF2-40B4-BE49-F238E27FC236}">
-                    <a16:creationId xmlns:a16="http://schemas.microsoft.com/office/drawing/2014/main" id="{A47063BC-764B-4657-A034-C9EEB84881B3}"/>
-                  </a:ext>
-                </a:extLst>
-              </p:cNvPr>
-              <p:cNvSpPr>
-                <a:spLocks noGrp="1" noRot="1" noChangeAspect="1" noMove="1" noResize="1" noEditPoints="1" noAdjustHandles="1" noChangeArrowheads="1" noChangeShapeType="1" noTextEdit="1"/>
-              </p:cNvSpPr>
-              <p:nvPr>
-                <p:ph idx="1"/>
-              </p:nvPr>
-            </p:nvSpPr>
-            <p:spPr>
-              <a:blipFill>
-                <a:blip r:embed="rId2"/>
-                <a:stretch>
-                  <a:fillRect l="-928" t="-1961" r="-232"/>
-                </a:stretch>
-              </a:blipFill>
-            </p:spPr>
-            <p:txBody>
-              <a:bodyPr/>
-              <a:lstStyle/>
-              <a:p>
-                <a:r>
-                  <a:rPr lang="en-US">
-                    <a:noFill/>
-                  </a:rPr>
-                  <a:t> </a:t>
-                </a:r>
-              </a:p>
-            </p:txBody>
-          </p:sp>
-        </mc:Fallback>
-      </mc:AlternateContent>
-    </p:spTree>
-    <p:extLst>
-      <p:ext uri="{BB962C8B-B14F-4D97-AF65-F5344CB8AC3E}">
-        <p14:creationId xmlns:p14="http://schemas.microsoft.com/office/powerpoint/2010/main" val="1320325410"/>
       </p:ext>
     </p:extLst>
   </p:cSld>
@@ -10145,6 +10118,329 @@
                       <a:srgbClr val="FF0000"/>
                     </a:solidFill>
                   </a:rPr>
+                  <a:t>Theorem</a:t>
+                </a:r>
+                <a:r>
+                  <a:rPr lang="en-US" sz="2400" dirty="0">
+                    <a:solidFill>
+                      <a:srgbClr val="FF0000"/>
+                    </a:solidFill>
+                  </a:rPr>
+                  <a:t>: </a:t>
+                </a:r>
+                <a:r>
+                  <a:rPr lang="en-US" sz="2400" dirty="0">
+                    <a:solidFill>
+                      <a:schemeClr val="accent1"/>
+                    </a:solidFill>
+                  </a:rPr>
+                  <a:t>In a hash table where collisions are resolved by chaining, a successful search takes average-case time of</a:t>
+                </a:r>
+                <a14:m>
+                  <m:oMath xmlns:m="http://schemas.openxmlformats.org/officeDocument/2006/math">
+                    <m:r>
+                      <a:rPr lang="en-US" sz="2400" b="0" i="0" smtClean="0">
+                        <a:solidFill>
+                          <a:schemeClr val="accent1"/>
+                        </a:solidFill>
+                        <a:latin typeface="Cambria Math" panose="02040503050406030204" pitchFamily="18" charset="0"/>
+                        <a:ea typeface="Cambria Math" panose="02040503050406030204" pitchFamily="18" charset="0"/>
+                      </a:rPr>
+                      <m:t> </m:t>
+                    </m:r>
+                    <m:r>
+                      <m:rPr>
+                        <m:sty m:val="p"/>
+                      </m:rPr>
+                      <a:rPr lang="el-GR" sz="2400" i="1" smtClean="0">
+                        <a:solidFill>
+                          <a:schemeClr val="tx1"/>
+                        </a:solidFill>
+                        <a:latin typeface="Cambria Math" panose="02040503050406030204" pitchFamily="18" charset="0"/>
+                        <a:ea typeface="Cambria Math" panose="02040503050406030204" pitchFamily="18" charset="0"/>
+                      </a:rPr>
+                      <m:t>Θ</m:t>
+                    </m:r>
+                    <m:r>
+                      <a:rPr lang="en-US" sz="2400" b="0" i="1" smtClean="0">
+                        <a:solidFill>
+                          <a:schemeClr val="tx1"/>
+                        </a:solidFill>
+                        <a:latin typeface="Cambria Math" panose="02040503050406030204" pitchFamily="18" charset="0"/>
+                        <a:ea typeface="Cambria Math" panose="02040503050406030204" pitchFamily="18" charset="0"/>
+                      </a:rPr>
+                      <m:t>(1+</m:t>
+                    </m:r>
+                    <m:r>
+                      <a:rPr lang="en-US" sz="2400" b="0" i="1" smtClean="0">
+                        <a:solidFill>
+                          <a:schemeClr val="tx1"/>
+                        </a:solidFill>
+                        <a:latin typeface="Cambria Math" panose="02040503050406030204" pitchFamily="18" charset="0"/>
+                        <a:ea typeface="Cambria Math" panose="02040503050406030204" pitchFamily="18" charset="0"/>
+                      </a:rPr>
+                      <m:t>𝛼</m:t>
+                    </m:r>
+                    <m:r>
+                      <a:rPr lang="en-US" sz="2400" b="0" i="1" smtClean="0">
+                        <a:solidFill>
+                          <a:schemeClr val="tx1"/>
+                        </a:solidFill>
+                        <a:latin typeface="Cambria Math" panose="02040503050406030204" pitchFamily="18" charset="0"/>
+                        <a:ea typeface="Cambria Math" panose="02040503050406030204" pitchFamily="18" charset="0"/>
+                      </a:rPr>
+                      <m:t>)</m:t>
+                    </m:r>
+                  </m:oMath>
+                </a14:m>
+                <a:r>
+                  <a:rPr lang="en-US" sz="2400" dirty="0">
+                    <a:solidFill>
+                      <a:schemeClr val="accent1"/>
+                    </a:solidFill>
+                  </a:rPr>
+                  <a:t> under the assumption of simple uniform hashing.</a:t>
+                </a:r>
+              </a:p>
+              <a:p>
+                <a:pPr marL="0" indent="0">
+                  <a:buNone/>
+                </a:pPr>
+                <a:endParaRPr lang="en-US" sz="2400" b="1" i="1" u="sng" dirty="0">
+                  <a:solidFill>
+                    <a:schemeClr val="accent1"/>
+                  </a:solidFill>
+                </a:endParaRPr>
+              </a:p>
+              <a:p>
+                <a:pPr marL="0" indent="0">
+                  <a:buNone/>
+                </a:pPr>
+                <a:r>
+                  <a:rPr lang="en-US" sz="2400" b="1" i="1" u="sng" dirty="0">
+                    <a:solidFill>
+                      <a:srgbClr val="FF0000"/>
+                    </a:solidFill>
+                  </a:rPr>
+                  <a:t>Proof</a:t>
+                </a:r>
+                <a:r>
+                  <a:rPr lang="en-US" sz="2400" dirty="0">
+                    <a:solidFill>
+                      <a:srgbClr val="FF0000"/>
+                    </a:solidFill>
+                  </a:rPr>
+                  <a:t>: </a:t>
+                </a:r>
+                <a:r>
+                  <a:rPr lang="en-US" sz="2400" dirty="0">
+                    <a:solidFill>
+                      <a:schemeClr val="accent1"/>
+                    </a:solidFill>
+                  </a:rPr>
+                  <a:t>Under the assumption of simple uniform hashing, we assume that the element </a:t>
+                </a:r>
+                <a14:m>
+                  <m:oMath xmlns:m="http://schemas.openxmlformats.org/officeDocument/2006/math">
+                    <m:r>
+                      <a:rPr lang="en-US" sz="2400" i="1">
+                        <a:latin typeface="Cambria Math" panose="02040503050406030204" pitchFamily="18" charset="0"/>
+                      </a:rPr>
+                      <m:t>𝑥</m:t>
+                    </m:r>
+                  </m:oMath>
+                </a14:m>
+                <a:r>
+                  <a:rPr lang="en-US" sz="2400" dirty="0">
+                    <a:solidFill>
+                      <a:schemeClr val="accent1"/>
+                    </a:solidFill>
+                  </a:rPr>
+                  <a:t> being searched for is equally likely to be any of the </a:t>
+                </a:r>
+                <a14:m>
+                  <m:oMath xmlns:m="http://schemas.openxmlformats.org/officeDocument/2006/math">
+                    <m:r>
+                      <a:rPr lang="en-US" sz="2400" b="0" i="1" smtClean="0">
+                        <a:solidFill>
+                          <a:schemeClr val="tx1"/>
+                        </a:solidFill>
+                        <a:latin typeface="Cambria Math" panose="02040503050406030204" pitchFamily="18" charset="0"/>
+                      </a:rPr>
+                      <m:t>𝑛</m:t>
+                    </m:r>
+                  </m:oMath>
+                </a14:m>
+                <a:r>
+                  <a:rPr lang="en-US" sz="2400" dirty="0">
+                    <a:solidFill>
+                      <a:schemeClr val="accent1"/>
+                    </a:solidFill>
+                  </a:rPr>
+                  <a:t> elements stored in the table.</a:t>
+                </a:r>
+              </a:p>
+              <a:p>
+                <a:pPr marL="0" indent="0">
+                  <a:buNone/>
+                </a:pPr>
+                <a:endParaRPr lang="en-US" b="1" i="1" u="sng" dirty="0"/>
+              </a:p>
+              <a:p>
+                <a:pPr marL="0" indent="0">
+                  <a:buNone/>
+                </a:pPr>
+                <a:endParaRPr lang="en-US" dirty="0">
+                  <a:solidFill>
+                    <a:schemeClr val="accent1"/>
+                  </a:solidFill>
+                </a:endParaRPr>
+              </a:p>
+              <a:p>
+                <a:pPr marL="0" indent="0">
+                  <a:buNone/>
+                </a:pPr>
+                <a:endParaRPr lang="en-US" dirty="0"/>
+              </a:p>
+            </p:txBody>
+          </p:sp>
+        </mc:Choice>
+        <mc:Fallback xmlns="">
+          <p:sp>
+            <p:nvSpPr>
+              <p:cNvPr id="3" name="Content Placeholder 2">
+                <a:extLst>
+                  <a:ext uri="{FF2B5EF4-FFF2-40B4-BE49-F238E27FC236}">
+                    <a16:creationId xmlns:a16="http://schemas.microsoft.com/office/drawing/2014/main" id="{A47063BC-764B-4657-A034-C9EEB84881B3}"/>
+                  </a:ext>
+                </a:extLst>
+              </p:cNvPr>
+              <p:cNvSpPr>
+                <a:spLocks noGrp="1" noRot="1" noChangeAspect="1" noMove="1" noResize="1" noEditPoints="1" noAdjustHandles="1" noChangeArrowheads="1" noChangeShapeType="1" noTextEdit="1"/>
+              </p:cNvSpPr>
+              <p:nvPr>
+                <p:ph idx="1"/>
+              </p:nvPr>
+            </p:nvSpPr>
+            <p:spPr>
+              <a:blipFill>
+                <a:blip r:embed="rId2"/>
+                <a:stretch>
+                  <a:fillRect l="-928" t="-1961" r="-232"/>
+                </a:stretch>
+              </a:blipFill>
+            </p:spPr>
+            <p:txBody>
+              <a:bodyPr/>
+              <a:lstStyle/>
+              <a:p>
+                <a:r>
+                  <a:rPr lang="en-US">
+                    <a:noFill/>
+                  </a:rPr>
+                  <a:t> </a:t>
+                </a:r>
+              </a:p>
+            </p:txBody>
+          </p:sp>
+        </mc:Fallback>
+      </mc:AlternateContent>
+    </p:spTree>
+    <p:extLst>
+      <p:ext uri="{BB962C8B-B14F-4D97-AF65-F5344CB8AC3E}">
+        <p14:creationId xmlns:p14="http://schemas.microsoft.com/office/powerpoint/2010/main" val="1320325410"/>
+      </p:ext>
+    </p:extLst>
+  </p:cSld>
+  <p:clrMapOvr>
+    <a:masterClrMapping/>
+  </p:clrMapOvr>
+</p:sld>
+</file>
+
+<file path=ppt/slides/slide24.xml><?xml version="1.0" encoding="utf-8"?>
+<p:sld xmlns:a="http://schemas.openxmlformats.org/drawingml/2006/main" xmlns:r="http://schemas.openxmlformats.org/officeDocument/2006/relationships" xmlns:p="http://schemas.openxmlformats.org/presentationml/2006/main">
+  <p:cSld>
+    <p:spTree>
+      <p:nvGrpSpPr>
+        <p:cNvPr id="1" name=""/>
+        <p:cNvGrpSpPr/>
+        <p:nvPr/>
+      </p:nvGrpSpPr>
+      <p:grpSpPr>
+        <a:xfrm>
+          <a:off x="0" y="0"/>
+          <a:ext cx="0" cy="0"/>
+          <a:chOff x="0" y="0"/>
+          <a:chExt cx="0" cy="0"/>
+        </a:xfrm>
+      </p:grpSpPr>
+      <p:sp>
+        <p:nvSpPr>
+          <p:cNvPr id="2" name="Title 1">
+            <a:extLst>
+              <a:ext uri="{FF2B5EF4-FFF2-40B4-BE49-F238E27FC236}">
+                <a16:creationId xmlns:a16="http://schemas.microsoft.com/office/drawing/2014/main" id="{BBE435D5-6023-4842-80F6-4822623D2A50}"/>
+              </a:ext>
+            </a:extLst>
+          </p:cNvPr>
+          <p:cNvSpPr>
+            <a:spLocks noGrp="1"/>
+          </p:cNvSpPr>
+          <p:nvPr>
+            <p:ph type="title"/>
+          </p:nvPr>
+        </p:nvSpPr>
+        <p:spPr/>
+        <p:txBody>
+          <a:bodyPr/>
+          <a:lstStyle/>
+          <a:p>
+            <a:r>
+              <a:rPr lang="en-US" dirty="0">
+                <a:solidFill>
+                  <a:schemeClr val="accent1"/>
+                </a:solidFill>
+              </a:rPr>
+              <a:t>Successful Search</a:t>
+            </a:r>
+          </a:p>
+        </p:txBody>
+      </p:sp>
+      <mc:AlternateContent xmlns:mc="http://schemas.openxmlformats.org/markup-compatibility/2006" xmlns:a14="http://schemas.microsoft.com/office/drawing/2010/main">
+        <mc:Choice Requires="a14">
+          <p:sp>
+            <p:nvSpPr>
+              <p:cNvPr id="3" name="Content Placeholder 2">
+                <a:extLst>
+                  <a:ext uri="{FF2B5EF4-FFF2-40B4-BE49-F238E27FC236}">
+                    <a16:creationId xmlns:a16="http://schemas.microsoft.com/office/drawing/2014/main" id="{A47063BC-764B-4657-A034-C9EEB84881B3}"/>
+                  </a:ext>
+                </a:extLst>
+              </p:cNvPr>
+              <p:cNvSpPr>
+                <a:spLocks noGrp="1"/>
+              </p:cNvSpPr>
+              <p:nvPr>
+                <p:ph idx="1"/>
+              </p:nvPr>
+            </p:nvSpPr>
+            <p:spPr/>
+            <p:txBody>
+              <a:bodyPr>
+                <a:normAutofit/>
+              </a:bodyPr>
+              <a:lstStyle/>
+              <a:p>
+                <a:pPr marL="0" indent="0">
+                  <a:buNone/>
+                </a:pPr>
+                <a:r>
+                  <a:rPr lang="en-US" sz="2400" b="1" i="1" u="sng" dirty="0">
+                    <a:solidFill>
+                      <a:srgbClr val="FF0000"/>
+                    </a:solidFill>
+                  </a:rPr>
                   <a:t>Key Observation I:</a:t>
                 </a:r>
                 <a:r>
@@ -10425,7 +10721,7 @@
 </p:sld>
 </file>
 
-<file path=ppt/slides/slide24.xml><?xml version="1.0" encoding="utf-8"?>
+<file path=ppt/slides/slide25.xml><?xml version="1.0" encoding="utf-8"?>
 <p:sld xmlns:a="http://schemas.openxmlformats.org/drawingml/2006/main" xmlns:r="http://schemas.openxmlformats.org/officeDocument/2006/relationships" xmlns:p="http://schemas.openxmlformats.org/presentationml/2006/main">
   <p:cSld>
     <p:spTree>
@@ -10474,8 +10770,8 @@
           </a:p>
         </p:txBody>
       </p:sp>
-      <mc:AlternateContent xmlns:mc="http://schemas.openxmlformats.org/markup-compatibility/2006" xmlns:a14="http://schemas.microsoft.com/office/drawing/2010/main">
-        <mc:Choice Requires="a14">
+      <mc:AlternateContent xmlns:mc="http://schemas.openxmlformats.org/markup-compatibility/2006">
+        <mc:Choice xmlns:a14="http://schemas.microsoft.com/office/drawing/2010/main" Requires="a14">
           <p:sp>
             <p:nvSpPr>
               <p:cNvPr id="7" name="Content Placeholder 6">
@@ -10495,7 +10791,7 @@
             <p:spPr/>
             <p:txBody>
               <a:bodyPr>
-                <a:normAutofit fontScale="77500" lnSpcReduction="20000"/>
+                <a:normAutofit fontScale="70000" lnSpcReduction="20000"/>
               </a:bodyPr>
               <a:lstStyle/>
               <a:p>
@@ -11032,8 +11328,369 @@
                       <a:schemeClr val="accent1"/>
                     </a:solidFill>
                   </a:rPr>
-                  <a:t>.</a:t>
-                </a:r>
+                  <a:t> , which means</a:t>
+                </a:r>
+              </a:p>
+              <a:p>
+                <a:pPr marL="0" indent="0">
+                  <a:buNone/>
+                </a:pPr>
+                <a:endParaRPr lang="en-US" dirty="0">
+                  <a:solidFill>
+                    <a:schemeClr val="accent1"/>
+                  </a:solidFill>
+                </a:endParaRPr>
+              </a:p>
+              <a:p>
+                <a:pPr marL="0" indent="0">
+                  <a:buNone/>
+                </a:pPr>
+                <a14:m>
+                  <m:oMathPara xmlns:m="http://schemas.openxmlformats.org/officeDocument/2006/math">
+                    <m:oMathParaPr>
+                      <m:jc m:val="center"/>
+                    </m:oMathParaPr>
+                    <m:oMath xmlns:m="http://schemas.openxmlformats.org/officeDocument/2006/math">
+                      <m:sSub>
+                        <m:sSubPr>
+                          <m:ctrlPr>
+                            <a:rPr lang="en-US" i="1" smtClean="0">
+                              <a:solidFill>
+                                <a:schemeClr val="tx1"/>
+                              </a:solidFill>
+                              <a:latin typeface="Cambria Math" panose="02040503050406030204" pitchFamily="18" charset="0"/>
+                            </a:rPr>
+                          </m:ctrlPr>
+                        </m:sSubPr>
+                        <m:e>
+                          <m:r>
+                            <a:rPr lang="en-US" b="0" i="1" smtClean="0">
+                              <a:solidFill>
+                                <a:schemeClr val="tx1"/>
+                              </a:solidFill>
+                              <a:latin typeface="Cambria Math" panose="02040503050406030204" pitchFamily="18" charset="0"/>
+                            </a:rPr>
+                            <m:t>𝑋</m:t>
+                          </m:r>
+                        </m:e>
+                        <m:sub>
+                          <m:r>
+                            <a:rPr lang="en-US" b="0" i="1" smtClean="0">
+                              <a:solidFill>
+                                <a:schemeClr val="tx1"/>
+                              </a:solidFill>
+                              <a:latin typeface="Cambria Math" panose="02040503050406030204" pitchFamily="18" charset="0"/>
+                            </a:rPr>
+                            <m:t>𝑖</m:t>
+                          </m:r>
+                          <m:r>
+                            <a:rPr lang="en-US" b="0" i="1" smtClean="0">
+                              <a:solidFill>
+                                <a:schemeClr val="tx1"/>
+                              </a:solidFill>
+                              <a:latin typeface="Cambria Math" panose="02040503050406030204" pitchFamily="18" charset="0"/>
+                            </a:rPr>
+                            <m:t>,</m:t>
+                          </m:r>
+                          <m:r>
+                            <a:rPr lang="en-US" b="0" i="1" smtClean="0">
+                              <a:solidFill>
+                                <a:schemeClr val="tx1"/>
+                              </a:solidFill>
+                              <a:latin typeface="Cambria Math" panose="02040503050406030204" pitchFamily="18" charset="0"/>
+                            </a:rPr>
+                            <m:t>𝑗</m:t>
+                          </m:r>
+                        </m:sub>
+                      </m:sSub>
+                      <m:r>
+                        <a:rPr lang="en-US" b="0" i="1" smtClean="0">
+                          <a:solidFill>
+                            <a:schemeClr val="tx1"/>
+                          </a:solidFill>
+                          <a:latin typeface="Cambria Math" panose="02040503050406030204" pitchFamily="18" charset="0"/>
+                        </a:rPr>
+                        <m:t>=</m:t>
+                      </m:r>
+                      <m:d>
+                        <m:dPr>
+                          <m:begChr m:val="{"/>
+                          <m:endChr m:val=""/>
+                          <m:ctrlPr>
+                            <a:rPr lang="en-US" b="0" i="1" smtClean="0">
+                              <a:solidFill>
+                                <a:schemeClr val="tx1"/>
+                              </a:solidFill>
+                              <a:latin typeface="Cambria Math" panose="02040503050406030204" pitchFamily="18" charset="0"/>
+                            </a:rPr>
+                          </m:ctrlPr>
+                        </m:dPr>
+                        <m:e>
+                          <m:eqArr>
+                            <m:eqArrPr>
+                              <m:ctrlPr>
+                                <a:rPr lang="en-US" b="0" i="1" smtClean="0">
+                                  <a:solidFill>
+                                    <a:schemeClr val="tx1"/>
+                                  </a:solidFill>
+                                  <a:latin typeface="Cambria Math" panose="02040503050406030204" pitchFamily="18" charset="0"/>
+                                </a:rPr>
+                              </m:ctrlPr>
+                            </m:eqArrPr>
+                            <m:e>
+                              <m:r>
+                                <a:rPr lang="en-US" b="0" i="1" smtClean="0">
+                                  <a:solidFill>
+                                    <a:schemeClr val="tx1"/>
+                                  </a:solidFill>
+                                  <a:latin typeface="Cambria Math" panose="02040503050406030204" pitchFamily="18" charset="0"/>
+                                </a:rPr>
+                                <m:t>0 </m:t>
+                              </m:r>
+                              <m:r>
+                                <a:rPr lang="en-US" b="0" i="1" smtClean="0">
+                                  <a:solidFill>
+                                    <a:schemeClr val="tx1"/>
+                                  </a:solidFill>
+                                  <a:latin typeface="Cambria Math" panose="02040503050406030204" pitchFamily="18" charset="0"/>
+                                </a:rPr>
+                                <m:t>𝑖𝑓</m:t>
+                              </m:r>
+                              <m:r>
+                                <a:rPr lang="en-US" b="0" i="1" smtClean="0">
+                                  <a:solidFill>
+                                    <a:schemeClr val="tx1"/>
+                                  </a:solidFill>
+                                  <a:latin typeface="Cambria Math" panose="02040503050406030204" pitchFamily="18" charset="0"/>
+                                </a:rPr>
+                                <m:t> </m:t>
+                              </m:r>
+                              <m:r>
+                                <a:rPr lang="en-US" i="1">
+                                  <a:latin typeface="Cambria Math" panose="02040503050406030204" pitchFamily="18" charset="0"/>
+                                </a:rPr>
+                                <m:t>h</m:t>
+                              </m:r>
+                              <m:sSub>
+                                <m:sSubPr>
+                                  <m:ctrlPr>
+                                    <a:rPr lang="en-US" i="1">
+                                      <a:latin typeface="Cambria Math" panose="02040503050406030204" pitchFamily="18" charset="0"/>
+                                    </a:rPr>
+                                  </m:ctrlPr>
+                                </m:sSubPr>
+                                <m:e>
+                                  <m:r>
+                                    <a:rPr lang="en-US" i="1">
+                                      <a:latin typeface="Cambria Math" panose="02040503050406030204" pitchFamily="18" charset="0"/>
+                                    </a:rPr>
+                                    <m:t>(</m:t>
+                                  </m:r>
+                                  <m:r>
+                                    <a:rPr lang="en-US" i="1">
+                                      <a:latin typeface="Cambria Math" panose="02040503050406030204" pitchFamily="18" charset="0"/>
+                                    </a:rPr>
+                                    <m:t>𝑘</m:t>
+                                  </m:r>
+                                </m:e>
+                                <m:sub>
+                                  <m:r>
+                                    <a:rPr lang="en-US" i="1">
+                                      <a:latin typeface="Cambria Math" panose="02040503050406030204" pitchFamily="18" charset="0"/>
+                                    </a:rPr>
+                                    <m:t>𝑖</m:t>
+                                  </m:r>
+                                </m:sub>
+                              </m:sSub>
+                              <m:r>
+                                <a:rPr lang="en-US" i="1">
+                                  <a:latin typeface="Cambria Math" panose="02040503050406030204" pitchFamily="18" charset="0"/>
+                                </a:rPr>
+                                <m:t>)</m:t>
+                              </m:r>
+                              <m:r>
+                                <a:rPr lang="en-US" i="1" smtClean="0">
+                                  <a:latin typeface="Cambria Math" panose="02040503050406030204" pitchFamily="18" charset="0"/>
+                                  <a:ea typeface="Cambria Math" panose="02040503050406030204" pitchFamily="18" charset="0"/>
+                                </a:rPr>
+                                <m:t>≠</m:t>
+                              </m:r>
+                              <m:r>
+                                <a:rPr lang="en-US" i="1">
+                                  <a:latin typeface="Cambria Math" panose="02040503050406030204" pitchFamily="18" charset="0"/>
+                                </a:rPr>
+                                <m:t>h</m:t>
+                              </m:r>
+                              <m:r>
+                                <a:rPr lang="en-US" i="1">
+                                  <a:latin typeface="Cambria Math" panose="02040503050406030204" pitchFamily="18" charset="0"/>
+                                </a:rPr>
+                                <m:t>(</m:t>
+                              </m:r>
+                              <m:sSub>
+                                <m:sSubPr>
+                                  <m:ctrlPr>
+                                    <a:rPr lang="en-US" i="1">
+                                      <a:latin typeface="Cambria Math" panose="02040503050406030204" pitchFamily="18" charset="0"/>
+                                    </a:rPr>
+                                  </m:ctrlPr>
+                                </m:sSubPr>
+                                <m:e>
+                                  <m:r>
+                                    <a:rPr lang="en-US" i="1">
+                                      <a:latin typeface="Cambria Math" panose="02040503050406030204" pitchFamily="18" charset="0"/>
+                                    </a:rPr>
+                                    <m:t>𝑘</m:t>
+                                  </m:r>
+                                </m:e>
+                                <m:sub>
+                                  <m:r>
+                                    <a:rPr lang="en-US" i="1">
+                                      <a:latin typeface="Cambria Math" panose="02040503050406030204" pitchFamily="18" charset="0"/>
+                                    </a:rPr>
+                                    <m:t>𝑗</m:t>
+                                  </m:r>
+                                </m:sub>
+                              </m:sSub>
+                              <m:r>
+                                <a:rPr lang="en-US" i="1">
+                                  <a:latin typeface="Cambria Math" panose="02040503050406030204" pitchFamily="18" charset="0"/>
+                                </a:rPr>
+                                <m:t>)}</m:t>
+                              </m:r>
+                            </m:e>
+                            <m:e>
+                              <m:r>
+                                <a:rPr lang="en-US" b="0" i="1" smtClean="0">
+                                  <a:solidFill>
+                                    <a:schemeClr val="tx1"/>
+                                  </a:solidFill>
+                                  <a:latin typeface="Cambria Math" panose="02040503050406030204" pitchFamily="18" charset="0"/>
+                                </a:rPr>
+                                <m:t>1 </m:t>
+                              </m:r>
+                              <m:r>
+                                <a:rPr lang="en-US" b="0" i="1" smtClean="0">
+                                  <a:solidFill>
+                                    <a:schemeClr val="tx1"/>
+                                  </a:solidFill>
+                                  <a:latin typeface="Cambria Math" panose="02040503050406030204" pitchFamily="18" charset="0"/>
+                                </a:rPr>
+                                <m:t>𝑖𝑓</m:t>
+                              </m:r>
+                              <m:r>
+                                <a:rPr lang="en-US" b="0" i="1" smtClean="0">
+                                  <a:solidFill>
+                                    <a:schemeClr val="tx1"/>
+                                  </a:solidFill>
+                                  <a:latin typeface="Cambria Math" panose="02040503050406030204" pitchFamily="18" charset="0"/>
+                                </a:rPr>
+                                <m:t> </m:t>
+                              </m:r>
+                              <m:r>
+                                <a:rPr lang="en-US" i="1">
+                                  <a:latin typeface="Cambria Math" panose="02040503050406030204" pitchFamily="18" charset="0"/>
+                                </a:rPr>
+                                <m:t>h</m:t>
+                              </m:r>
+                              <m:sSub>
+                                <m:sSubPr>
+                                  <m:ctrlPr>
+                                    <a:rPr lang="en-US" i="1">
+                                      <a:latin typeface="Cambria Math" panose="02040503050406030204" pitchFamily="18" charset="0"/>
+                                    </a:rPr>
+                                  </m:ctrlPr>
+                                </m:sSubPr>
+                                <m:e>
+                                  <m:r>
+                                    <a:rPr lang="en-US" i="1">
+                                      <a:latin typeface="Cambria Math" panose="02040503050406030204" pitchFamily="18" charset="0"/>
+                                    </a:rPr>
+                                    <m:t>(</m:t>
+                                  </m:r>
+                                  <m:r>
+                                    <a:rPr lang="en-US" i="1">
+                                      <a:latin typeface="Cambria Math" panose="02040503050406030204" pitchFamily="18" charset="0"/>
+                                    </a:rPr>
+                                    <m:t>𝑘</m:t>
+                                  </m:r>
+                                </m:e>
+                                <m:sub>
+                                  <m:r>
+                                    <a:rPr lang="en-US" i="1">
+                                      <a:latin typeface="Cambria Math" panose="02040503050406030204" pitchFamily="18" charset="0"/>
+                                    </a:rPr>
+                                    <m:t>𝑖</m:t>
+                                  </m:r>
+                                </m:sub>
+                              </m:sSub>
+                              <m:r>
+                                <a:rPr lang="en-US" i="1">
+                                  <a:latin typeface="Cambria Math" panose="02040503050406030204" pitchFamily="18" charset="0"/>
+                                </a:rPr>
+                                <m:t>)</m:t>
+                              </m:r>
+                              <m:r>
+                                <a:rPr lang="en-US" b="0" i="1" smtClean="0">
+                                  <a:latin typeface="Cambria Math" panose="02040503050406030204" pitchFamily="18" charset="0"/>
+                                </a:rPr>
+                                <m:t>=</m:t>
+                              </m:r>
+                              <m:r>
+                                <a:rPr lang="en-US" i="1">
+                                  <a:latin typeface="Cambria Math" panose="02040503050406030204" pitchFamily="18" charset="0"/>
+                                </a:rPr>
+                                <m:t>h</m:t>
+                              </m:r>
+                              <m:r>
+                                <a:rPr lang="en-US" i="1">
+                                  <a:latin typeface="Cambria Math" panose="02040503050406030204" pitchFamily="18" charset="0"/>
+                                </a:rPr>
+                                <m:t>(</m:t>
+                              </m:r>
+                              <m:sSub>
+                                <m:sSubPr>
+                                  <m:ctrlPr>
+                                    <a:rPr lang="en-US" i="1">
+                                      <a:latin typeface="Cambria Math" panose="02040503050406030204" pitchFamily="18" charset="0"/>
+                                    </a:rPr>
+                                  </m:ctrlPr>
+                                </m:sSubPr>
+                                <m:e>
+                                  <m:r>
+                                    <a:rPr lang="en-US" i="1">
+                                      <a:latin typeface="Cambria Math" panose="02040503050406030204" pitchFamily="18" charset="0"/>
+                                    </a:rPr>
+                                    <m:t>𝑘</m:t>
+                                  </m:r>
+                                </m:e>
+                                <m:sub>
+                                  <m:r>
+                                    <a:rPr lang="en-US" i="1">
+                                      <a:latin typeface="Cambria Math" panose="02040503050406030204" pitchFamily="18" charset="0"/>
+                                    </a:rPr>
+                                    <m:t>𝑗</m:t>
+                                  </m:r>
+                                </m:sub>
+                              </m:sSub>
+                              <m:r>
+                                <a:rPr lang="en-US" i="1">
+                                  <a:latin typeface="Cambria Math" panose="02040503050406030204" pitchFamily="18" charset="0"/>
+                                </a:rPr>
+                                <m:t>)}</m:t>
+                              </m:r>
+                            </m:e>
+                          </m:eqArr>
+                        </m:e>
+                      </m:d>
+                    </m:oMath>
+                  </m:oMathPara>
+                </a14:m>
+                <a:endParaRPr lang="en-US" dirty="0">
+                  <a:solidFill>
+                    <a:schemeClr val="accent1"/>
+                  </a:solidFill>
+                </a:endParaRPr>
               </a:p>
               <a:p>
                 <a:pPr marL="0" indent="0">
@@ -11376,6 +12033,18 @@
                         <m:argPr>
                           <m:argSz m:val="-1"/>
                         </m:argPr>
+                        <m:r>
+                          <m:rPr>
+                            <m:brk m:alnAt="63"/>
+                          </m:rPr>
+                          <a:rPr lang="en-US" b="0" i="1" smtClean="0">
+                            <a:solidFill>
+                              <a:schemeClr val="tx1"/>
+                            </a:solidFill>
+                            <a:latin typeface="Cambria Math" panose="02040503050406030204" pitchFamily="18" charset="0"/>
+                          </a:rPr>
+                          <m:t>1(</m:t>
+                        </m:r>
                         <m:f>
                           <m:fPr>
                             <m:ctrlPr>
@@ -11410,6 +12079,109 @@
                             </m:r>
                           </m:den>
                         </m:f>
+                        <m:r>
+                          <a:rPr lang="en-US" b="0" i="1" smtClean="0">
+                            <a:solidFill>
+                              <a:schemeClr val="tx1"/>
+                            </a:solidFill>
+                            <a:latin typeface="Cambria Math" panose="02040503050406030204" pitchFamily="18" charset="0"/>
+                          </a:rPr>
+                          <m:t>)+0(</m:t>
+                        </m:r>
+                        <m:box>
+                          <m:boxPr>
+                            <m:ctrlPr>
+                              <a:rPr lang="en-US" b="0" i="1" smtClean="0">
+                                <a:solidFill>
+                                  <a:schemeClr val="tx1"/>
+                                </a:solidFill>
+                                <a:latin typeface="Cambria Math" panose="02040503050406030204" pitchFamily="18" charset="0"/>
+                              </a:rPr>
+                            </m:ctrlPr>
+                          </m:boxPr>
+                          <m:e>
+                            <m:argPr>
+                              <m:argSz m:val="-1"/>
+                            </m:argPr>
+                            <m:f>
+                              <m:fPr>
+                                <m:ctrlPr>
+                                  <a:rPr lang="en-US" b="0" i="1" smtClean="0">
+                                    <a:solidFill>
+                                      <a:schemeClr val="tx1"/>
+                                    </a:solidFill>
+                                    <a:latin typeface="Cambria Math" panose="02040503050406030204" pitchFamily="18" charset="0"/>
+                                  </a:rPr>
+                                </m:ctrlPr>
+                              </m:fPr>
+                              <m:num>
+                                <m:r>
+                                  <a:rPr lang="en-US" b="0" i="1" smtClean="0">
+                                    <a:solidFill>
+                                      <a:schemeClr val="tx1"/>
+                                    </a:solidFill>
+                                    <a:latin typeface="Cambria Math" panose="02040503050406030204" pitchFamily="18" charset="0"/>
+                                  </a:rPr>
+                                  <m:t>𝑚</m:t>
+                                </m:r>
+                                <m:r>
+                                  <a:rPr lang="en-US" b="0" i="1" smtClean="0">
+                                    <a:solidFill>
+                                      <a:schemeClr val="tx1"/>
+                                    </a:solidFill>
+                                    <a:latin typeface="Cambria Math" panose="02040503050406030204" pitchFamily="18" charset="0"/>
+                                  </a:rPr>
+                                  <m:t>−1</m:t>
+                                </m:r>
+                              </m:num>
+                              <m:den>
+                                <m:r>
+                                  <a:rPr lang="en-US" b="0" i="1" smtClean="0">
+                                    <a:solidFill>
+                                      <a:schemeClr val="tx1"/>
+                                    </a:solidFill>
+                                    <a:latin typeface="Cambria Math" panose="02040503050406030204" pitchFamily="18" charset="0"/>
+                                  </a:rPr>
+                                  <m:t>𝑚</m:t>
+                                </m:r>
+                              </m:den>
+                            </m:f>
+                            <m:r>
+                              <a:rPr lang="en-US" b="0" i="1" smtClean="0">
+                                <a:solidFill>
+                                  <a:schemeClr val="tx1"/>
+                                </a:solidFill>
+                                <a:latin typeface="Cambria Math" panose="02040503050406030204" pitchFamily="18" charset="0"/>
+                              </a:rPr>
+                              <m:t>)=</m:t>
+                            </m:r>
+                            <m:f>
+                              <m:fPr>
+                                <m:ctrlPr>
+                                  <a:rPr lang="en-US" i="1">
+                                    <a:latin typeface="Cambria Math" panose="02040503050406030204" pitchFamily="18" charset="0"/>
+                                  </a:rPr>
+                                </m:ctrlPr>
+                              </m:fPr>
+                              <m:num>
+                                <m:r>
+                                  <a:rPr lang="en-US" i="1">
+                                    <a:latin typeface="Cambria Math" panose="02040503050406030204" pitchFamily="18" charset="0"/>
+                                  </a:rPr>
+                                  <m:t>1</m:t>
+                                </m:r>
+                              </m:num>
+                              <m:den>
+                                <m:r>
+                                  <a:rPr lang="en-US" i="1">
+                                    <a:latin typeface="Cambria Math" panose="02040503050406030204" pitchFamily="18" charset="0"/>
+                                  </a:rPr>
+                                  <m:t>𝑚</m:t>
+                                </m:r>
+                              </m:den>
+                            </m:f>
+                          </m:e>
+                        </m:box>
                       </m:e>
                     </m:box>
                   </m:oMath>
@@ -11504,7 +12276,7 @@
             </p:txBody>
           </p:sp>
         </mc:Choice>
-        <mc:Fallback xmlns="">
+        <mc:Fallback>
           <p:sp>
             <p:nvSpPr>
               <p:cNvPr id="7" name="Content Placeholder 6">
@@ -11525,7 +12297,7 @@
               <a:blipFill>
                 <a:blip r:embed="rId2"/>
                 <a:stretch>
-                  <a:fillRect l="-754" t="-2801" r="-812"/>
+                  <a:fillRect l="-638" t="-2381" r="-116"/>
                 </a:stretch>
               </a:blipFill>
             </p:spPr>
@@ -11557,7 +12329,7 @@
 </p:sld>
 </file>
 
-<file path=ppt/slides/slide25.xml><?xml version="1.0" encoding="utf-8"?>
+<file path=ppt/slides/slide26.xml><?xml version="1.0" encoding="utf-8"?>
 <p:sld xmlns:a="http://schemas.openxmlformats.org/drawingml/2006/main" xmlns:r="http://schemas.openxmlformats.org/officeDocument/2006/relationships" xmlns:p="http://schemas.openxmlformats.org/presentationml/2006/main">
   <p:cSld>
     <p:spTree>
@@ -12775,7 +13547,7 @@
 </p:sld>
 </file>
 
-<file path=ppt/slides/slide26.xml><?xml version="1.0" encoding="utf-8"?>
+<file path=ppt/slides/slide27.xml><?xml version="1.0" encoding="utf-8"?>
 <p:sld xmlns:a="http://schemas.openxmlformats.org/drawingml/2006/main" xmlns:r="http://schemas.openxmlformats.org/officeDocument/2006/relationships" xmlns:p="http://schemas.openxmlformats.org/presentationml/2006/main">
   <p:cSld>
     <p:spTree>
@@ -13309,7 +14081,7 @@
 </p:sld>
 </file>
 
-<file path=ppt/slides/slide27.xml><?xml version="1.0" encoding="utf-8"?>
+<file path=ppt/slides/slide28.xml><?xml version="1.0" encoding="utf-8"?>
 <p:sld xmlns:a="http://schemas.openxmlformats.org/drawingml/2006/main" xmlns:r="http://schemas.openxmlformats.org/officeDocument/2006/relationships" xmlns:p="http://schemas.openxmlformats.org/presentationml/2006/main">
   <p:cSld>
     <p:spTree>
@@ -13562,7 +14334,7 @@
 </p:sld>
 </file>
 
-<file path=ppt/slides/slide28.xml><?xml version="1.0" encoding="utf-8"?>
+<file path=ppt/slides/slide29.xml><?xml version="1.0" encoding="utf-8"?>
 <p:sld xmlns:a="http://schemas.openxmlformats.org/drawingml/2006/main" xmlns:r="http://schemas.openxmlformats.org/officeDocument/2006/relationships" xmlns:p="http://schemas.openxmlformats.org/presentationml/2006/main">
   <p:cSld>
     <p:spTree>
@@ -13842,7 +14614,568 @@
 </p:sld>
 </file>
 
-<file path=ppt/slides/slide29.xml><?xml version="1.0" encoding="utf-8"?>
+<file path=ppt/slides/slide3.xml><?xml version="1.0" encoding="utf-8"?>
+<p:sld xmlns:a="http://schemas.openxmlformats.org/drawingml/2006/main" xmlns:r="http://schemas.openxmlformats.org/officeDocument/2006/relationships" xmlns:p="http://schemas.openxmlformats.org/presentationml/2006/main">
+  <p:cSld>
+    <p:spTree>
+      <p:nvGrpSpPr>
+        <p:cNvPr id="1" name=""/>
+        <p:cNvGrpSpPr/>
+        <p:nvPr/>
+      </p:nvGrpSpPr>
+      <p:grpSpPr>
+        <a:xfrm>
+          <a:off x="0" y="0"/>
+          <a:ext cx="0" cy="0"/>
+          <a:chOff x="0" y="0"/>
+          <a:chExt cx="0" cy="0"/>
+        </a:xfrm>
+      </p:grpSpPr>
+      <p:sp>
+        <p:nvSpPr>
+          <p:cNvPr id="2" name="Title 1">
+            <a:extLst>
+              <a:ext uri="{FF2B5EF4-FFF2-40B4-BE49-F238E27FC236}">
+                <a16:creationId xmlns:a16="http://schemas.microsoft.com/office/drawing/2014/main" id="{47C0A044-7D58-4FC6-A48F-20C697F4BE48}"/>
+              </a:ext>
+            </a:extLst>
+          </p:cNvPr>
+          <p:cNvSpPr>
+            <a:spLocks noGrp="1"/>
+          </p:cNvSpPr>
+          <p:nvPr>
+            <p:ph type="title"/>
+          </p:nvPr>
+        </p:nvSpPr>
+        <p:spPr/>
+        <p:txBody>
+          <a:bodyPr/>
+          <a:lstStyle/>
+          <a:p>
+            <a:r>
+              <a:rPr lang="en-US" dirty="0">
+                <a:solidFill>
+                  <a:schemeClr val="accent1"/>
+                </a:solidFill>
+              </a:rPr>
+              <a:t>Direct-Addressing</a:t>
+            </a:r>
+          </a:p>
+        </p:txBody>
+      </p:sp>
+      <mc:AlternateContent xmlns:mc="http://schemas.openxmlformats.org/markup-compatibility/2006" xmlns:a14="http://schemas.microsoft.com/office/drawing/2010/main">
+        <mc:Choice Requires="a14">
+          <p:sp>
+            <p:nvSpPr>
+              <p:cNvPr id="3" name="Content Placeholder 2">
+                <a:extLst>
+                  <a:ext uri="{FF2B5EF4-FFF2-40B4-BE49-F238E27FC236}">
+                    <a16:creationId xmlns:a16="http://schemas.microsoft.com/office/drawing/2014/main" id="{F3733AAB-E0C7-4E25-8A28-9EDC7569ECCB}"/>
+                  </a:ext>
+                </a:extLst>
+              </p:cNvPr>
+              <p:cNvSpPr>
+                <a:spLocks noGrp="1"/>
+              </p:cNvSpPr>
+              <p:nvPr>
+                <p:ph idx="1"/>
+              </p:nvPr>
+            </p:nvSpPr>
+            <p:spPr/>
+            <p:txBody>
+              <a:bodyPr/>
+              <a:lstStyle/>
+              <a:p>
+                <a:pPr marL="0" indent="0">
+                  <a:buNone/>
+                </a:pPr>
+                <a:r>
+                  <a:rPr lang="en-US" b="1" i="1" dirty="0">
+                    <a:solidFill>
+                      <a:srgbClr val="FF0000"/>
+                    </a:solidFill>
+                  </a:rPr>
+                  <a:t>Direct addressing </a:t>
+                </a:r>
+                <a:r>
+                  <a:rPr lang="en-US" dirty="0">
+                    <a:solidFill>
+                      <a:schemeClr val="accent1"/>
+                    </a:solidFill>
+                  </a:rPr>
+                  <a:t>is used to implement a dynamic set </a:t>
+                </a:r>
+                <a14:m>
+                  <m:oMath xmlns:m="http://schemas.openxmlformats.org/officeDocument/2006/math">
+                    <m:r>
+                      <m:rPr>
+                        <m:sty m:val="p"/>
+                      </m:rPr>
+                      <a:rPr lang="en-US" b="0" i="0" smtClean="0">
+                        <a:latin typeface="Cambria Math" panose="02040503050406030204" pitchFamily="18" charset="0"/>
+                      </a:rPr>
+                      <m:t>T</m:t>
+                    </m:r>
+                  </m:oMath>
+                </a14:m>
+                <a:r>
+                  <a:rPr lang="th-TH" dirty="0"/>
+                  <a:t> </a:t>
+                </a:r>
+                <a:r>
+                  <a:rPr lang="en-US" dirty="0">
+                    <a:solidFill>
+                      <a:schemeClr val="accent1"/>
+                    </a:solidFill>
+                  </a:rPr>
+                  <a:t>denoted by </a:t>
+                </a:r>
+                <a14:m>
+                  <m:oMath xmlns:m="http://schemas.openxmlformats.org/officeDocument/2006/math">
+                    <m:r>
+                      <a:rPr lang="en-US" b="0" i="1" smtClean="0">
+                        <a:latin typeface="Cambria Math" panose="02040503050406030204" pitchFamily="18" charset="0"/>
+                      </a:rPr>
+                      <m:t>𝑇</m:t>
+                    </m:r>
+                    <m:d>
+                      <m:dPr>
+                        <m:begChr m:val="["/>
+                        <m:endChr m:val="]"/>
+                        <m:ctrlPr>
+                          <a:rPr lang="en-US" b="0" i="1" smtClean="0">
+                            <a:latin typeface="Cambria Math" panose="02040503050406030204" pitchFamily="18" charset="0"/>
+                          </a:rPr>
+                        </m:ctrlPr>
+                      </m:dPr>
+                      <m:e>
+                        <m:r>
+                          <a:rPr lang="en-US" b="0" i="1" smtClean="0">
+                            <a:latin typeface="Cambria Math" panose="02040503050406030204" pitchFamily="18" charset="0"/>
+                          </a:rPr>
+                          <m:t>0…</m:t>
+                        </m:r>
+                        <m:r>
+                          <a:rPr lang="en-US" b="0" i="1" smtClean="0">
+                            <a:latin typeface="Cambria Math" panose="02040503050406030204" pitchFamily="18" charset="0"/>
+                          </a:rPr>
+                          <m:t>𝑚</m:t>
+                        </m:r>
+                        <m:r>
+                          <a:rPr lang="en-US" b="0" i="1" smtClean="0">
+                            <a:latin typeface="Cambria Math" panose="02040503050406030204" pitchFamily="18" charset="0"/>
+                          </a:rPr>
+                          <m:t>−1</m:t>
+                        </m:r>
+                      </m:e>
+                    </m:d>
+                  </m:oMath>
+                </a14:m>
+                <a:r>
+                  <a:rPr lang="en-US" dirty="0"/>
+                  <a:t> </a:t>
+                </a:r>
+                <a:r>
+                  <a:rPr lang="en-US" dirty="0">
+                    <a:solidFill>
+                      <a:schemeClr val="accent1"/>
+                    </a:solidFill>
+                  </a:rPr>
+                  <a:t>consisting of </a:t>
+                </a:r>
+                <a14:m>
+                  <m:oMath xmlns:m="http://schemas.openxmlformats.org/officeDocument/2006/math">
+                    <m:r>
+                      <a:rPr lang="en-US" i="1">
+                        <a:latin typeface="Cambria Math" panose="02040503050406030204" pitchFamily="18" charset="0"/>
+                      </a:rPr>
+                      <m:t>𝑚</m:t>
+                    </m:r>
+                  </m:oMath>
+                </a14:m>
+                <a:r>
+                  <a:rPr lang="en-US" dirty="0"/>
+                  <a:t> </a:t>
+                </a:r>
+                <a:r>
+                  <a:rPr lang="en-US" dirty="0">
+                    <a:solidFill>
+                      <a:schemeClr val="accent1"/>
+                    </a:solidFill>
+                  </a:rPr>
+                  <a:t>slots and </a:t>
+                </a:r>
+                <a14:m>
+                  <m:oMath xmlns:m="http://schemas.openxmlformats.org/officeDocument/2006/math">
+                    <m:r>
+                      <m:rPr>
+                        <m:sty m:val="p"/>
+                      </m:rPr>
+                      <a:rPr lang="en-US" b="0" i="0" smtClean="0">
+                        <a:latin typeface="Cambria Math" panose="02040503050406030204" pitchFamily="18" charset="0"/>
+                      </a:rPr>
+                      <m:t>T</m:t>
+                    </m:r>
+                    <m:r>
+                      <a:rPr lang="en-US" b="0" i="0" smtClean="0">
+                        <a:latin typeface="Cambria Math" panose="02040503050406030204" pitchFamily="18" charset="0"/>
+                      </a:rPr>
+                      <m:t>[</m:t>
+                    </m:r>
+                    <m:r>
+                      <a:rPr lang="en-US" b="0" i="1" smtClean="0">
+                        <a:latin typeface="Cambria Math" panose="02040503050406030204" pitchFamily="18" charset="0"/>
+                      </a:rPr>
+                      <m:t>𝑖</m:t>
+                    </m:r>
+                    <m:r>
+                      <a:rPr lang="en-US" b="0" i="1" smtClean="0">
+                        <a:latin typeface="Cambria Math" panose="02040503050406030204" pitchFamily="18" charset="0"/>
+                      </a:rPr>
+                      <m:t>]</m:t>
+                    </m:r>
+                  </m:oMath>
+                </a14:m>
+                <a:r>
+                  <a:rPr lang="en-US" dirty="0"/>
+                  <a:t> </a:t>
+                </a:r>
+                <a:r>
+                  <a:rPr lang="en-US" dirty="0">
+                    <a:solidFill>
+                      <a:schemeClr val="accent1"/>
+                    </a:solidFill>
+                  </a:rPr>
+                  <a:t>denotes a </a:t>
+                </a:r>
+                <a:r>
+                  <a:rPr lang="en-US" b="1" i="1" dirty="0">
+                    <a:solidFill>
+                      <a:srgbClr val="FF0000"/>
+                    </a:solidFill>
+                  </a:rPr>
+                  <a:t>key value </a:t>
+                </a:r>
+                <a:r>
+                  <a:rPr lang="en-US" dirty="0">
+                    <a:solidFill>
+                      <a:schemeClr val="accent1"/>
+                    </a:solidFill>
+                  </a:rPr>
+                  <a:t>stored at the </a:t>
+                </a:r>
+                <a14:m>
+                  <m:oMath xmlns:m="http://schemas.openxmlformats.org/officeDocument/2006/math">
+                    <m:sSup>
+                      <m:sSupPr>
+                        <m:ctrlPr>
+                          <a:rPr lang="en-US" b="0" i="1" smtClean="0">
+                            <a:latin typeface="Cambria Math" panose="02040503050406030204" pitchFamily="18" charset="0"/>
+                          </a:rPr>
+                        </m:ctrlPr>
+                      </m:sSupPr>
+                      <m:e>
+                        <m:r>
+                          <a:rPr lang="en-US" b="0" i="1" smtClean="0">
+                            <a:latin typeface="Cambria Math" panose="02040503050406030204" pitchFamily="18" charset="0"/>
+                          </a:rPr>
+                          <m:t>𝑖</m:t>
+                        </m:r>
+                      </m:e>
+                      <m:sup>
+                        <m:r>
+                          <a:rPr lang="en-US" b="0" i="1" smtClean="0">
+                            <a:latin typeface="Cambria Math" panose="02040503050406030204" pitchFamily="18" charset="0"/>
+                          </a:rPr>
+                          <m:t>𝑡h</m:t>
+                        </m:r>
+                      </m:sup>
+                    </m:sSup>
+                  </m:oMath>
+                </a14:m>
+                <a:r>
+                  <a:rPr lang="en-US" dirty="0"/>
+                  <a:t> </a:t>
+                </a:r>
+                <a:r>
+                  <a:rPr lang="en-US" dirty="0">
+                    <a:solidFill>
+                      <a:schemeClr val="accent1"/>
+                    </a:solidFill>
+                  </a:rPr>
+                  <a:t>slot of the set</a:t>
+                </a:r>
+                <a:r>
+                  <a:rPr lang="en-US" dirty="0"/>
+                  <a:t> </a:t>
+                </a:r>
+                <a14:m>
+                  <m:oMath xmlns:m="http://schemas.openxmlformats.org/officeDocument/2006/math">
+                    <m:r>
+                      <m:rPr>
+                        <m:sty m:val="p"/>
+                      </m:rPr>
+                      <a:rPr lang="en-US">
+                        <a:latin typeface="Cambria Math" panose="02040503050406030204" pitchFamily="18" charset="0"/>
+                      </a:rPr>
+                      <m:t>T</m:t>
+                    </m:r>
+                  </m:oMath>
+                </a14:m>
+                <a:r>
+                  <a:rPr lang="en-US" dirty="0">
+                    <a:solidFill>
+                      <a:schemeClr val="accent1"/>
+                    </a:solidFill>
+                  </a:rPr>
+                  <a:t>.</a:t>
+                </a:r>
+              </a:p>
+              <a:p>
+                <a:r>
+                  <a:rPr lang="en-US" dirty="0">
+                    <a:solidFill>
+                      <a:schemeClr val="accent1"/>
+                    </a:solidFill>
+                  </a:rPr>
+                  <a:t>Each slot stores </a:t>
+                </a:r>
+                <a:r>
+                  <a:rPr lang="en-US" b="1" i="1" dirty="0">
+                    <a:solidFill>
+                      <a:srgbClr val="FF0000"/>
+                    </a:solidFill>
+                  </a:rPr>
+                  <a:t>at most one element</a:t>
+                </a:r>
+              </a:p>
+              <a:p>
+                <a:r>
+                  <a:rPr lang="en-US" dirty="0">
+                    <a:solidFill>
+                      <a:schemeClr val="accent1"/>
+                    </a:solidFill>
+                  </a:rPr>
+                  <a:t>Direct addressing works well when the universe</a:t>
+                </a:r>
+                <a:r>
+                  <a:rPr lang="en-US" dirty="0"/>
+                  <a:t> </a:t>
+                </a:r>
+                <a14:m>
+                  <m:oMath xmlns:m="http://schemas.openxmlformats.org/officeDocument/2006/math">
+                    <m:r>
+                      <a:rPr lang="en-US" b="0" i="1" smtClean="0">
+                        <a:latin typeface="Cambria Math" panose="02040503050406030204" pitchFamily="18" charset="0"/>
+                      </a:rPr>
+                      <m:t>𝑈</m:t>
+                    </m:r>
+                    <m:r>
+                      <a:rPr lang="en-US" b="0" i="1" smtClean="0">
+                        <a:latin typeface="Cambria Math" panose="02040503050406030204" pitchFamily="18" charset="0"/>
+                      </a:rPr>
+                      <m:t>={0,1,2,…,</m:t>
+                    </m:r>
+                    <m:r>
+                      <a:rPr lang="en-US" b="0" i="1" smtClean="0">
+                        <a:latin typeface="Cambria Math" panose="02040503050406030204" pitchFamily="18" charset="0"/>
+                      </a:rPr>
+                      <m:t>𝑚</m:t>
+                    </m:r>
+                    <m:r>
+                      <a:rPr lang="en-US" b="0" i="1" smtClean="0">
+                        <a:latin typeface="Cambria Math" panose="02040503050406030204" pitchFamily="18" charset="0"/>
+                      </a:rPr>
+                      <m:t>−1}</m:t>
+                    </m:r>
+                  </m:oMath>
+                </a14:m>
+                <a:r>
+                  <a:rPr lang="en-US" dirty="0">
+                    <a:solidFill>
+                      <a:schemeClr val="accent1"/>
+                    </a:solidFill>
+                  </a:rPr>
+                  <a:t> of keys is </a:t>
+                </a:r>
+                <a:r>
+                  <a:rPr lang="en-US" b="1" i="1" dirty="0">
+                    <a:solidFill>
+                      <a:srgbClr val="FF0000"/>
+                    </a:solidFill>
+                  </a:rPr>
+                  <a:t>small</a:t>
+                </a:r>
+                <a:r>
+                  <a:rPr lang="en-US" dirty="0">
+                    <a:solidFill>
+                      <a:schemeClr val="accent1"/>
+                    </a:solidFill>
+                  </a:rPr>
+                  <a:t>, that is, when </a:t>
+                </a:r>
+                <a14:m>
+                  <m:oMath xmlns:m="http://schemas.openxmlformats.org/officeDocument/2006/math">
+                    <m:r>
+                      <a:rPr lang="en-US" b="0" i="1" smtClean="0">
+                        <a:latin typeface="Cambria Math" panose="02040503050406030204" pitchFamily="18" charset="0"/>
+                      </a:rPr>
+                      <m:t>𝑚</m:t>
+                    </m:r>
+                  </m:oMath>
+                </a14:m>
+                <a:r>
+                  <a:rPr lang="en-US" dirty="0"/>
+                  <a:t> </a:t>
+                </a:r>
+                <a:r>
+                  <a:rPr lang="en-US" dirty="0">
+                    <a:solidFill>
+                      <a:schemeClr val="accent1"/>
+                    </a:solidFill>
+                  </a:rPr>
+                  <a:t>is </a:t>
+                </a:r>
+                <a:r>
+                  <a:rPr lang="en-US" b="1" i="1" dirty="0">
+                    <a:solidFill>
+                      <a:schemeClr val="accent1"/>
+                    </a:solidFill>
+                  </a:rPr>
+                  <a:t>small</a:t>
+                </a:r>
+              </a:p>
+              <a:p>
+                <a:r>
+                  <a:rPr lang="en-US" dirty="0">
+                    <a:solidFill>
+                      <a:schemeClr val="accent1"/>
+                    </a:solidFill>
+                  </a:rPr>
+                  <a:t>For an empty slot </a:t>
+                </a:r>
+                <a14:m>
+                  <m:oMath xmlns:m="http://schemas.openxmlformats.org/officeDocument/2006/math">
+                    <m:r>
+                      <a:rPr lang="en-US" i="1">
+                        <a:latin typeface="Cambria Math" panose="02040503050406030204" pitchFamily="18" charset="0"/>
+                      </a:rPr>
+                      <m:t>𝑖</m:t>
+                    </m:r>
+                  </m:oMath>
+                </a14:m>
+                <a:r>
+                  <a:rPr lang="en-US" dirty="0">
+                    <a:solidFill>
+                      <a:schemeClr val="accent1"/>
+                    </a:solidFill>
+                  </a:rPr>
+                  <a:t>, </a:t>
+                </a:r>
+                <a14:m>
+                  <m:oMath xmlns:m="http://schemas.openxmlformats.org/officeDocument/2006/math">
+                    <m:r>
+                      <a:rPr lang="en-US" b="0" i="1" smtClean="0">
+                        <a:latin typeface="Cambria Math" panose="02040503050406030204" pitchFamily="18" charset="0"/>
+                      </a:rPr>
+                      <m:t>𝑇</m:t>
+                    </m:r>
+                    <m:d>
+                      <m:dPr>
+                        <m:begChr m:val="["/>
+                        <m:endChr m:val="]"/>
+                        <m:ctrlPr>
+                          <a:rPr lang="en-US" b="0" i="1" smtClean="0">
+                            <a:latin typeface="Cambria Math" panose="02040503050406030204" pitchFamily="18" charset="0"/>
+                          </a:rPr>
+                        </m:ctrlPr>
+                      </m:dPr>
+                      <m:e>
+                        <m:r>
+                          <a:rPr lang="en-US" i="1">
+                            <a:latin typeface="Cambria Math" panose="02040503050406030204" pitchFamily="18" charset="0"/>
+                          </a:rPr>
+                          <m:t>𝑖</m:t>
+                        </m:r>
+                      </m:e>
+                    </m:d>
+                    <m:r>
+                      <a:rPr lang="en-US" b="0" i="1" smtClean="0">
+                        <a:latin typeface="Cambria Math" panose="02040503050406030204" pitchFamily="18" charset="0"/>
+                      </a:rPr>
+                      <m:t>=</m:t>
+                    </m:r>
+                    <m:r>
+                      <a:rPr lang="en-US" b="0" i="1" smtClean="0">
+                        <a:latin typeface="Cambria Math" panose="02040503050406030204" pitchFamily="18" charset="0"/>
+                      </a:rPr>
+                      <m:t>𝑁𝑈𝐿𝐿</m:t>
+                    </m:r>
+                  </m:oMath>
+                </a14:m>
+                <a:endParaRPr lang="en-US" dirty="0">
+                  <a:solidFill>
+                    <a:schemeClr val="accent1"/>
+                  </a:solidFill>
+                </a:endParaRPr>
+              </a:p>
+            </p:txBody>
+          </p:sp>
+        </mc:Choice>
+        <mc:Fallback xmlns="">
+          <p:sp>
+            <p:nvSpPr>
+              <p:cNvPr id="3" name="Content Placeholder 2">
+                <a:extLst>
+                  <a:ext uri="{FF2B5EF4-FFF2-40B4-BE49-F238E27FC236}">
+                    <a16:creationId xmlns:a16="http://schemas.microsoft.com/office/drawing/2014/main" id="{F3733AAB-E0C7-4E25-8A28-9EDC7569ECCB}"/>
+                  </a:ext>
+                </a:extLst>
+              </p:cNvPr>
+              <p:cNvSpPr>
+                <a:spLocks noGrp="1" noRot="1" noChangeAspect="1" noMove="1" noResize="1" noEditPoints="1" noAdjustHandles="1" noChangeArrowheads="1" noChangeShapeType="1" noTextEdit="1"/>
+              </p:cNvSpPr>
+              <p:nvPr>
+                <p:ph idx="1"/>
+              </p:nvPr>
+            </p:nvSpPr>
+            <p:spPr>
+              <a:blipFill>
+                <a:blip r:embed="rId2"/>
+                <a:stretch>
+                  <a:fillRect l="-1217" t="-2941" r="-1217"/>
+                </a:stretch>
+              </a:blipFill>
+            </p:spPr>
+            <p:txBody>
+              <a:bodyPr/>
+              <a:lstStyle/>
+              <a:p>
+                <a:r>
+                  <a:rPr lang="en-US">
+                    <a:noFill/>
+                  </a:rPr>
+                  <a:t> </a:t>
+                </a:r>
+              </a:p>
+            </p:txBody>
+          </p:sp>
+        </mc:Fallback>
+      </mc:AlternateContent>
+    </p:spTree>
+    <p:extLst>
+      <p:ext uri="{BB962C8B-B14F-4D97-AF65-F5344CB8AC3E}">
+        <p14:creationId xmlns:p14="http://schemas.microsoft.com/office/powerpoint/2010/main" val="1675119758"/>
+      </p:ext>
+    </p:extLst>
+  </p:cSld>
+  <p:clrMapOvr>
+    <a:masterClrMapping/>
+  </p:clrMapOvr>
+</p:sld>
+</file>
+
+<file path=ppt/slides/slide30.xml><?xml version="1.0" encoding="utf-8"?>
 <p:sld xmlns:a="http://schemas.openxmlformats.org/drawingml/2006/main" xmlns:r="http://schemas.openxmlformats.org/officeDocument/2006/relationships" xmlns:p="http://schemas.openxmlformats.org/presentationml/2006/main">
   <p:cSld>
     <p:spTree>
@@ -14056,568 +15389,7 @@
 </p:sld>
 </file>
 
-<file path=ppt/slides/slide3.xml><?xml version="1.0" encoding="utf-8"?>
-<p:sld xmlns:a="http://schemas.openxmlformats.org/drawingml/2006/main" xmlns:r="http://schemas.openxmlformats.org/officeDocument/2006/relationships" xmlns:p="http://schemas.openxmlformats.org/presentationml/2006/main">
-  <p:cSld>
-    <p:spTree>
-      <p:nvGrpSpPr>
-        <p:cNvPr id="1" name=""/>
-        <p:cNvGrpSpPr/>
-        <p:nvPr/>
-      </p:nvGrpSpPr>
-      <p:grpSpPr>
-        <a:xfrm>
-          <a:off x="0" y="0"/>
-          <a:ext cx="0" cy="0"/>
-          <a:chOff x="0" y="0"/>
-          <a:chExt cx="0" cy="0"/>
-        </a:xfrm>
-      </p:grpSpPr>
-      <p:sp>
-        <p:nvSpPr>
-          <p:cNvPr id="2" name="Title 1">
-            <a:extLst>
-              <a:ext uri="{FF2B5EF4-FFF2-40B4-BE49-F238E27FC236}">
-                <a16:creationId xmlns:a16="http://schemas.microsoft.com/office/drawing/2014/main" id="{47C0A044-7D58-4FC6-A48F-20C697F4BE48}"/>
-              </a:ext>
-            </a:extLst>
-          </p:cNvPr>
-          <p:cNvSpPr>
-            <a:spLocks noGrp="1"/>
-          </p:cNvSpPr>
-          <p:nvPr>
-            <p:ph type="title"/>
-          </p:nvPr>
-        </p:nvSpPr>
-        <p:spPr/>
-        <p:txBody>
-          <a:bodyPr/>
-          <a:lstStyle/>
-          <a:p>
-            <a:r>
-              <a:rPr lang="en-US" dirty="0">
-                <a:solidFill>
-                  <a:schemeClr val="accent1"/>
-                </a:solidFill>
-              </a:rPr>
-              <a:t>Direct-Addressing</a:t>
-            </a:r>
-          </a:p>
-        </p:txBody>
-      </p:sp>
-      <mc:AlternateContent xmlns:mc="http://schemas.openxmlformats.org/markup-compatibility/2006" xmlns:a14="http://schemas.microsoft.com/office/drawing/2010/main">
-        <mc:Choice Requires="a14">
-          <p:sp>
-            <p:nvSpPr>
-              <p:cNvPr id="3" name="Content Placeholder 2">
-                <a:extLst>
-                  <a:ext uri="{FF2B5EF4-FFF2-40B4-BE49-F238E27FC236}">
-                    <a16:creationId xmlns:a16="http://schemas.microsoft.com/office/drawing/2014/main" id="{F3733AAB-E0C7-4E25-8A28-9EDC7569ECCB}"/>
-                  </a:ext>
-                </a:extLst>
-              </p:cNvPr>
-              <p:cNvSpPr>
-                <a:spLocks noGrp="1"/>
-              </p:cNvSpPr>
-              <p:nvPr>
-                <p:ph idx="1"/>
-              </p:nvPr>
-            </p:nvSpPr>
-            <p:spPr/>
-            <p:txBody>
-              <a:bodyPr/>
-              <a:lstStyle/>
-              <a:p>
-                <a:pPr marL="0" indent="0">
-                  <a:buNone/>
-                </a:pPr>
-                <a:r>
-                  <a:rPr lang="en-US" b="1" i="1" dirty="0">
-                    <a:solidFill>
-                      <a:srgbClr val="FF0000"/>
-                    </a:solidFill>
-                  </a:rPr>
-                  <a:t>Direct addressing </a:t>
-                </a:r>
-                <a:r>
-                  <a:rPr lang="en-US" dirty="0">
-                    <a:solidFill>
-                      <a:schemeClr val="accent1"/>
-                    </a:solidFill>
-                  </a:rPr>
-                  <a:t>is used to implement a dynamic set </a:t>
-                </a:r>
-                <a14:m>
-                  <m:oMath xmlns:m="http://schemas.openxmlformats.org/officeDocument/2006/math">
-                    <m:r>
-                      <m:rPr>
-                        <m:sty m:val="p"/>
-                      </m:rPr>
-                      <a:rPr lang="en-US" b="0" i="0" smtClean="0">
-                        <a:latin typeface="Cambria Math" panose="02040503050406030204" pitchFamily="18" charset="0"/>
-                      </a:rPr>
-                      <m:t>T</m:t>
-                    </m:r>
-                  </m:oMath>
-                </a14:m>
-                <a:r>
-                  <a:rPr lang="th-TH" dirty="0"/>
-                  <a:t> </a:t>
-                </a:r>
-                <a:r>
-                  <a:rPr lang="en-US" dirty="0">
-                    <a:solidFill>
-                      <a:schemeClr val="accent1"/>
-                    </a:solidFill>
-                  </a:rPr>
-                  <a:t>denoted by </a:t>
-                </a:r>
-                <a14:m>
-                  <m:oMath xmlns:m="http://schemas.openxmlformats.org/officeDocument/2006/math">
-                    <m:r>
-                      <a:rPr lang="en-US" b="0" i="1" smtClean="0">
-                        <a:latin typeface="Cambria Math" panose="02040503050406030204" pitchFamily="18" charset="0"/>
-                      </a:rPr>
-                      <m:t>𝑇</m:t>
-                    </m:r>
-                    <m:d>
-                      <m:dPr>
-                        <m:begChr m:val="["/>
-                        <m:endChr m:val="]"/>
-                        <m:ctrlPr>
-                          <a:rPr lang="en-US" b="0" i="1" smtClean="0">
-                            <a:latin typeface="Cambria Math" panose="02040503050406030204" pitchFamily="18" charset="0"/>
-                          </a:rPr>
-                        </m:ctrlPr>
-                      </m:dPr>
-                      <m:e>
-                        <m:r>
-                          <a:rPr lang="en-US" b="0" i="1" smtClean="0">
-                            <a:latin typeface="Cambria Math" panose="02040503050406030204" pitchFamily="18" charset="0"/>
-                          </a:rPr>
-                          <m:t>0…</m:t>
-                        </m:r>
-                        <m:r>
-                          <a:rPr lang="en-US" b="0" i="1" smtClean="0">
-                            <a:latin typeface="Cambria Math" panose="02040503050406030204" pitchFamily="18" charset="0"/>
-                          </a:rPr>
-                          <m:t>𝑚</m:t>
-                        </m:r>
-                        <m:r>
-                          <a:rPr lang="en-US" b="0" i="1" smtClean="0">
-                            <a:latin typeface="Cambria Math" panose="02040503050406030204" pitchFamily="18" charset="0"/>
-                          </a:rPr>
-                          <m:t>−1</m:t>
-                        </m:r>
-                      </m:e>
-                    </m:d>
-                  </m:oMath>
-                </a14:m>
-                <a:r>
-                  <a:rPr lang="en-US" dirty="0"/>
-                  <a:t> </a:t>
-                </a:r>
-                <a:r>
-                  <a:rPr lang="en-US" dirty="0">
-                    <a:solidFill>
-                      <a:schemeClr val="accent1"/>
-                    </a:solidFill>
-                  </a:rPr>
-                  <a:t>consisting of </a:t>
-                </a:r>
-                <a14:m>
-                  <m:oMath xmlns:m="http://schemas.openxmlformats.org/officeDocument/2006/math">
-                    <m:r>
-                      <a:rPr lang="en-US" i="1">
-                        <a:latin typeface="Cambria Math" panose="02040503050406030204" pitchFamily="18" charset="0"/>
-                      </a:rPr>
-                      <m:t>𝑚</m:t>
-                    </m:r>
-                  </m:oMath>
-                </a14:m>
-                <a:r>
-                  <a:rPr lang="en-US" dirty="0"/>
-                  <a:t> </a:t>
-                </a:r>
-                <a:r>
-                  <a:rPr lang="en-US" dirty="0">
-                    <a:solidFill>
-                      <a:schemeClr val="accent1"/>
-                    </a:solidFill>
-                  </a:rPr>
-                  <a:t>slots and </a:t>
-                </a:r>
-                <a14:m>
-                  <m:oMath xmlns:m="http://schemas.openxmlformats.org/officeDocument/2006/math">
-                    <m:r>
-                      <m:rPr>
-                        <m:sty m:val="p"/>
-                      </m:rPr>
-                      <a:rPr lang="en-US" b="0" i="0" smtClean="0">
-                        <a:latin typeface="Cambria Math" panose="02040503050406030204" pitchFamily="18" charset="0"/>
-                      </a:rPr>
-                      <m:t>T</m:t>
-                    </m:r>
-                    <m:r>
-                      <a:rPr lang="en-US" b="0" i="0" smtClean="0">
-                        <a:latin typeface="Cambria Math" panose="02040503050406030204" pitchFamily="18" charset="0"/>
-                      </a:rPr>
-                      <m:t>[</m:t>
-                    </m:r>
-                    <m:r>
-                      <a:rPr lang="en-US" b="0" i="1" smtClean="0">
-                        <a:latin typeface="Cambria Math" panose="02040503050406030204" pitchFamily="18" charset="0"/>
-                      </a:rPr>
-                      <m:t>𝑖</m:t>
-                    </m:r>
-                    <m:r>
-                      <a:rPr lang="en-US" b="0" i="1" smtClean="0">
-                        <a:latin typeface="Cambria Math" panose="02040503050406030204" pitchFamily="18" charset="0"/>
-                      </a:rPr>
-                      <m:t>]</m:t>
-                    </m:r>
-                  </m:oMath>
-                </a14:m>
-                <a:r>
-                  <a:rPr lang="en-US" dirty="0"/>
-                  <a:t> </a:t>
-                </a:r>
-                <a:r>
-                  <a:rPr lang="en-US" dirty="0">
-                    <a:solidFill>
-                      <a:schemeClr val="accent1"/>
-                    </a:solidFill>
-                  </a:rPr>
-                  <a:t>denotes a </a:t>
-                </a:r>
-                <a:r>
-                  <a:rPr lang="en-US" b="1" i="1" dirty="0">
-                    <a:solidFill>
-                      <a:srgbClr val="FF0000"/>
-                    </a:solidFill>
-                  </a:rPr>
-                  <a:t>key value </a:t>
-                </a:r>
-                <a:r>
-                  <a:rPr lang="en-US" dirty="0">
-                    <a:solidFill>
-                      <a:schemeClr val="accent1"/>
-                    </a:solidFill>
-                  </a:rPr>
-                  <a:t>stored at the </a:t>
-                </a:r>
-                <a14:m>
-                  <m:oMath xmlns:m="http://schemas.openxmlformats.org/officeDocument/2006/math">
-                    <m:sSup>
-                      <m:sSupPr>
-                        <m:ctrlPr>
-                          <a:rPr lang="en-US" b="0" i="1" smtClean="0">
-                            <a:latin typeface="Cambria Math" panose="02040503050406030204" pitchFamily="18" charset="0"/>
-                          </a:rPr>
-                        </m:ctrlPr>
-                      </m:sSupPr>
-                      <m:e>
-                        <m:r>
-                          <a:rPr lang="en-US" b="0" i="1" smtClean="0">
-                            <a:latin typeface="Cambria Math" panose="02040503050406030204" pitchFamily="18" charset="0"/>
-                          </a:rPr>
-                          <m:t>𝑖</m:t>
-                        </m:r>
-                      </m:e>
-                      <m:sup>
-                        <m:r>
-                          <a:rPr lang="en-US" b="0" i="1" smtClean="0">
-                            <a:latin typeface="Cambria Math" panose="02040503050406030204" pitchFamily="18" charset="0"/>
-                          </a:rPr>
-                          <m:t>𝑡h</m:t>
-                        </m:r>
-                      </m:sup>
-                    </m:sSup>
-                  </m:oMath>
-                </a14:m>
-                <a:r>
-                  <a:rPr lang="en-US" dirty="0"/>
-                  <a:t> </a:t>
-                </a:r>
-                <a:r>
-                  <a:rPr lang="en-US" dirty="0">
-                    <a:solidFill>
-                      <a:schemeClr val="accent1"/>
-                    </a:solidFill>
-                  </a:rPr>
-                  <a:t>slot of the set</a:t>
-                </a:r>
-                <a:r>
-                  <a:rPr lang="en-US" dirty="0"/>
-                  <a:t> </a:t>
-                </a:r>
-                <a14:m>
-                  <m:oMath xmlns:m="http://schemas.openxmlformats.org/officeDocument/2006/math">
-                    <m:r>
-                      <m:rPr>
-                        <m:sty m:val="p"/>
-                      </m:rPr>
-                      <a:rPr lang="en-US">
-                        <a:latin typeface="Cambria Math" panose="02040503050406030204" pitchFamily="18" charset="0"/>
-                      </a:rPr>
-                      <m:t>T</m:t>
-                    </m:r>
-                  </m:oMath>
-                </a14:m>
-                <a:r>
-                  <a:rPr lang="en-US" dirty="0">
-                    <a:solidFill>
-                      <a:schemeClr val="accent1"/>
-                    </a:solidFill>
-                  </a:rPr>
-                  <a:t>.</a:t>
-                </a:r>
-              </a:p>
-              <a:p>
-                <a:r>
-                  <a:rPr lang="en-US" dirty="0">
-                    <a:solidFill>
-                      <a:schemeClr val="accent1"/>
-                    </a:solidFill>
-                  </a:rPr>
-                  <a:t>Each slot stores </a:t>
-                </a:r>
-                <a:r>
-                  <a:rPr lang="en-US" b="1" i="1" dirty="0">
-                    <a:solidFill>
-                      <a:srgbClr val="FF0000"/>
-                    </a:solidFill>
-                  </a:rPr>
-                  <a:t>at most one element</a:t>
-                </a:r>
-              </a:p>
-              <a:p>
-                <a:r>
-                  <a:rPr lang="en-US" dirty="0">
-                    <a:solidFill>
-                      <a:schemeClr val="accent1"/>
-                    </a:solidFill>
-                  </a:rPr>
-                  <a:t>Direct addressing works well when the universe</a:t>
-                </a:r>
-                <a:r>
-                  <a:rPr lang="en-US" dirty="0"/>
-                  <a:t> </a:t>
-                </a:r>
-                <a14:m>
-                  <m:oMath xmlns:m="http://schemas.openxmlformats.org/officeDocument/2006/math">
-                    <m:r>
-                      <a:rPr lang="en-US" b="0" i="1" smtClean="0">
-                        <a:latin typeface="Cambria Math" panose="02040503050406030204" pitchFamily="18" charset="0"/>
-                      </a:rPr>
-                      <m:t>𝑈</m:t>
-                    </m:r>
-                    <m:r>
-                      <a:rPr lang="en-US" b="0" i="1" smtClean="0">
-                        <a:latin typeface="Cambria Math" panose="02040503050406030204" pitchFamily="18" charset="0"/>
-                      </a:rPr>
-                      <m:t>={0,1,2,…,</m:t>
-                    </m:r>
-                    <m:r>
-                      <a:rPr lang="en-US" b="0" i="1" smtClean="0">
-                        <a:latin typeface="Cambria Math" panose="02040503050406030204" pitchFamily="18" charset="0"/>
-                      </a:rPr>
-                      <m:t>𝑚</m:t>
-                    </m:r>
-                    <m:r>
-                      <a:rPr lang="en-US" b="0" i="1" smtClean="0">
-                        <a:latin typeface="Cambria Math" panose="02040503050406030204" pitchFamily="18" charset="0"/>
-                      </a:rPr>
-                      <m:t>−1}</m:t>
-                    </m:r>
-                  </m:oMath>
-                </a14:m>
-                <a:r>
-                  <a:rPr lang="en-US" dirty="0">
-                    <a:solidFill>
-                      <a:schemeClr val="accent1"/>
-                    </a:solidFill>
-                  </a:rPr>
-                  <a:t> of keys is </a:t>
-                </a:r>
-                <a:r>
-                  <a:rPr lang="en-US" b="1" i="1" dirty="0">
-                    <a:solidFill>
-                      <a:srgbClr val="FF0000"/>
-                    </a:solidFill>
-                  </a:rPr>
-                  <a:t>small</a:t>
-                </a:r>
-                <a:r>
-                  <a:rPr lang="en-US" dirty="0">
-                    <a:solidFill>
-                      <a:schemeClr val="accent1"/>
-                    </a:solidFill>
-                  </a:rPr>
-                  <a:t>, that is, when </a:t>
-                </a:r>
-                <a14:m>
-                  <m:oMath xmlns:m="http://schemas.openxmlformats.org/officeDocument/2006/math">
-                    <m:r>
-                      <a:rPr lang="en-US" b="0" i="1" smtClean="0">
-                        <a:latin typeface="Cambria Math" panose="02040503050406030204" pitchFamily="18" charset="0"/>
-                      </a:rPr>
-                      <m:t>𝑚</m:t>
-                    </m:r>
-                  </m:oMath>
-                </a14:m>
-                <a:r>
-                  <a:rPr lang="en-US" dirty="0"/>
-                  <a:t> </a:t>
-                </a:r>
-                <a:r>
-                  <a:rPr lang="en-US" dirty="0">
-                    <a:solidFill>
-                      <a:schemeClr val="accent1"/>
-                    </a:solidFill>
-                  </a:rPr>
-                  <a:t>is </a:t>
-                </a:r>
-                <a:r>
-                  <a:rPr lang="en-US" b="1" i="1" dirty="0">
-                    <a:solidFill>
-                      <a:schemeClr val="accent1"/>
-                    </a:solidFill>
-                  </a:rPr>
-                  <a:t>small</a:t>
-                </a:r>
-              </a:p>
-              <a:p>
-                <a:r>
-                  <a:rPr lang="en-US" dirty="0">
-                    <a:solidFill>
-                      <a:schemeClr val="accent1"/>
-                    </a:solidFill>
-                  </a:rPr>
-                  <a:t>For an empty slot </a:t>
-                </a:r>
-                <a14:m>
-                  <m:oMath xmlns:m="http://schemas.openxmlformats.org/officeDocument/2006/math">
-                    <m:r>
-                      <a:rPr lang="en-US" i="1">
-                        <a:latin typeface="Cambria Math" panose="02040503050406030204" pitchFamily="18" charset="0"/>
-                      </a:rPr>
-                      <m:t>𝑖</m:t>
-                    </m:r>
-                  </m:oMath>
-                </a14:m>
-                <a:r>
-                  <a:rPr lang="en-US" dirty="0">
-                    <a:solidFill>
-                      <a:schemeClr val="accent1"/>
-                    </a:solidFill>
-                  </a:rPr>
-                  <a:t>, </a:t>
-                </a:r>
-                <a14:m>
-                  <m:oMath xmlns:m="http://schemas.openxmlformats.org/officeDocument/2006/math">
-                    <m:r>
-                      <a:rPr lang="en-US" b="0" i="1" smtClean="0">
-                        <a:latin typeface="Cambria Math" panose="02040503050406030204" pitchFamily="18" charset="0"/>
-                      </a:rPr>
-                      <m:t>𝑇</m:t>
-                    </m:r>
-                    <m:d>
-                      <m:dPr>
-                        <m:begChr m:val="["/>
-                        <m:endChr m:val="]"/>
-                        <m:ctrlPr>
-                          <a:rPr lang="en-US" b="0" i="1" smtClean="0">
-                            <a:latin typeface="Cambria Math" panose="02040503050406030204" pitchFamily="18" charset="0"/>
-                          </a:rPr>
-                        </m:ctrlPr>
-                      </m:dPr>
-                      <m:e>
-                        <m:r>
-                          <a:rPr lang="en-US" i="1">
-                            <a:latin typeface="Cambria Math" panose="02040503050406030204" pitchFamily="18" charset="0"/>
-                          </a:rPr>
-                          <m:t>𝑖</m:t>
-                        </m:r>
-                      </m:e>
-                    </m:d>
-                    <m:r>
-                      <a:rPr lang="en-US" b="0" i="1" smtClean="0">
-                        <a:latin typeface="Cambria Math" panose="02040503050406030204" pitchFamily="18" charset="0"/>
-                      </a:rPr>
-                      <m:t>=</m:t>
-                    </m:r>
-                    <m:r>
-                      <a:rPr lang="en-US" b="0" i="1" smtClean="0">
-                        <a:latin typeface="Cambria Math" panose="02040503050406030204" pitchFamily="18" charset="0"/>
-                      </a:rPr>
-                      <m:t>𝑁𝑈𝐿𝐿</m:t>
-                    </m:r>
-                  </m:oMath>
-                </a14:m>
-                <a:endParaRPr lang="en-US" dirty="0">
-                  <a:solidFill>
-                    <a:schemeClr val="accent1"/>
-                  </a:solidFill>
-                </a:endParaRPr>
-              </a:p>
-            </p:txBody>
-          </p:sp>
-        </mc:Choice>
-        <mc:Fallback xmlns="">
-          <p:sp>
-            <p:nvSpPr>
-              <p:cNvPr id="3" name="Content Placeholder 2">
-                <a:extLst>
-                  <a:ext uri="{FF2B5EF4-FFF2-40B4-BE49-F238E27FC236}">
-                    <a16:creationId xmlns:a16="http://schemas.microsoft.com/office/drawing/2014/main" id="{F3733AAB-E0C7-4E25-8A28-9EDC7569ECCB}"/>
-                  </a:ext>
-                </a:extLst>
-              </p:cNvPr>
-              <p:cNvSpPr>
-                <a:spLocks noGrp="1" noRot="1" noChangeAspect="1" noMove="1" noResize="1" noEditPoints="1" noAdjustHandles="1" noChangeArrowheads="1" noChangeShapeType="1" noTextEdit="1"/>
-              </p:cNvSpPr>
-              <p:nvPr>
-                <p:ph idx="1"/>
-              </p:nvPr>
-            </p:nvSpPr>
-            <p:spPr>
-              <a:blipFill>
-                <a:blip r:embed="rId2"/>
-                <a:stretch>
-                  <a:fillRect l="-1217" t="-2941" r="-1217"/>
-                </a:stretch>
-              </a:blipFill>
-            </p:spPr>
-            <p:txBody>
-              <a:bodyPr/>
-              <a:lstStyle/>
-              <a:p>
-                <a:r>
-                  <a:rPr lang="en-US">
-                    <a:noFill/>
-                  </a:rPr>
-                  <a:t> </a:t>
-                </a:r>
-              </a:p>
-            </p:txBody>
-          </p:sp>
-        </mc:Fallback>
-      </mc:AlternateContent>
-    </p:spTree>
-    <p:extLst>
-      <p:ext uri="{BB962C8B-B14F-4D97-AF65-F5344CB8AC3E}">
-        <p14:creationId xmlns:p14="http://schemas.microsoft.com/office/powerpoint/2010/main" val="1675119758"/>
-      </p:ext>
-    </p:extLst>
-  </p:cSld>
-  <p:clrMapOvr>
-    <a:masterClrMapping/>
-  </p:clrMapOvr>
-</p:sld>
-</file>
-
-<file path=ppt/slides/slide30.xml><?xml version="1.0" encoding="utf-8"?>
+<file path=ppt/slides/slide31.xml><?xml version="1.0" encoding="utf-8"?>
 <p:sld xmlns:a="http://schemas.openxmlformats.org/drawingml/2006/main" xmlns:r="http://schemas.openxmlformats.org/officeDocument/2006/relationships" xmlns:p="http://schemas.openxmlformats.org/presentationml/2006/main">
   <p:cSld>
     <p:spTree>
@@ -15284,7 +16056,7 @@
 </p:sld>
 </file>
 
-<file path=ppt/slides/slide31.xml><?xml version="1.0" encoding="utf-8"?>
+<file path=ppt/slides/slide32.xml><?xml version="1.0" encoding="utf-8"?>
 <p:sld xmlns:a="http://schemas.openxmlformats.org/drawingml/2006/main" xmlns:r="http://schemas.openxmlformats.org/officeDocument/2006/relationships" xmlns:p="http://schemas.openxmlformats.org/presentationml/2006/main">
   <p:cSld>
     <p:spTree>
@@ -15956,7 +16728,7 @@
 </p:sld>
 </file>
 
-<file path=ppt/slides/slide32.xml><?xml version="1.0" encoding="utf-8"?>
+<file path=ppt/slides/slide33.xml><?xml version="1.0" encoding="utf-8"?>
 <p:sld xmlns:a="http://schemas.openxmlformats.org/drawingml/2006/main" xmlns:r="http://schemas.openxmlformats.org/officeDocument/2006/relationships" xmlns:p="http://schemas.openxmlformats.org/presentationml/2006/main">
   <p:cSld>
     <p:spTree>
@@ -16669,7 +17441,7 @@
 </p:sld>
 </file>
 
-<file path=ppt/slides/slide33.xml><?xml version="1.0" encoding="utf-8"?>
+<file path=ppt/slides/slide34.xml><?xml version="1.0" encoding="utf-8"?>
 <p:sld xmlns:a="http://schemas.openxmlformats.org/drawingml/2006/main" xmlns:r="http://schemas.openxmlformats.org/officeDocument/2006/relationships" xmlns:p="http://schemas.openxmlformats.org/presentationml/2006/main">
   <p:cSld>
     <p:spTree>
@@ -16947,7 +17719,7 @@
 </p:sld>
 </file>
 
-<file path=ppt/slides/slide34.xml><?xml version="1.0" encoding="utf-8"?>
+<file path=ppt/slides/slide35.xml><?xml version="1.0" encoding="utf-8"?>
 <p:sld xmlns:a="http://schemas.openxmlformats.org/drawingml/2006/main" xmlns:r="http://schemas.openxmlformats.org/officeDocument/2006/relationships" xmlns:p="http://schemas.openxmlformats.org/presentationml/2006/main">
   <p:cSld>
     <p:spTree>
@@ -17598,7 +18370,7 @@
 </p:sld>
 </file>
 
-<file path=ppt/slides/slide35.xml><?xml version="1.0" encoding="utf-8"?>
+<file path=ppt/slides/slide36.xml><?xml version="1.0" encoding="utf-8"?>
 <p:sld xmlns:a="http://schemas.openxmlformats.org/drawingml/2006/main" xmlns:r="http://schemas.openxmlformats.org/officeDocument/2006/relationships" xmlns:p="http://schemas.openxmlformats.org/presentationml/2006/main">
   <p:cSld>
     <p:spTree>
@@ -18129,7 +18901,7 @@
 </p:sld>
 </file>
 
-<file path=ppt/slides/slide36.xml><?xml version="1.0" encoding="utf-8"?>
+<file path=ppt/slides/slide37.xml><?xml version="1.0" encoding="utf-8"?>
 <p:sld xmlns:a="http://schemas.openxmlformats.org/drawingml/2006/main" xmlns:r="http://schemas.openxmlformats.org/officeDocument/2006/relationships" xmlns:p="http://schemas.openxmlformats.org/presentationml/2006/main">
   <p:cSld>
     <p:spTree>
@@ -18573,7 +19345,7 @@
 </p:sld>
 </file>
 
-<file path=ppt/slides/slide37.xml><?xml version="1.0" encoding="utf-8"?>
+<file path=ppt/slides/slide38.xml><?xml version="1.0" encoding="utf-8"?>
 <p:sld xmlns:a="http://schemas.openxmlformats.org/drawingml/2006/main" xmlns:r="http://schemas.openxmlformats.org/officeDocument/2006/relationships" xmlns:p="http://schemas.openxmlformats.org/presentationml/2006/main">
   <p:cSld>
     <p:spTree>
@@ -18843,7 +19615,7 @@
 </p:sld>
 </file>
 
-<file path=ppt/slides/slide38.xml><?xml version="1.0" encoding="utf-8"?>
+<file path=ppt/slides/slide39.xml><?xml version="1.0" encoding="utf-8"?>
 <p:sld xmlns:a="http://schemas.openxmlformats.org/drawingml/2006/main" xmlns:r="http://schemas.openxmlformats.org/officeDocument/2006/relationships" xmlns:p="http://schemas.openxmlformats.org/presentationml/2006/main">
   <p:cSld>
     <p:spTree>
@@ -19023,765 +19795,6 @@
     <p:extLst>
       <p:ext uri="{BB962C8B-B14F-4D97-AF65-F5344CB8AC3E}">
         <p14:creationId xmlns:p14="http://schemas.microsoft.com/office/powerpoint/2010/main" val="2843102039"/>
-      </p:ext>
-    </p:extLst>
-  </p:cSld>
-  <p:clrMapOvr>
-    <a:masterClrMapping/>
-  </p:clrMapOvr>
-</p:sld>
-</file>
-
-<file path=ppt/slides/slide39.xml><?xml version="1.0" encoding="utf-8"?>
-<p:sld xmlns:a="http://schemas.openxmlformats.org/drawingml/2006/main" xmlns:r="http://schemas.openxmlformats.org/officeDocument/2006/relationships" xmlns:p="http://schemas.openxmlformats.org/presentationml/2006/main">
-  <p:cSld>
-    <p:spTree>
-      <p:nvGrpSpPr>
-        <p:cNvPr id="1" name=""/>
-        <p:cNvGrpSpPr/>
-        <p:nvPr/>
-      </p:nvGrpSpPr>
-      <p:grpSpPr>
-        <a:xfrm>
-          <a:off x="0" y="0"/>
-          <a:ext cx="0" cy="0"/>
-          <a:chOff x="0" y="0"/>
-          <a:chExt cx="0" cy="0"/>
-        </a:xfrm>
-      </p:grpSpPr>
-      <p:sp>
-        <p:nvSpPr>
-          <p:cNvPr id="2" name="Title 1">
-            <a:extLst>
-              <a:ext uri="{FF2B5EF4-FFF2-40B4-BE49-F238E27FC236}">
-                <a16:creationId xmlns:a16="http://schemas.microsoft.com/office/drawing/2014/main" id="{B3CC60AA-8684-48D9-B847-45533FA5C621}"/>
-              </a:ext>
-            </a:extLst>
-          </p:cNvPr>
-          <p:cNvSpPr>
-            <a:spLocks noGrp="1"/>
-          </p:cNvSpPr>
-          <p:nvPr>
-            <p:ph type="title"/>
-          </p:nvPr>
-        </p:nvSpPr>
-        <p:spPr>
-          <a:xfrm>
-            <a:off x="838200" y="431800"/>
-            <a:ext cx="10515600" cy="1325563"/>
-          </a:xfrm>
-        </p:spPr>
-        <p:txBody>
-          <a:bodyPr/>
-          <a:lstStyle/>
-          <a:p>
-            <a:r>
-              <a:rPr lang="en-US" dirty="0">
-                <a:solidFill>
-                  <a:schemeClr val="accent1"/>
-                </a:solidFill>
-              </a:rPr>
-              <a:t>Linear Probing</a:t>
-            </a:r>
-          </a:p>
-        </p:txBody>
-      </p:sp>
-      <mc:AlternateContent xmlns:mc="http://schemas.openxmlformats.org/markup-compatibility/2006" xmlns:a14="http://schemas.microsoft.com/office/drawing/2010/main">
-        <mc:Choice Requires="a14">
-          <p:sp>
-            <p:nvSpPr>
-              <p:cNvPr id="3" name="Content Placeholder 2">
-                <a:extLst>
-                  <a:ext uri="{FF2B5EF4-FFF2-40B4-BE49-F238E27FC236}">
-                    <a16:creationId xmlns:a16="http://schemas.microsoft.com/office/drawing/2014/main" id="{56B8C05F-CB8C-4BC3-B073-A5F75EF78558}"/>
-                  </a:ext>
-                </a:extLst>
-              </p:cNvPr>
-              <p:cNvSpPr>
-                <a:spLocks noGrp="1"/>
-              </p:cNvSpPr>
-              <p:nvPr>
-                <p:ph idx="1"/>
-              </p:nvPr>
-            </p:nvSpPr>
-            <p:spPr/>
-            <p:txBody>
-              <a:bodyPr>
-                <a:normAutofit fontScale="92500" lnSpcReduction="20000"/>
-              </a:bodyPr>
-              <a:lstStyle/>
-              <a:p>
-                <a:pPr marL="0" indent="0">
-                  <a:buNone/>
-                </a:pPr>
-                <a:r>
-                  <a:rPr lang="en-US" dirty="0">
-                    <a:solidFill>
-                      <a:schemeClr val="accent1"/>
-                    </a:solidFill>
-                  </a:rPr>
-                  <a:t>In </a:t>
-                </a:r>
-                <a:r>
-                  <a:rPr lang="en-US" b="1" i="1" dirty="0">
-                    <a:solidFill>
-                      <a:srgbClr val="FF0000"/>
-                    </a:solidFill>
-                  </a:rPr>
-                  <a:t>linear probing</a:t>
-                </a:r>
-                <a:r>
-                  <a:rPr lang="en-US" dirty="0">
-                    <a:solidFill>
-                      <a:schemeClr val="accent1"/>
-                    </a:solidFill>
-                  </a:rPr>
-                  <a:t>, when a collision occurs,</a:t>
-                </a:r>
-              </a:p>
-              <a:p>
-                <a:pPr lvl="1"/>
-                <a:r>
-                  <a:rPr lang="en-US" dirty="0">
-                    <a:solidFill>
-                      <a:schemeClr val="accent1"/>
-                    </a:solidFill>
-                  </a:rPr>
-                  <a:t>we move forward by </a:t>
-                </a:r>
-                <a:r>
-                  <a:rPr lang="en-US" b="1" i="1" dirty="0">
-                    <a:solidFill>
-                      <a:srgbClr val="FF0000"/>
-                    </a:solidFill>
-                  </a:rPr>
-                  <a:t>one position </a:t>
-                </a:r>
-                <a:r>
-                  <a:rPr lang="en-US" dirty="0">
-                    <a:solidFill>
-                      <a:schemeClr val="accent1"/>
-                    </a:solidFill>
-                  </a:rPr>
-                  <a:t>(wrapping around when reaching the last slot) to see if it is an empty slot.  </a:t>
-                </a:r>
-              </a:p>
-              <a:p>
-                <a:pPr lvl="1"/>
-                <a:r>
-                  <a:rPr lang="en-US" dirty="0">
-                    <a:solidFill>
-                      <a:schemeClr val="accent1"/>
-                    </a:solidFill>
-                  </a:rPr>
-                  <a:t>we continue moving forward by </a:t>
-                </a:r>
-                <a:r>
-                  <a:rPr lang="en-US" b="1" i="1" dirty="0">
-                    <a:solidFill>
-                      <a:srgbClr val="FF0000"/>
-                    </a:solidFill>
-                  </a:rPr>
-                  <a:t>one position </a:t>
-                </a:r>
-                <a:r>
-                  <a:rPr lang="en-US" dirty="0">
-                    <a:solidFill>
-                      <a:schemeClr val="accent1"/>
-                    </a:solidFill>
-                  </a:rPr>
-                  <a:t>until an empty slot is found.</a:t>
-                </a:r>
-              </a:p>
-              <a:p>
-                <a:pPr lvl="1"/>
-                <a:r>
-                  <a:rPr lang="en-US" dirty="0">
-                    <a:solidFill>
-                      <a:schemeClr val="accent1"/>
-                    </a:solidFill>
-                  </a:rPr>
-                  <a:t>otherwise, it means the hash table is full.</a:t>
-                </a:r>
-              </a:p>
-              <a:p>
-                <a:pPr marL="0" indent="0">
-                  <a:buNone/>
-                </a:pPr>
-                <a:r>
-                  <a:rPr lang="en-US" dirty="0">
-                    <a:solidFill>
-                      <a:schemeClr val="accent1"/>
-                    </a:solidFill>
-                  </a:rPr>
-                  <a:t>Hash functions for linear probing are of the form:</a:t>
-                </a:r>
-              </a:p>
-              <a:p>
-                <a:pPr marL="0" indent="0">
-                  <a:buNone/>
-                </a:pPr>
-                <a14:m>
-                  <m:oMathPara xmlns:m="http://schemas.openxmlformats.org/officeDocument/2006/math">
-                    <m:oMathParaPr>
-                      <m:jc m:val="centerGroup"/>
-                    </m:oMathParaPr>
-                    <m:oMath xmlns:m="http://schemas.openxmlformats.org/officeDocument/2006/math">
-                      <m:r>
-                        <a:rPr lang="en-US" b="0" i="1" smtClean="0">
-                          <a:solidFill>
-                            <a:schemeClr val="tx1"/>
-                          </a:solidFill>
-                          <a:latin typeface="Cambria Math" panose="02040503050406030204" pitchFamily="18" charset="0"/>
-                        </a:rPr>
-                        <m:t>h</m:t>
-                      </m:r>
-                      <m:d>
-                        <m:dPr>
-                          <m:ctrlPr>
-                            <a:rPr lang="en-US" b="0" i="1" smtClean="0">
-                              <a:solidFill>
-                                <a:schemeClr val="tx1"/>
-                              </a:solidFill>
-                              <a:latin typeface="Cambria Math" panose="02040503050406030204" pitchFamily="18" charset="0"/>
-                            </a:rPr>
-                          </m:ctrlPr>
-                        </m:dPr>
-                        <m:e>
-                          <m:r>
-                            <a:rPr lang="en-US" b="0" i="1" smtClean="0">
-                              <a:solidFill>
-                                <a:schemeClr val="tx1"/>
-                              </a:solidFill>
-                              <a:latin typeface="Cambria Math" panose="02040503050406030204" pitchFamily="18" charset="0"/>
-                            </a:rPr>
-                            <m:t>𝑘</m:t>
-                          </m:r>
-                          <m:r>
-                            <a:rPr lang="en-US" b="0" i="1" smtClean="0">
-                              <a:solidFill>
-                                <a:schemeClr val="tx1"/>
-                              </a:solidFill>
-                              <a:latin typeface="Cambria Math" panose="02040503050406030204" pitchFamily="18" charset="0"/>
-                            </a:rPr>
-                            <m:t>,</m:t>
-                          </m:r>
-                          <m:r>
-                            <a:rPr lang="en-US" b="0" i="1" smtClean="0">
-                              <a:solidFill>
-                                <a:schemeClr val="tx1"/>
-                              </a:solidFill>
-                              <a:latin typeface="Cambria Math" panose="02040503050406030204" pitchFamily="18" charset="0"/>
-                            </a:rPr>
-                            <m:t>𝑖</m:t>
-                          </m:r>
-                        </m:e>
-                      </m:d>
-                      <m:r>
-                        <a:rPr lang="en-US" b="0" i="1" smtClean="0">
-                          <a:solidFill>
-                            <a:schemeClr val="tx1"/>
-                          </a:solidFill>
-                          <a:latin typeface="Cambria Math" panose="02040503050406030204" pitchFamily="18" charset="0"/>
-                        </a:rPr>
-                        <m:t>= </m:t>
-                      </m:r>
-                      <m:sSup>
-                        <m:sSupPr>
-                          <m:ctrlPr>
-                            <a:rPr lang="en-US" b="0" i="1" smtClean="0">
-                              <a:solidFill>
-                                <a:schemeClr val="tx1"/>
-                              </a:solidFill>
-                              <a:latin typeface="Cambria Math" panose="02040503050406030204" pitchFamily="18" charset="0"/>
-                            </a:rPr>
-                          </m:ctrlPr>
-                        </m:sSupPr>
-                        <m:e>
-                          <m:r>
-                            <a:rPr lang="en-US" b="0" i="1" smtClean="0">
-                              <a:solidFill>
-                                <a:schemeClr val="tx1"/>
-                              </a:solidFill>
-                              <a:latin typeface="Cambria Math" panose="02040503050406030204" pitchFamily="18" charset="0"/>
-                            </a:rPr>
-                            <m:t>(</m:t>
-                          </m:r>
-                          <m:r>
-                            <a:rPr lang="en-US" b="0" i="1" smtClean="0">
-                              <a:solidFill>
-                                <a:schemeClr val="tx1"/>
-                              </a:solidFill>
-                              <a:latin typeface="Cambria Math" panose="02040503050406030204" pitchFamily="18" charset="0"/>
-                            </a:rPr>
-                            <m:t>h</m:t>
-                          </m:r>
-                        </m:e>
-                        <m:sup>
-                          <m:r>
-                            <a:rPr lang="en-US" b="0" i="1" smtClean="0">
-                              <a:solidFill>
-                                <a:schemeClr val="tx1"/>
-                              </a:solidFill>
-                              <a:latin typeface="Cambria Math" panose="02040503050406030204" pitchFamily="18" charset="0"/>
-                            </a:rPr>
-                            <m:t>′</m:t>
-                          </m:r>
-                        </m:sup>
-                      </m:sSup>
-                      <m:d>
-                        <m:dPr>
-                          <m:ctrlPr>
-                            <a:rPr lang="en-US" b="0" i="1" smtClean="0">
-                              <a:solidFill>
-                                <a:schemeClr val="tx1"/>
-                              </a:solidFill>
-                              <a:latin typeface="Cambria Math" panose="02040503050406030204" pitchFamily="18" charset="0"/>
-                            </a:rPr>
-                          </m:ctrlPr>
-                        </m:dPr>
-                        <m:e>
-                          <m:r>
-                            <a:rPr lang="en-US" b="0" i="1" smtClean="0">
-                              <a:solidFill>
-                                <a:schemeClr val="tx1"/>
-                              </a:solidFill>
-                              <a:latin typeface="Cambria Math" panose="02040503050406030204" pitchFamily="18" charset="0"/>
-                            </a:rPr>
-                            <m:t>𝑘</m:t>
-                          </m:r>
-                        </m:e>
-                      </m:d>
-                      <m:r>
-                        <a:rPr lang="en-US" b="0" i="1" smtClean="0">
-                          <a:solidFill>
-                            <a:schemeClr val="tx1"/>
-                          </a:solidFill>
-                          <a:latin typeface="Cambria Math" panose="02040503050406030204" pitchFamily="18" charset="0"/>
-                        </a:rPr>
-                        <m:t>+</m:t>
-                      </m:r>
-                      <m:r>
-                        <a:rPr lang="en-US" b="0" i="1" smtClean="0">
-                          <a:solidFill>
-                            <a:schemeClr val="tx1"/>
-                          </a:solidFill>
-                          <a:latin typeface="Cambria Math" panose="02040503050406030204" pitchFamily="18" charset="0"/>
-                        </a:rPr>
-                        <m:t>𝑖</m:t>
-                      </m:r>
-                      <m:r>
-                        <a:rPr lang="en-US" b="0" i="1" smtClean="0">
-                          <a:solidFill>
-                            <a:schemeClr val="tx1"/>
-                          </a:solidFill>
-                          <a:latin typeface="Cambria Math" panose="02040503050406030204" pitchFamily="18" charset="0"/>
-                        </a:rPr>
-                        <m:t>) </m:t>
-                      </m:r>
-                      <m:r>
-                        <a:rPr lang="en-US" b="0" i="1" smtClean="0">
-                          <a:solidFill>
-                            <a:schemeClr val="tx1"/>
-                          </a:solidFill>
-                          <a:latin typeface="Cambria Math" panose="02040503050406030204" pitchFamily="18" charset="0"/>
-                        </a:rPr>
-                        <m:t>𝑚𝑜𝑑</m:t>
-                      </m:r>
-                      <m:r>
-                        <a:rPr lang="en-US" b="0" i="1" smtClean="0">
-                          <a:solidFill>
-                            <a:schemeClr val="tx1"/>
-                          </a:solidFill>
-                          <a:latin typeface="Cambria Math" panose="02040503050406030204" pitchFamily="18" charset="0"/>
-                        </a:rPr>
-                        <m:t> </m:t>
-                      </m:r>
-                      <m:r>
-                        <a:rPr lang="en-US" b="0" i="1" smtClean="0">
-                          <a:solidFill>
-                            <a:schemeClr val="tx1"/>
-                          </a:solidFill>
-                          <a:latin typeface="Cambria Math" panose="02040503050406030204" pitchFamily="18" charset="0"/>
-                        </a:rPr>
-                        <m:t>𝑚</m:t>
-                      </m:r>
-                    </m:oMath>
-                  </m:oMathPara>
-                </a14:m>
-                <a:endParaRPr lang="en-US" dirty="0">
-                  <a:solidFill>
-                    <a:schemeClr val="tx1"/>
-                  </a:solidFill>
-                </a:endParaRPr>
-              </a:p>
-              <a:p>
-                <a:pPr marL="0" indent="0">
-                  <a:buNone/>
-                </a:pPr>
-                <a:r>
-                  <a:rPr lang="en-US" dirty="0">
-                    <a:solidFill>
-                      <a:schemeClr val="accent1"/>
-                    </a:solidFill>
-                  </a:rPr>
-                  <a:t>where</a:t>
-                </a:r>
-                <a:r>
-                  <a:rPr lang="en-US" dirty="0"/>
-                  <a:t> </a:t>
-                </a:r>
-                <a14:m>
-                  <m:oMath xmlns:m="http://schemas.openxmlformats.org/officeDocument/2006/math">
-                    <m:sSup>
-                      <m:sSupPr>
-                        <m:ctrlPr>
-                          <a:rPr lang="en-US" b="0" i="1" smtClean="0">
-                            <a:solidFill>
-                              <a:schemeClr val="tx1"/>
-                            </a:solidFill>
-                            <a:latin typeface="Cambria Math" panose="02040503050406030204" pitchFamily="18" charset="0"/>
-                          </a:rPr>
-                        </m:ctrlPr>
-                      </m:sSupPr>
-                      <m:e>
-                        <m:r>
-                          <a:rPr lang="en-US" b="0" i="1" smtClean="0">
-                            <a:solidFill>
-                              <a:schemeClr val="tx1"/>
-                            </a:solidFill>
-                            <a:latin typeface="Cambria Math" panose="02040503050406030204" pitchFamily="18" charset="0"/>
-                          </a:rPr>
-                          <m:t>h</m:t>
-                        </m:r>
-                      </m:e>
-                      <m:sup>
-                        <m:r>
-                          <a:rPr lang="en-US" b="0" i="1" smtClean="0">
-                            <a:solidFill>
-                              <a:schemeClr val="tx1"/>
-                            </a:solidFill>
-                            <a:latin typeface="Cambria Math" panose="02040503050406030204" pitchFamily="18" charset="0"/>
-                          </a:rPr>
-                          <m:t>′</m:t>
-                        </m:r>
-                      </m:sup>
-                    </m:sSup>
-                    <m:r>
-                      <a:rPr lang="en-US" b="0" i="1" smtClean="0">
-                        <a:solidFill>
-                          <a:schemeClr val="tx1"/>
-                        </a:solidFill>
-                        <a:latin typeface="Cambria Math" panose="02040503050406030204" pitchFamily="18" charset="0"/>
-                      </a:rPr>
-                      <m:t>:</m:t>
-                    </m:r>
-                    <m:r>
-                      <a:rPr lang="en-US" b="0" i="1" smtClean="0">
-                        <a:solidFill>
-                          <a:schemeClr val="tx1"/>
-                        </a:solidFill>
-                        <a:latin typeface="Cambria Math" panose="02040503050406030204" pitchFamily="18" charset="0"/>
-                      </a:rPr>
-                      <m:t>𝑈</m:t>
-                    </m:r>
-                    <m:r>
-                      <a:rPr lang="en-US" b="0" i="1" smtClean="0">
-                        <a:solidFill>
-                          <a:schemeClr val="tx1"/>
-                        </a:solidFill>
-                        <a:latin typeface="Cambria Math" panose="02040503050406030204" pitchFamily="18" charset="0"/>
-                        <a:ea typeface="Cambria Math" panose="02040503050406030204" pitchFamily="18" charset="0"/>
-                      </a:rPr>
-                      <m:t>↦{0,1,2,…,</m:t>
-                    </m:r>
-                    <m:r>
-                      <a:rPr lang="en-US" b="0" i="1" smtClean="0">
-                        <a:solidFill>
-                          <a:schemeClr val="tx1"/>
-                        </a:solidFill>
-                        <a:latin typeface="Cambria Math" panose="02040503050406030204" pitchFamily="18" charset="0"/>
-                        <a:ea typeface="Cambria Math" panose="02040503050406030204" pitchFamily="18" charset="0"/>
-                      </a:rPr>
-                      <m:t>𝑚</m:t>
-                    </m:r>
-                    <m:r>
-                      <a:rPr lang="en-US" b="0" i="1" smtClean="0">
-                        <a:solidFill>
-                          <a:schemeClr val="tx1"/>
-                        </a:solidFill>
-                        <a:latin typeface="Cambria Math" panose="02040503050406030204" pitchFamily="18" charset="0"/>
-                        <a:ea typeface="Cambria Math" panose="02040503050406030204" pitchFamily="18" charset="0"/>
-                      </a:rPr>
-                      <m:t>−1}</m:t>
-                    </m:r>
-                  </m:oMath>
-                </a14:m>
-                <a:r>
-                  <a:rPr lang="en-US" dirty="0">
-                    <a:solidFill>
-                      <a:schemeClr val="accent1"/>
-                    </a:solidFill>
-                  </a:rPr>
-                  <a:t> is an </a:t>
-                </a:r>
-                <a:r>
-                  <a:rPr lang="en-US" b="1" i="1" dirty="0">
-                    <a:solidFill>
-                      <a:srgbClr val="FF0000"/>
-                    </a:solidFill>
-                  </a:rPr>
-                  <a:t>auxiliary hash function </a:t>
-                </a:r>
-                <a:r>
-                  <a:rPr lang="en-US" dirty="0">
-                    <a:solidFill>
-                      <a:schemeClr val="accent1"/>
-                    </a:solidFill>
-                  </a:rPr>
-                  <a:t>and </a:t>
-                </a:r>
-                <a14:m>
-                  <m:oMath xmlns:m="http://schemas.openxmlformats.org/officeDocument/2006/math">
-                    <m:r>
-                      <a:rPr lang="en-US" b="0" i="1" smtClean="0">
-                        <a:solidFill>
-                          <a:schemeClr val="tx1"/>
-                        </a:solidFill>
-                        <a:latin typeface="Cambria Math" panose="02040503050406030204" pitchFamily="18" charset="0"/>
-                      </a:rPr>
-                      <m:t>𝑖</m:t>
-                    </m:r>
-                    <m:r>
-                      <a:rPr lang="en-US" b="0" i="1" smtClean="0">
-                        <a:solidFill>
-                          <a:schemeClr val="tx1"/>
-                        </a:solidFill>
-                        <a:latin typeface="Cambria Math" panose="02040503050406030204" pitchFamily="18" charset="0"/>
-                      </a:rPr>
-                      <m:t>=0,1,2,…,</m:t>
-                    </m:r>
-                    <m:r>
-                      <a:rPr lang="en-US" b="0" i="1" smtClean="0">
-                        <a:solidFill>
-                          <a:schemeClr val="tx1"/>
-                        </a:solidFill>
-                        <a:latin typeface="Cambria Math" panose="02040503050406030204" pitchFamily="18" charset="0"/>
-                      </a:rPr>
-                      <m:t>𝑚</m:t>
-                    </m:r>
-                    <m:r>
-                      <a:rPr lang="en-US" b="0" i="1" smtClean="0">
-                        <a:solidFill>
-                          <a:schemeClr val="tx1"/>
-                        </a:solidFill>
-                        <a:latin typeface="Cambria Math" panose="02040503050406030204" pitchFamily="18" charset="0"/>
-                      </a:rPr>
-                      <m:t>−1</m:t>
-                    </m:r>
-                  </m:oMath>
-                </a14:m>
-                <a:r>
-                  <a:rPr lang="en-US" dirty="0">
-                    <a:solidFill>
-                      <a:schemeClr val="accent1"/>
-                    </a:solidFill>
-                  </a:rPr>
-                  <a:t>.</a:t>
-                </a:r>
-              </a:p>
-              <a:p>
-                <a:pPr marL="0" indent="0">
-                  <a:buNone/>
-                </a:pPr>
-                <a:endParaRPr lang="en-US" dirty="0">
-                  <a:solidFill>
-                    <a:schemeClr val="accent1"/>
-                  </a:solidFill>
-                </a:endParaRPr>
-              </a:p>
-              <a:p>
-                <a:pPr marL="0" indent="0">
-                  <a:buNone/>
-                </a:pPr>
-                <a:r>
-                  <a:rPr lang="en-US" dirty="0">
-                    <a:solidFill>
-                      <a:schemeClr val="accent1"/>
-                    </a:solidFill>
-                  </a:rPr>
-                  <a:t>The initial position probed is </a:t>
-                </a:r>
-                <a14:m>
-                  <m:oMath xmlns:m="http://schemas.openxmlformats.org/officeDocument/2006/math">
-                    <m:r>
-                      <a:rPr lang="en-US" b="0" i="1" smtClean="0">
-                        <a:solidFill>
-                          <a:schemeClr val="tx1"/>
-                        </a:solidFill>
-                        <a:latin typeface="Cambria Math" panose="02040503050406030204" pitchFamily="18" charset="0"/>
-                      </a:rPr>
-                      <m:t>𝑇</m:t>
-                    </m:r>
-                    <m:d>
-                      <m:dPr>
-                        <m:begChr m:val="["/>
-                        <m:endChr m:val="]"/>
-                        <m:ctrlPr>
-                          <a:rPr lang="en-US" b="0" i="1" smtClean="0">
-                            <a:solidFill>
-                              <a:schemeClr val="tx1"/>
-                            </a:solidFill>
-                            <a:latin typeface="Cambria Math" panose="02040503050406030204" pitchFamily="18" charset="0"/>
-                          </a:rPr>
-                        </m:ctrlPr>
-                      </m:dPr>
-                      <m:e>
-                        <m:sSup>
-                          <m:sSupPr>
-                            <m:ctrlPr>
-                              <a:rPr lang="en-US" b="0" i="1" smtClean="0">
-                                <a:solidFill>
-                                  <a:schemeClr val="tx1"/>
-                                </a:solidFill>
-                                <a:latin typeface="Cambria Math" panose="02040503050406030204" pitchFamily="18" charset="0"/>
-                              </a:rPr>
-                            </m:ctrlPr>
-                          </m:sSupPr>
-                          <m:e>
-                            <m:r>
-                              <a:rPr lang="en-US" b="0" i="1" smtClean="0">
-                                <a:solidFill>
-                                  <a:schemeClr val="tx1"/>
-                                </a:solidFill>
-                                <a:latin typeface="Cambria Math" panose="02040503050406030204" pitchFamily="18" charset="0"/>
-                              </a:rPr>
-                              <m:t>h</m:t>
-                            </m:r>
-                          </m:e>
-                          <m:sup>
-                            <m:r>
-                              <a:rPr lang="en-US" b="0" i="1" smtClean="0">
-                                <a:solidFill>
-                                  <a:schemeClr val="tx1"/>
-                                </a:solidFill>
-                                <a:latin typeface="Cambria Math" panose="02040503050406030204" pitchFamily="18" charset="0"/>
-                              </a:rPr>
-                              <m:t>′</m:t>
-                            </m:r>
-                          </m:sup>
-                        </m:sSup>
-                        <m:d>
-                          <m:dPr>
-                            <m:ctrlPr>
-                              <a:rPr lang="en-US" b="0" i="1" smtClean="0">
-                                <a:solidFill>
-                                  <a:schemeClr val="tx1"/>
-                                </a:solidFill>
-                                <a:latin typeface="Cambria Math" panose="02040503050406030204" pitchFamily="18" charset="0"/>
-                              </a:rPr>
-                            </m:ctrlPr>
-                          </m:dPr>
-                          <m:e>
-                            <m:r>
-                              <a:rPr lang="en-US" b="0" i="1" smtClean="0">
-                                <a:solidFill>
-                                  <a:schemeClr val="tx1"/>
-                                </a:solidFill>
-                                <a:latin typeface="Cambria Math" panose="02040503050406030204" pitchFamily="18" charset="0"/>
-                              </a:rPr>
-                              <m:t>𝑘</m:t>
-                            </m:r>
-                          </m:e>
-                        </m:d>
-                      </m:e>
-                    </m:d>
-                  </m:oMath>
-                </a14:m>
-                <a:r>
-                  <a:rPr lang="en-US" dirty="0">
-                    <a:solidFill>
-                      <a:schemeClr val="accent1"/>
-                    </a:solidFill>
-                  </a:rPr>
-                  <a:t>;later positions probed will be offset by </a:t>
-                </a:r>
-                <a14:m>
-                  <m:oMath xmlns:m="http://schemas.openxmlformats.org/officeDocument/2006/math">
-                    <m:r>
-                      <a:rPr lang="en-US" i="1">
-                        <a:latin typeface="Cambria Math" panose="02040503050406030204" pitchFamily="18" charset="0"/>
-                      </a:rPr>
-                      <m:t>𝑖</m:t>
-                    </m:r>
-                  </m:oMath>
-                </a14:m>
-                <a:r>
-                  <a:rPr lang="en-US" dirty="0">
-                    <a:solidFill>
-                      <a:schemeClr val="accent1"/>
-                    </a:solidFill>
-                  </a:rPr>
-                  <a:t> (wrapping around for the last slot).</a:t>
-                </a:r>
-              </a:p>
-              <a:p>
-                <a:pPr marL="0" indent="0">
-                  <a:buNone/>
-                </a:pPr>
-                <a:endParaRPr lang="en-US" dirty="0">
-                  <a:solidFill>
-                    <a:schemeClr val="accent1"/>
-                  </a:solidFill>
-                </a:endParaRPr>
-              </a:p>
-            </p:txBody>
-          </p:sp>
-        </mc:Choice>
-        <mc:Fallback xmlns="">
-          <p:sp>
-            <p:nvSpPr>
-              <p:cNvPr id="3" name="Content Placeholder 2">
-                <a:extLst>
-                  <a:ext uri="{FF2B5EF4-FFF2-40B4-BE49-F238E27FC236}">
-                    <a16:creationId xmlns:a16="http://schemas.microsoft.com/office/drawing/2014/main" id="{56B8C05F-CB8C-4BC3-B073-A5F75EF78558}"/>
-                  </a:ext>
-                </a:extLst>
-              </p:cNvPr>
-              <p:cNvSpPr>
-                <a:spLocks noGrp="1" noRot="1" noChangeAspect="1" noMove="1" noResize="1" noEditPoints="1" noAdjustHandles="1" noChangeArrowheads="1" noChangeShapeType="1" noTextEdit="1"/>
-              </p:cNvSpPr>
-              <p:nvPr>
-                <p:ph idx="1"/>
-              </p:nvPr>
-            </p:nvSpPr>
-            <p:spPr>
-              <a:blipFill>
-                <a:blip r:embed="rId2"/>
-                <a:stretch>
-                  <a:fillRect l="-1043" t="-3501" r="-1333"/>
-                </a:stretch>
-              </a:blipFill>
-            </p:spPr>
-            <p:txBody>
-              <a:bodyPr/>
-              <a:lstStyle/>
-              <a:p>
-                <a:r>
-                  <a:rPr lang="en-US">
-                    <a:noFill/>
-                  </a:rPr>
-                  <a:t> </a:t>
-                </a:r>
-              </a:p>
-            </p:txBody>
-          </p:sp>
-        </mc:Fallback>
-      </mc:AlternateContent>
-    </p:spTree>
-    <p:extLst>
-      <p:ext uri="{BB962C8B-B14F-4D97-AF65-F5344CB8AC3E}">
-        <p14:creationId xmlns:p14="http://schemas.microsoft.com/office/powerpoint/2010/main" val="1721512194"/>
       </p:ext>
     </p:extLst>
   </p:cSld>
@@ -20463,6 +20476,765 @@
 </file>
 
 <file path=ppt/slides/slide40.xml><?xml version="1.0" encoding="utf-8"?>
+<p:sld xmlns:a="http://schemas.openxmlformats.org/drawingml/2006/main" xmlns:r="http://schemas.openxmlformats.org/officeDocument/2006/relationships" xmlns:p="http://schemas.openxmlformats.org/presentationml/2006/main">
+  <p:cSld>
+    <p:spTree>
+      <p:nvGrpSpPr>
+        <p:cNvPr id="1" name=""/>
+        <p:cNvGrpSpPr/>
+        <p:nvPr/>
+      </p:nvGrpSpPr>
+      <p:grpSpPr>
+        <a:xfrm>
+          <a:off x="0" y="0"/>
+          <a:ext cx="0" cy="0"/>
+          <a:chOff x="0" y="0"/>
+          <a:chExt cx="0" cy="0"/>
+        </a:xfrm>
+      </p:grpSpPr>
+      <p:sp>
+        <p:nvSpPr>
+          <p:cNvPr id="2" name="Title 1">
+            <a:extLst>
+              <a:ext uri="{FF2B5EF4-FFF2-40B4-BE49-F238E27FC236}">
+                <a16:creationId xmlns:a16="http://schemas.microsoft.com/office/drawing/2014/main" id="{B3CC60AA-8684-48D9-B847-45533FA5C621}"/>
+              </a:ext>
+            </a:extLst>
+          </p:cNvPr>
+          <p:cNvSpPr>
+            <a:spLocks noGrp="1"/>
+          </p:cNvSpPr>
+          <p:nvPr>
+            <p:ph type="title"/>
+          </p:nvPr>
+        </p:nvSpPr>
+        <p:spPr>
+          <a:xfrm>
+            <a:off x="838200" y="431800"/>
+            <a:ext cx="10515600" cy="1325563"/>
+          </a:xfrm>
+        </p:spPr>
+        <p:txBody>
+          <a:bodyPr/>
+          <a:lstStyle/>
+          <a:p>
+            <a:r>
+              <a:rPr lang="en-US" dirty="0">
+                <a:solidFill>
+                  <a:schemeClr val="accent1"/>
+                </a:solidFill>
+              </a:rPr>
+              <a:t>Linear Probing</a:t>
+            </a:r>
+          </a:p>
+        </p:txBody>
+      </p:sp>
+      <mc:AlternateContent xmlns:mc="http://schemas.openxmlformats.org/markup-compatibility/2006" xmlns:a14="http://schemas.microsoft.com/office/drawing/2010/main">
+        <mc:Choice Requires="a14">
+          <p:sp>
+            <p:nvSpPr>
+              <p:cNvPr id="3" name="Content Placeholder 2">
+                <a:extLst>
+                  <a:ext uri="{FF2B5EF4-FFF2-40B4-BE49-F238E27FC236}">
+                    <a16:creationId xmlns:a16="http://schemas.microsoft.com/office/drawing/2014/main" id="{56B8C05F-CB8C-4BC3-B073-A5F75EF78558}"/>
+                  </a:ext>
+                </a:extLst>
+              </p:cNvPr>
+              <p:cNvSpPr>
+                <a:spLocks noGrp="1"/>
+              </p:cNvSpPr>
+              <p:nvPr>
+                <p:ph idx="1"/>
+              </p:nvPr>
+            </p:nvSpPr>
+            <p:spPr/>
+            <p:txBody>
+              <a:bodyPr>
+                <a:normAutofit fontScale="92500" lnSpcReduction="20000"/>
+              </a:bodyPr>
+              <a:lstStyle/>
+              <a:p>
+                <a:pPr marL="0" indent="0">
+                  <a:buNone/>
+                </a:pPr>
+                <a:r>
+                  <a:rPr lang="en-US" dirty="0">
+                    <a:solidFill>
+                      <a:schemeClr val="accent1"/>
+                    </a:solidFill>
+                  </a:rPr>
+                  <a:t>In </a:t>
+                </a:r>
+                <a:r>
+                  <a:rPr lang="en-US" b="1" i="1" dirty="0">
+                    <a:solidFill>
+                      <a:srgbClr val="FF0000"/>
+                    </a:solidFill>
+                  </a:rPr>
+                  <a:t>linear probing</a:t>
+                </a:r>
+                <a:r>
+                  <a:rPr lang="en-US" dirty="0">
+                    <a:solidFill>
+                      <a:schemeClr val="accent1"/>
+                    </a:solidFill>
+                  </a:rPr>
+                  <a:t>, when a collision occurs,</a:t>
+                </a:r>
+              </a:p>
+              <a:p>
+                <a:pPr lvl="1"/>
+                <a:r>
+                  <a:rPr lang="en-US" dirty="0">
+                    <a:solidFill>
+                      <a:schemeClr val="accent1"/>
+                    </a:solidFill>
+                  </a:rPr>
+                  <a:t>we move forward by </a:t>
+                </a:r>
+                <a:r>
+                  <a:rPr lang="en-US" b="1" i="1" dirty="0">
+                    <a:solidFill>
+                      <a:srgbClr val="FF0000"/>
+                    </a:solidFill>
+                  </a:rPr>
+                  <a:t>one position </a:t>
+                </a:r>
+                <a:r>
+                  <a:rPr lang="en-US" dirty="0">
+                    <a:solidFill>
+                      <a:schemeClr val="accent1"/>
+                    </a:solidFill>
+                  </a:rPr>
+                  <a:t>(wrapping around when reaching the last slot) to see if it is an empty slot.  </a:t>
+                </a:r>
+              </a:p>
+              <a:p>
+                <a:pPr lvl="1"/>
+                <a:r>
+                  <a:rPr lang="en-US" dirty="0">
+                    <a:solidFill>
+                      <a:schemeClr val="accent1"/>
+                    </a:solidFill>
+                  </a:rPr>
+                  <a:t>we continue moving forward by </a:t>
+                </a:r>
+                <a:r>
+                  <a:rPr lang="en-US" b="1" i="1" dirty="0">
+                    <a:solidFill>
+                      <a:srgbClr val="FF0000"/>
+                    </a:solidFill>
+                  </a:rPr>
+                  <a:t>one position </a:t>
+                </a:r>
+                <a:r>
+                  <a:rPr lang="en-US" dirty="0">
+                    <a:solidFill>
+                      <a:schemeClr val="accent1"/>
+                    </a:solidFill>
+                  </a:rPr>
+                  <a:t>until an empty slot is found.</a:t>
+                </a:r>
+              </a:p>
+              <a:p>
+                <a:pPr lvl="1"/>
+                <a:r>
+                  <a:rPr lang="en-US" dirty="0">
+                    <a:solidFill>
+                      <a:schemeClr val="accent1"/>
+                    </a:solidFill>
+                  </a:rPr>
+                  <a:t>otherwise, it means the hash table is full.</a:t>
+                </a:r>
+              </a:p>
+              <a:p>
+                <a:pPr marL="0" indent="0">
+                  <a:buNone/>
+                </a:pPr>
+                <a:r>
+                  <a:rPr lang="en-US" dirty="0">
+                    <a:solidFill>
+                      <a:schemeClr val="accent1"/>
+                    </a:solidFill>
+                  </a:rPr>
+                  <a:t>Hash functions for linear probing are of the form:</a:t>
+                </a:r>
+              </a:p>
+              <a:p>
+                <a:pPr marL="0" indent="0">
+                  <a:buNone/>
+                </a:pPr>
+                <a14:m>
+                  <m:oMathPara xmlns:m="http://schemas.openxmlformats.org/officeDocument/2006/math">
+                    <m:oMathParaPr>
+                      <m:jc m:val="centerGroup"/>
+                    </m:oMathParaPr>
+                    <m:oMath xmlns:m="http://schemas.openxmlformats.org/officeDocument/2006/math">
+                      <m:r>
+                        <a:rPr lang="en-US" b="0" i="1" smtClean="0">
+                          <a:solidFill>
+                            <a:schemeClr val="tx1"/>
+                          </a:solidFill>
+                          <a:latin typeface="Cambria Math" panose="02040503050406030204" pitchFamily="18" charset="0"/>
+                        </a:rPr>
+                        <m:t>h</m:t>
+                      </m:r>
+                      <m:d>
+                        <m:dPr>
+                          <m:ctrlPr>
+                            <a:rPr lang="en-US" b="0" i="1" smtClean="0">
+                              <a:solidFill>
+                                <a:schemeClr val="tx1"/>
+                              </a:solidFill>
+                              <a:latin typeface="Cambria Math" panose="02040503050406030204" pitchFamily="18" charset="0"/>
+                            </a:rPr>
+                          </m:ctrlPr>
+                        </m:dPr>
+                        <m:e>
+                          <m:r>
+                            <a:rPr lang="en-US" b="0" i="1" smtClean="0">
+                              <a:solidFill>
+                                <a:schemeClr val="tx1"/>
+                              </a:solidFill>
+                              <a:latin typeface="Cambria Math" panose="02040503050406030204" pitchFamily="18" charset="0"/>
+                            </a:rPr>
+                            <m:t>𝑘</m:t>
+                          </m:r>
+                          <m:r>
+                            <a:rPr lang="en-US" b="0" i="1" smtClean="0">
+                              <a:solidFill>
+                                <a:schemeClr val="tx1"/>
+                              </a:solidFill>
+                              <a:latin typeface="Cambria Math" panose="02040503050406030204" pitchFamily="18" charset="0"/>
+                            </a:rPr>
+                            <m:t>,</m:t>
+                          </m:r>
+                          <m:r>
+                            <a:rPr lang="en-US" b="0" i="1" smtClean="0">
+                              <a:solidFill>
+                                <a:schemeClr val="tx1"/>
+                              </a:solidFill>
+                              <a:latin typeface="Cambria Math" panose="02040503050406030204" pitchFamily="18" charset="0"/>
+                            </a:rPr>
+                            <m:t>𝑖</m:t>
+                          </m:r>
+                        </m:e>
+                      </m:d>
+                      <m:r>
+                        <a:rPr lang="en-US" b="0" i="1" smtClean="0">
+                          <a:solidFill>
+                            <a:schemeClr val="tx1"/>
+                          </a:solidFill>
+                          <a:latin typeface="Cambria Math" panose="02040503050406030204" pitchFamily="18" charset="0"/>
+                        </a:rPr>
+                        <m:t>= </m:t>
+                      </m:r>
+                      <m:sSup>
+                        <m:sSupPr>
+                          <m:ctrlPr>
+                            <a:rPr lang="en-US" b="0" i="1" smtClean="0">
+                              <a:solidFill>
+                                <a:schemeClr val="tx1"/>
+                              </a:solidFill>
+                              <a:latin typeface="Cambria Math" panose="02040503050406030204" pitchFamily="18" charset="0"/>
+                            </a:rPr>
+                          </m:ctrlPr>
+                        </m:sSupPr>
+                        <m:e>
+                          <m:r>
+                            <a:rPr lang="en-US" b="0" i="1" smtClean="0">
+                              <a:solidFill>
+                                <a:schemeClr val="tx1"/>
+                              </a:solidFill>
+                              <a:latin typeface="Cambria Math" panose="02040503050406030204" pitchFamily="18" charset="0"/>
+                            </a:rPr>
+                            <m:t>(</m:t>
+                          </m:r>
+                          <m:r>
+                            <a:rPr lang="en-US" b="0" i="1" smtClean="0">
+                              <a:solidFill>
+                                <a:schemeClr val="tx1"/>
+                              </a:solidFill>
+                              <a:latin typeface="Cambria Math" panose="02040503050406030204" pitchFamily="18" charset="0"/>
+                            </a:rPr>
+                            <m:t>h</m:t>
+                          </m:r>
+                        </m:e>
+                        <m:sup>
+                          <m:r>
+                            <a:rPr lang="en-US" b="0" i="1" smtClean="0">
+                              <a:solidFill>
+                                <a:schemeClr val="tx1"/>
+                              </a:solidFill>
+                              <a:latin typeface="Cambria Math" panose="02040503050406030204" pitchFamily="18" charset="0"/>
+                            </a:rPr>
+                            <m:t>′</m:t>
+                          </m:r>
+                        </m:sup>
+                      </m:sSup>
+                      <m:d>
+                        <m:dPr>
+                          <m:ctrlPr>
+                            <a:rPr lang="en-US" b="0" i="1" smtClean="0">
+                              <a:solidFill>
+                                <a:schemeClr val="tx1"/>
+                              </a:solidFill>
+                              <a:latin typeface="Cambria Math" panose="02040503050406030204" pitchFamily="18" charset="0"/>
+                            </a:rPr>
+                          </m:ctrlPr>
+                        </m:dPr>
+                        <m:e>
+                          <m:r>
+                            <a:rPr lang="en-US" b="0" i="1" smtClean="0">
+                              <a:solidFill>
+                                <a:schemeClr val="tx1"/>
+                              </a:solidFill>
+                              <a:latin typeface="Cambria Math" panose="02040503050406030204" pitchFamily="18" charset="0"/>
+                            </a:rPr>
+                            <m:t>𝑘</m:t>
+                          </m:r>
+                        </m:e>
+                      </m:d>
+                      <m:r>
+                        <a:rPr lang="en-US" b="0" i="1" smtClean="0">
+                          <a:solidFill>
+                            <a:schemeClr val="tx1"/>
+                          </a:solidFill>
+                          <a:latin typeface="Cambria Math" panose="02040503050406030204" pitchFamily="18" charset="0"/>
+                        </a:rPr>
+                        <m:t>+</m:t>
+                      </m:r>
+                      <m:r>
+                        <a:rPr lang="en-US" b="0" i="1" smtClean="0">
+                          <a:solidFill>
+                            <a:schemeClr val="tx1"/>
+                          </a:solidFill>
+                          <a:latin typeface="Cambria Math" panose="02040503050406030204" pitchFamily="18" charset="0"/>
+                        </a:rPr>
+                        <m:t>𝑖</m:t>
+                      </m:r>
+                      <m:r>
+                        <a:rPr lang="en-US" b="0" i="1" smtClean="0">
+                          <a:solidFill>
+                            <a:schemeClr val="tx1"/>
+                          </a:solidFill>
+                          <a:latin typeface="Cambria Math" panose="02040503050406030204" pitchFamily="18" charset="0"/>
+                        </a:rPr>
+                        <m:t>) </m:t>
+                      </m:r>
+                      <m:r>
+                        <a:rPr lang="en-US" b="0" i="1" smtClean="0">
+                          <a:solidFill>
+                            <a:schemeClr val="tx1"/>
+                          </a:solidFill>
+                          <a:latin typeface="Cambria Math" panose="02040503050406030204" pitchFamily="18" charset="0"/>
+                        </a:rPr>
+                        <m:t>𝑚𝑜𝑑</m:t>
+                      </m:r>
+                      <m:r>
+                        <a:rPr lang="en-US" b="0" i="1" smtClean="0">
+                          <a:solidFill>
+                            <a:schemeClr val="tx1"/>
+                          </a:solidFill>
+                          <a:latin typeface="Cambria Math" panose="02040503050406030204" pitchFamily="18" charset="0"/>
+                        </a:rPr>
+                        <m:t> </m:t>
+                      </m:r>
+                      <m:r>
+                        <a:rPr lang="en-US" b="0" i="1" smtClean="0">
+                          <a:solidFill>
+                            <a:schemeClr val="tx1"/>
+                          </a:solidFill>
+                          <a:latin typeface="Cambria Math" panose="02040503050406030204" pitchFamily="18" charset="0"/>
+                        </a:rPr>
+                        <m:t>𝑚</m:t>
+                      </m:r>
+                    </m:oMath>
+                  </m:oMathPara>
+                </a14:m>
+                <a:endParaRPr lang="en-US" dirty="0">
+                  <a:solidFill>
+                    <a:schemeClr val="tx1"/>
+                  </a:solidFill>
+                </a:endParaRPr>
+              </a:p>
+              <a:p>
+                <a:pPr marL="0" indent="0">
+                  <a:buNone/>
+                </a:pPr>
+                <a:r>
+                  <a:rPr lang="en-US" dirty="0">
+                    <a:solidFill>
+                      <a:schemeClr val="accent1"/>
+                    </a:solidFill>
+                  </a:rPr>
+                  <a:t>where</a:t>
+                </a:r>
+                <a:r>
+                  <a:rPr lang="en-US" dirty="0"/>
+                  <a:t> </a:t>
+                </a:r>
+                <a14:m>
+                  <m:oMath xmlns:m="http://schemas.openxmlformats.org/officeDocument/2006/math">
+                    <m:sSup>
+                      <m:sSupPr>
+                        <m:ctrlPr>
+                          <a:rPr lang="en-US" b="0" i="1" smtClean="0">
+                            <a:solidFill>
+                              <a:schemeClr val="tx1"/>
+                            </a:solidFill>
+                            <a:latin typeface="Cambria Math" panose="02040503050406030204" pitchFamily="18" charset="0"/>
+                          </a:rPr>
+                        </m:ctrlPr>
+                      </m:sSupPr>
+                      <m:e>
+                        <m:r>
+                          <a:rPr lang="en-US" b="0" i="1" smtClean="0">
+                            <a:solidFill>
+                              <a:schemeClr val="tx1"/>
+                            </a:solidFill>
+                            <a:latin typeface="Cambria Math" panose="02040503050406030204" pitchFamily="18" charset="0"/>
+                          </a:rPr>
+                          <m:t>h</m:t>
+                        </m:r>
+                      </m:e>
+                      <m:sup>
+                        <m:r>
+                          <a:rPr lang="en-US" b="0" i="1" smtClean="0">
+                            <a:solidFill>
+                              <a:schemeClr val="tx1"/>
+                            </a:solidFill>
+                            <a:latin typeface="Cambria Math" panose="02040503050406030204" pitchFamily="18" charset="0"/>
+                          </a:rPr>
+                          <m:t>′</m:t>
+                        </m:r>
+                      </m:sup>
+                    </m:sSup>
+                    <m:r>
+                      <a:rPr lang="en-US" b="0" i="1" smtClean="0">
+                        <a:solidFill>
+                          <a:schemeClr val="tx1"/>
+                        </a:solidFill>
+                        <a:latin typeface="Cambria Math" panose="02040503050406030204" pitchFamily="18" charset="0"/>
+                      </a:rPr>
+                      <m:t>:</m:t>
+                    </m:r>
+                    <m:r>
+                      <a:rPr lang="en-US" b="0" i="1" smtClean="0">
+                        <a:solidFill>
+                          <a:schemeClr val="tx1"/>
+                        </a:solidFill>
+                        <a:latin typeface="Cambria Math" panose="02040503050406030204" pitchFamily="18" charset="0"/>
+                      </a:rPr>
+                      <m:t>𝑈</m:t>
+                    </m:r>
+                    <m:r>
+                      <a:rPr lang="en-US" b="0" i="1" smtClean="0">
+                        <a:solidFill>
+                          <a:schemeClr val="tx1"/>
+                        </a:solidFill>
+                        <a:latin typeface="Cambria Math" panose="02040503050406030204" pitchFamily="18" charset="0"/>
+                        <a:ea typeface="Cambria Math" panose="02040503050406030204" pitchFamily="18" charset="0"/>
+                      </a:rPr>
+                      <m:t>↦{0,1,2,…,</m:t>
+                    </m:r>
+                    <m:r>
+                      <a:rPr lang="en-US" b="0" i="1" smtClean="0">
+                        <a:solidFill>
+                          <a:schemeClr val="tx1"/>
+                        </a:solidFill>
+                        <a:latin typeface="Cambria Math" panose="02040503050406030204" pitchFamily="18" charset="0"/>
+                        <a:ea typeface="Cambria Math" panose="02040503050406030204" pitchFamily="18" charset="0"/>
+                      </a:rPr>
+                      <m:t>𝑚</m:t>
+                    </m:r>
+                    <m:r>
+                      <a:rPr lang="en-US" b="0" i="1" smtClean="0">
+                        <a:solidFill>
+                          <a:schemeClr val="tx1"/>
+                        </a:solidFill>
+                        <a:latin typeface="Cambria Math" panose="02040503050406030204" pitchFamily="18" charset="0"/>
+                        <a:ea typeface="Cambria Math" panose="02040503050406030204" pitchFamily="18" charset="0"/>
+                      </a:rPr>
+                      <m:t>−1}</m:t>
+                    </m:r>
+                  </m:oMath>
+                </a14:m>
+                <a:r>
+                  <a:rPr lang="en-US" dirty="0">
+                    <a:solidFill>
+                      <a:schemeClr val="accent1"/>
+                    </a:solidFill>
+                  </a:rPr>
+                  <a:t> is an </a:t>
+                </a:r>
+                <a:r>
+                  <a:rPr lang="en-US" b="1" i="1" dirty="0">
+                    <a:solidFill>
+                      <a:srgbClr val="FF0000"/>
+                    </a:solidFill>
+                  </a:rPr>
+                  <a:t>auxiliary hash function </a:t>
+                </a:r>
+                <a:r>
+                  <a:rPr lang="en-US" dirty="0">
+                    <a:solidFill>
+                      <a:schemeClr val="accent1"/>
+                    </a:solidFill>
+                  </a:rPr>
+                  <a:t>and </a:t>
+                </a:r>
+                <a14:m>
+                  <m:oMath xmlns:m="http://schemas.openxmlformats.org/officeDocument/2006/math">
+                    <m:r>
+                      <a:rPr lang="en-US" b="0" i="1" smtClean="0">
+                        <a:solidFill>
+                          <a:schemeClr val="tx1"/>
+                        </a:solidFill>
+                        <a:latin typeface="Cambria Math" panose="02040503050406030204" pitchFamily="18" charset="0"/>
+                      </a:rPr>
+                      <m:t>𝑖</m:t>
+                    </m:r>
+                    <m:r>
+                      <a:rPr lang="en-US" b="0" i="1" smtClean="0">
+                        <a:solidFill>
+                          <a:schemeClr val="tx1"/>
+                        </a:solidFill>
+                        <a:latin typeface="Cambria Math" panose="02040503050406030204" pitchFamily="18" charset="0"/>
+                      </a:rPr>
+                      <m:t>=0,1,2,…,</m:t>
+                    </m:r>
+                    <m:r>
+                      <a:rPr lang="en-US" b="0" i="1" smtClean="0">
+                        <a:solidFill>
+                          <a:schemeClr val="tx1"/>
+                        </a:solidFill>
+                        <a:latin typeface="Cambria Math" panose="02040503050406030204" pitchFamily="18" charset="0"/>
+                      </a:rPr>
+                      <m:t>𝑚</m:t>
+                    </m:r>
+                    <m:r>
+                      <a:rPr lang="en-US" b="0" i="1" smtClean="0">
+                        <a:solidFill>
+                          <a:schemeClr val="tx1"/>
+                        </a:solidFill>
+                        <a:latin typeface="Cambria Math" panose="02040503050406030204" pitchFamily="18" charset="0"/>
+                      </a:rPr>
+                      <m:t>−1</m:t>
+                    </m:r>
+                  </m:oMath>
+                </a14:m>
+                <a:r>
+                  <a:rPr lang="en-US" dirty="0">
+                    <a:solidFill>
+                      <a:schemeClr val="accent1"/>
+                    </a:solidFill>
+                  </a:rPr>
+                  <a:t>.</a:t>
+                </a:r>
+              </a:p>
+              <a:p>
+                <a:pPr marL="0" indent="0">
+                  <a:buNone/>
+                </a:pPr>
+                <a:endParaRPr lang="en-US" dirty="0">
+                  <a:solidFill>
+                    <a:schemeClr val="accent1"/>
+                  </a:solidFill>
+                </a:endParaRPr>
+              </a:p>
+              <a:p>
+                <a:pPr marL="0" indent="0">
+                  <a:buNone/>
+                </a:pPr>
+                <a:r>
+                  <a:rPr lang="en-US" dirty="0">
+                    <a:solidFill>
+                      <a:schemeClr val="accent1"/>
+                    </a:solidFill>
+                  </a:rPr>
+                  <a:t>The initial position probed is </a:t>
+                </a:r>
+                <a14:m>
+                  <m:oMath xmlns:m="http://schemas.openxmlformats.org/officeDocument/2006/math">
+                    <m:r>
+                      <a:rPr lang="en-US" b="0" i="1" smtClean="0">
+                        <a:solidFill>
+                          <a:schemeClr val="tx1"/>
+                        </a:solidFill>
+                        <a:latin typeface="Cambria Math" panose="02040503050406030204" pitchFamily="18" charset="0"/>
+                      </a:rPr>
+                      <m:t>𝑇</m:t>
+                    </m:r>
+                    <m:d>
+                      <m:dPr>
+                        <m:begChr m:val="["/>
+                        <m:endChr m:val="]"/>
+                        <m:ctrlPr>
+                          <a:rPr lang="en-US" b="0" i="1" smtClean="0">
+                            <a:solidFill>
+                              <a:schemeClr val="tx1"/>
+                            </a:solidFill>
+                            <a:latin typeface="Cambria Math" panose="02040503050406030204" pitchFamily="18" charset="0"/>
+                          </a:rPr>
+                        </m:ctrlPr>
+                      </m:dPr>
+                      <m:e>
+                        <m:sSup>
+                          <m:sSupPr>
+                            <m:ctrlPr>
+                              <a:rPr lang="en-US" b="0" i="1" smtClean="0">
+                                <a:solidFill>
+                                  <a:schemeClr val="tx1"/>
+                                </a:solidFill>
+                                <a:latin typeface="Cambria Math" panose="02040503050406030204" pitchFamily="18" charset="0"/>
+                              </a:rPr>
+                            </m:ctrlPr>
+                          </m:sSupPr>
+                          <m:e>
+                            <m:r>
+                              <a:rPr lang="en-US" b="0" i="1" smtClean="0">
+                                <a:solidFill>
+                                  <a:schemeClr val="tx1"/>
+                                </a:solidFill>
+                                <a:latin typeface="Cambria Math" panose="02040503050406030204" pitchFamily="18" charset="0"/>
+                              </a:rPr>
+                              <m:t>h</m:t>
+                            </m:r>
+                          </m:e>
+                          <m:sup>
+                            <m:r>
+                              <a:rPr lang="en-US" b="0" i="1" smtClean="0">
+                                <a:solidFill>
+                                  <a:schemeClr val="tx1"/>
+                                </a:solidFill>
+                                <a:latin typeface="Cambria Math" panose="02040503050406030204" pitchFamily="18" charset="0"/>
+                              </a:rPr>
+                              <m:t>′</m:t>
+                            </m:r>
+                          </m:sup>
+                        </m:sSup>
+                        <m:d>
+                          <m:dPr>
+                            <m:ctrlPr>
+                              <a:rPr lang="en-US" b="0" i="1" smtClean="0">
+                                <a:solidFill>
+                                  <a:schemeClr val="tx1"/>
+                                </a:solidFill>
+                                <a:latin typeface="Cambria Math" panose="02040503050406030204" pitchFamily="18" charset="0"/>
+                              </a:rPr>
+                            </m:ctrlPr>
+                          </m:dPr>
+                          <m:e>
+                            <m:r>
+                              <a:rPr lang="en-US" b="0" i="1" smtClean="0">
+                                <a:solidFill>
+                                  <a:schemeClr val="tx1"/>
+                                </a:solidFill>
+                                <a:latin typeface="Cambria Math" panose="02040503050406030204" pitchFamily="18" charset="0"/>
+                              </a:rPr>
+                              <m:t>𝑘</m:t>
+                            </m:r>
+                          </m:e>
+                        </m:d>
+                      </m:e>
+                    </m:d>
+                  </m:oMath>
+                </a14:m>
+                <a:r>
+                  <a:rPr lang="en-US" dirty="0">
+                    <a:solidFill>
+                      <a:schemeClr val="accent1"/>
+                    </a:solidFill>
+                  </a:rPr>
+                  <a:t>;later positions probed will be offset by </a:t>
+                </a:r>
+                <a14:m>
+                  <m:oMath xmlns:m="http://schemas.openxmlformats.org/officeDocument/2006/math">
+                    <m:r>
+                      <a:rPr lang="en-US" i="1">
+                        <a:latin typeface="Cambria Math" panose="02040503050406030204" pitchFamily="18" charset="0"/>
+                      </a:rPr>
+                      <m:t>𝑖</m:t>
+                    </m:r>
+                  </m:oMath>
+                </a14:m>
+                <a:r>
+                  <a:rPr lang="en-US" dirty="0">
+                    <a:solidFill>
+                      <a:schemeClr val="accent1"/>
+                    </a:solidFill>
+                  </a:rPr>
+                  <a:t> (wrapping around for the last slot).</a:t>
+                </a:r>
+              </a:p>
+              <a:p>
+                <a:pPr marL="0" indent="0">
+                  <a:buNone/>
+                </a:pPr>
+                <a:endParaRPr lang="en-US" dirty="0">
+                  <a:solidFill>
+                    <a:schemeClr val="accent1"/>
+                  </a:solidFill>
+                </a:endParaRPr>
+              </a:p>
+            </p:txBody>
+          </p:sp>
+        </mc:Choice>
+        <mc:Fallback xmlns="">
+          <p:sp>
+            <p:nvSpPr>
+              <p:cNvPr id="3" name="Content Placeholder 2">
+                <a:extLst>
+                  <a:ext uri="{FF2B5EF4-FFF2-40B4-BE49-F238E27FC236}">
+                    <a16:creationId xmlns:a16="http://schemas.microsoft.com/office/drawing/2014/main" id="{56B8C05F-CB8C-4BC3-B073-A5F75EF78558}"/>
+                  </a:ext>
+                </a:extLst>
+              </p:cNvPr>
+              <p:cNvSpPr>
+                <a:spLocks noGrp="1" noRot="1" noChangeAspect="1" noMove="1" noResize="1" noEditPoints="1" noAdjustHandles="1" noChangeArrowheads="1" noChangeShapeType="1" noTextEdit="1"/>
+              </p:cNvSpPr>
+              <p:nvPr>
+                <p:ph idx="1"/>
+              </p:nvPr>
+            </p:nvSpPr>
+            <p:spPr>
+              <a:blipFill>
+                <a:blip r:embed="rId2"/>
+                <a:stretch>
+                  <a:fillRect l="-1043" t="-3501" r="-1333"/>
+                </a:stretch>
+              </a:blipFill>
+            </p:spPr>
+            <p:txBody>
+              <a:bodyPr/>
+              <a:lstStyle/>
+              <a:p>
+                <a:r>
+                  <a:rPr lang="en-US">
+                    <a:noFill/>
+                  </a:rPr>
+                  <a:t> </a:t>
+                </a:r>
+              </a:p>
+            </p:txBody>
+          </p:sp>
+        </mc:Fallback>
+      </mc:AlternateContent>
+    </p:spTree>
+    <p:extLst>
+      <p:ext uri="{BB962C8B-B14F-4D97-AF65-F5344CB8AC3E}">
+        <p14:creationId xmlns:p14="http://schemas.microsoft.com/office/powerpoint/2010/main" val="1721512194"/>
+      </p:ext>
+    </p:extLst>
+  </p:cSld>
+  <p:clrMapOvr>
+    <a:masterClrMapping/>
+  </p:clrMapOvr>
+</p:sld>
+</file>
+
+<file path=ppt/slides/slide41.xml><?xml version="1.0" encoding="utf-8"?>
 <p:sld xmlns:a="http://schemas.openxmlformats.org/drawingml/2006/main" xmlns:r="http://schemas.openxmlformats.org/officeDocument/2006/relationships" xmlns:p="http://schemas.openxmlformats.org/presentationml/2006/main">
   <p:cSld>
     <p:spTree>
@@ -21407,7 +22179,7 @@
 </p:sld>
 </file>
 
-<file path=ppt/slides/slide41.xml><?xml version="1.0" encoding="utf-8"?>
+<file path=ppt/slides/slide42.xml><?xml version="1.0" encoding="utf-8"?>
 <p:sld xmlns:a="http://schemas.openxmlformats.org/drawingml/2006/main" xmlns:r="http://schemas.openxmlformats.org/officeDocument/2006/relationships" xmlns:p="http://schemas.openxmlformats.org/presentationml/2006/main">
   <p:cSld>
     <p:spTree>
@@ -21456,8 +22228,8 @@
           </a:p>
         </p:txBody>
       </p:sp>
-      <mc:AlternateContent xmlns:mc="http://schemas.openxmlformats.org/markup-compatibility/2006" xmlns:a14="http://schemas.microsoft.com/office/drawing/2010/main">
-        <mc:Choice Requires="a14">
+      <mc:AlternateContent xmlns:mc="http://schemas.openxmlformats.org/markup-compatibility/2006">
+        <mc:Choice xmlns:a14="http://schemas.microsoft.com/office/drawing/2010/main" Requires="a14">
           <p:sp>
             <p:nvSpPr>
               <p:cNvPr id="3" name="Content Placeholder 2">
@@ -21821,7 +22593,23 @@
                       <a:schemeClr val="accent1"/>
                     </a:solidFill>
                   </a:rPr>
-                  <a:t> a larger number of probe sequences is made possible</a:t>
+                  <a:t> a larger number of probe </a:t>
+                </a:r>
+                <a:r>
+                  <a:rPr lang="en-US">
+                    <a:solidFill>
+                      <a:schemeClr val="accent1"/>
+                    </a:solidFill>
+                  </a:rPr>
+                  <a:t>sequences are made </a:t>
+                </a:r>
+                <a:r>
+                  <a:rPr lang="en-US" dirty="0">
+                    <a:solidFill>
+                      <a:schemeClr val="accent1"/>
+                    </a:solidFill>
+                  </a:rPr>
+                  <a:t>possible</a:t>
                 </a:r>
               </a:p>
               <a:p>
@@ -21947,7 +22735,7 @@
             </p:txBody>
           </p:sp>
         </mc:Choice>
-        <mc:Fallback xmlns="">
+        <mc:Fallback>
           <p:sp>
             <p:nvSpPr>
               <p:cNvPr id="3" name="Content Placeholder 2">
@@ -22055,7 +22843,7 @@
 </p:sld>
 </file>
 
-<file path=ppt/slides/slide42.xml><?xml version="1.0" encoding="utf-8"?>
+<file path=ppt/slides/slide43.xml><?xml version="1.0" encoding="utf-8"?>
 <p:sld xmlns:a="http://schemas.openxmlformats.org/drawingml/2006/main" xmlns:r="http://schemas.openxmlformats.org/officeDocument/2006/relationships" xmlns:p="http://schemas.openxmlformats.org/presentationml/2006/main">
   <p:cSld>
     <p:spTree>

--- a/Lectures/Lecture 4.pptx
+++ b/Lectures/Lecture 4.pptx
@@ -19394,8 +19394,8 @@
           </a:p>
         </p:txBody>
       </p:sp>
-      <mc:AlternateContent xmlns:mc="http://schemas.openxmlformats.org/markup-compatibility/2006" xmlns:a14="http://schemas.microsoft.com/office/drawing/2010/main">
-        <mc:Choice Requires="a14">
+      <mc:AlternateContent xmlns:mc="http://schemas.openxmlformats.org/markup-compatibility/2006">
+        <mc:Choice xmlns:a14="http://schemas.microsoft.com/office/drawing/2010/main" Requires="a14">
           <p:sp>
             <p:nvSpPr>
               <p:cNvPr id="11" name="Content Placeholder 10">
@@ -19415,7 +19415,7 @@
             <p:spPr/>
             <p:txBody>
               <a:bodyPr>
-                <a:normAutofit/>
+                <a:normAutofit lnSpcReduction="10000"/>
               </a:bodyPr>
               <a:lstStyle/>
               <a:p>
@@ -19538,20 +19538,67 @@
                   <a:t>NULL</a:t>
                 </a:r>
                 <a:r>
+                  <a:rPr lang="en-US" b="1" i="1">
+                    <a:solidFill>
+                      <a:schemeClr val="accent1"/>
+                    </a:solidFill>
+                  </a:rPr>
+                  <a:t>. </a:t>
+                </a:r>
+                <a:r>
+                  <a:rPr lang="en-US" b="1" i="1">
+                    <a:solidFill>
+                      <a:srgbClr val="FF0000"/>
+                    </a:solidFill>
+                  </a:rPr>
+                  <a:t>Refer </a:t>
+                </a:r>
+                <a:r>
                   <a:rPr lang="en-US" b="1" i="1" dirty="0">
                     <a:solidFill>
-                      <a:schemeClr val="accent1"/>
-                    </a:solidFill>
-                  </a:rPr>
-                  <a:t>. </a:t>
-                </a:r>
-                <a:r>
-                  <a:rPr lang="en-US" b="1" dirty="0">
-                    <a:solidFill>
                       <a:srgbClr val="FF0000"/>
                     </a:solidFill>
                   </a:rPr>
-                  <a:t>(PS 4.3.1 , 4.3.2)</a:t>
+                  <a:t>to PS 4.3.1 and 4.3.2</a:t>
+                </a:r>
+                <a:r>
+                  <a:rPr lang="en-US" dirty="0">
+                    <a:solidFill>
+                      <a:schemeClr val="accent1"/>
+                    </a:solidFill>
+                  </a:rPr>
+                  <a:t>.</a:t>
+                </a:r>
+              </a:p>
+              <a:p>
+                <a:pPr marL="0" indent="0">
+                  <a:buNone/>
+                </a:pPr>
+                <a:endParaRPr lang="en-US" b="1" dirty="0">
+                  <a:solidFill>
+                    <a:srgbClr val="FF0000"/>
+                  </a:solidFill>
+                </a:endParaRPr>
+              </a:p>
+              <a:p>
+                <a:pPr marL="0" indent="0">
+                  <a:buNone/>
+                </a:pPr>
+                <a:r>
+                  <a:rPr lang="en-US" b="1" i="1" dirty="0">
+                    <a:solidFill>
+                      <a:srgbClr val="FF0000"/>
+                    </a:solidFill>
+                  </a:rPr>
+                  <a:t>***</a:t>
+                </a:r>
+                <a:r>
+                  <a:rPr lang="en-US" dirty="0">
+                    <a:solidFill>
+                      <a:schemeClr val="accent1"/>
+                    </a:solidFill>
+                  </a:rPr>
+                  <a:t>The pseudocode for delete will be added after the submission deadline for PS4.</a:t>
                 </a:r>
                 <a:endParaRPr lang="en-US" dirty="0">
                   <a:solidFill>
@@ -19562,7 +19609,7 @@
             </p:txBody>
           </p:sp>
         </mc:Choice>
-        <mc:Fallback xmlns="">
+        <mc:Fallback>
           <p:sp>
             <p:nvSpPr>
               <p:cNvPr id="11" name="Content Placeholder 10">
@@ -19583,7 +19630,7 @@
               <a:blipFill>
                 <a:blip r:embed="rId2"/>
                 <a:stretch>
-                  <a:fillRect l="-1217" t="-2241" r="-812"/>
+                  <a:fillRect l="-1217" t="-3081" r="-812" b="-2241"/>
                 </a:stretch>
               </a:blipFill>
             </p:spPr>
@@ -22593,23 +22640,7 @@
                       <a:schemeClr val="accent1"/>
                     </a:solidFill>
                   </a:rPr>
-                  <a:t> a larger number of probe </a:t>
-                </a:r>
-                <a:r>
-                  <a:rPr lang="en-US">
-                    <a:solidFill>
-                      <a:schemeClr val="accent1"/>
-                    </a:solidFill>
-                  </a:rPr>
-                  <a:t>sequences are made </a:t>
-                </a:r>
-                <a:r>
-                  <a:rPr lang="en-US" dirty="0">
-                    <a:solidFill>
-                      <a:schemeClr val="accent1"/>
-                    </a:solidFill>
-                  </a:rPr>
-                  <a:t>possible</a:t>
+                  <a:t> a larger number of probe sequences are made possible</a:t>
                 </a:r>
               </a:p>
               <a:p>
